--- a/docs/Presentation/Presentation_part_julien.pptx
+++ b/docs/Presentation/Presentation_part_julien.pptx
@@ -5,10 +5,10 @@
     <p:sldMasterId id="2147483669" r:id="rId4"/>
   </p:sldMasterIdLst>
   <p:notesMasterIdLst>
-    <p:notesMasterId r:id="rId21"/>
+    <p:notesMasterId r:id="rId44"/>
   </p:notesMasterIdLst>
   <p:handoutMasterIdLst>
-    <p:handoutMasterId r:id="rId22"/>
+    <p:handoutMasterId r:id="rId45"/>
   </p:handoutMasterIdLst>
   <p:sldIdLst>
     <p:sldId id="256" r:id="rId5"/>
@@ -17,16 +17,39 @@
     <p:sldId id="272" r:id="rId8"/>
     <p:sldId id="273" r:id="rId9"/>
     <p:sldId id="279" r:id="rId10"/>
-    <p:sldId id="278" r:id="rId11"/>
-    <p:sldId id="280" r:id="rId12"/>
-    <p:sldId id="281" r:id="rId13"/>
-    <p:sldId id="270" r:id="rId14"/>
-    <p:sldId id="263" r:id="rId15"/>
-    <p:sldId id="258" r:id="rId16"/>
-    <p:sldId id="265" r:id="rId17"/>
-    <p:sldId id="264" r:id="rId18"/>
-    <p:sldId id="269" r:id="rId19"/>
-    <p:sldId id="266" r:id="rId20"/>
+    <p:sldId id="303" r:id="rId11"/>
+    <p:sldId id="304" r:id="rId12"/>
+    <p:sldId id="306" r:id="rId13"/>
+    <p:sldId id="307" r:id="rId14"/>
+    <p:sldId id="308" r:id="rId15"/>
+    <p:sldId id="281" r:id="rId16"/>
+    <p:sldId id="282" r:id="rId17"/>
+    <p:sldId id="283" r:id="rId18"/>
+    <p:sldId id="284" r:id="rId19"/>
+    <p:sldId id="285" r:id="rId20"/>
+    <p:sldId id="286" r:id="rId21"/>
+    <p:sldId id="287" r:id="rId22"/>
+    <p:sldId id="288" r:id="rId23"/>
+    <p:sldId id="289" r:id="rId24"/>
+    <p:sldId id="290" r:id="rId25"/>
+    <p:sldId id="291" r:id="rId26"/>
+    <p:sldId id="292" r:id="rId27"/>
+    <p:sldId id="293" r:id="rId28"/>
+    <p:sldId id="294" r:id="rId29"/>
+    <p:sldId id="295" r:id="rId30"/>
+    <p:sldId id="296" r:id="rId31"/>
+    <p:sldId id="297" r:id="rId32"/>
+    <p:sldId id="298" r:id="rId33"/>
+    <p:sldId id="299" r:id="rId34"/>
+    <p:sldId id="300" r:id="rId35"/>
+    <p:sldId id="301" r:id="rId36"/>
+    <p:sldId id="270" r:id="rId37"/>
+    <p:sldId id="263" r:id="rId38"/>
+    <p:sldId id="258" r:id="rId39"/>
+    <p:sldId id="265" r:id="rId40"/>
+    <p:sldId id="264" r:id="rId41"/>
+    <p:sldId id="269" r:id="rId42"/>
+    <p:sldId id="266" r:id="rId43"/>
   </p:sldIdLst>
   <p:sldSz cx="9144000" cy="6858000" type="screen4x3"/>
   <p:notesSz cx="6797675" cy="9872663"/>
@@ -270,7 +293,7 @@
           <a:p>
             <a:fld id="{EFA0D184-D464-48E9-9CA0-A94E873F6C2C}" type="datetimeFigureOut">
               <a:rPr lang="de-CH" smtClean="0"/>
-              <a:t>09.01.2016</a:t>
+              <a:t>10.01.2016</a:t>
             </a:fld>
             <a:endParaRPr lang="de-CH"/>
           </a:p>
@@ -435,7 +458,7 @@
           <a:p>
             <a:fld id="{5AF2B663-2BA9-4D7E-8201-5DE4109E1EDD}" type="datetimeFigureOut">
               <a:rPr lang="de-CH" smtClean="0"/>
-              <a:t>09.01.2016</a:t>
+              <a:t>10.01.2016</a:t>
             </a:fld>
             <a:endParaRPr lang="de-CH"/>
           </a:p>
@@ -778,6 +801,2632 @@
     <p:extLst>
       <p:ext uri="{BB962C8B-B14F-4D97-AF65-F5344CB8AC3E}">
         <p14:creationId xmlns:p14="http://schemas.microsoft.com/office/powerpoint/2010/main" val="2027060611"/>
+      </p:ext>
+    </p:extLst>
+  </p:cSld>
+  <p:clrMapOvr>
+    <a:masterClrMapping/>
+  </p:clrMapOvr>
+</p:notes>
+</file>
+
+<file path=ppt/notesSlides/notesSlide10.xml><?xml version="1.0" encoding="utf-8"?>
+<p:notes xmlns:a="http://schemas.openxmlformats.org/drawingml/2006/main" xmlns:r="http://schemas.openxmlformats.org/officeDocument/2006/relationships" xmlns:p="http://schemas.openxmlformats.org/presentationml/2006/main">
+  <p:cSld>
+    <p:spTree>
+      <p:nvGrpSpPr>
+        <p:cNvPr id="1" name=""/>
+        <p:cNvGrpSpPr/>
+        <p:nvPr/>
+      </p:nvGrpSpPr>
+      <p:grpSpPr>
+        <a:xfrm>
+          <a:off x="0" y="0"/>
+          <a:ext cx="0" cy="0"/>
+          <a:chOff x="0" y="0"/>
+          <a:chExt cx="0" cy="0"/>
+        </a:xfrm>
+      </p:grpSpPr>
+      <p:sp>
+        <p:nvSpPr>
+          <p:cNvPr id="2" name="Folienbildplatzhalter 1"/>
+          <p:cNvSpPr>
+            <a:spLocks noGrp="1" noRot="1" noChangeAspect="1"/>
+          </p:cNvSpPr>
+          <p:nvPr>
+            <p:ph type="sldImg"/>
+          </p:nvPr>
+        </p:nvSpPr>
+        <p:spPr/>
+      </p:sp>
+      <p:sp>
+        <p:nvSpPr>
+          <p:cNvPr id="3" name="Notizenplatzhalter 2"/>
+          <p:cNvSpPr>
+            <a:spLocks noGrp="1"/>
+          </p:cNvSpPr>
+          <p:nvPr>
+            <p:ph type="body" idx="1"/>
+          </p:nvPr>
+        </p:nvSpPr>
+        <p:spPr/>
+        <p:txBody>
+          <a:bodyPr/>
+          <a:lstStyle/>
+          <a:p>
+            <a:pPr marL="171450" indent="-171450">
+              <a:buFontTx/>
+              <a:buChar char="-"/>
+            </a:pPr>
+            <a:r>
+              <a:rPr lang="de-CH" dirty="0" smtClean="0"/>
+              <a:t>Custom Package</a:t>
+            </a:r>
+          </a:p>
+          <a:p>
+            <a:pPr marL="171450" indent="-171450">
+              <a:buFontTx/>
+              <a:buChar char="-"/>
+            </a:pPr>
+            <a:endParaRPr lang="en-US" dirty="0"/>
+          </a:p>
+        </p:txBody>
+      </p:sp>
+      <p:sp>
+        <p:nvSpPr>
+          <p:cNvPr id="4" name="Foliennummernplatzhalter 3"/>
+          <p:cNvSpPr>
+            <a:spLocks noGrp="1"/>
+          </p:cNvSpPr>
+          <p:nvPr>
+            <p:ph type="sldNum" sz="quarter" idx="10"/>
+          </p:nvPr>
+        </p:nvSpPr>
+        <p:spPr/>
+        <p:txBody>
+          <a:bodyPr/>
+          <a:lstStyle/>
+          <a:p>
+            <a:fld id="{37E44704-8E6D-4CF2-8CFA-A0F7BC751896}" type="slidenum">
+              <a:rPr lang="de-CH" smtClean="0"/>
+              <a:t>16</a:t>
+            </a:fld>
+            <a:endParaRPr lang="de-CH"/>
+          </a:p>
+        </p:txBody>
+      </p:sp>
+    </p:spTree>
+    <p:extLst>
+      <p:ext uri="{BB962C8B-B14F-4D97-AF65-F5344CB8AC3E}">
+        <p14:creationId xmlns:p14="http://schemas.microsoft.com/office/powerpoint/2010/main" val="943231112"/>
+      </p:ext>
+    </p:extLst>
+  </p:cSld>
+  <p:clrMapOvr>
+    <a:masterClrMapping/>
+  </p:clrMapOvr>
+</p:notes>
+</file>
+
+<file path=ppt/notesSlides/notesSlide11.xml><?xml version="1.0" encoding="utf-8"?>
+<p:notes xmlns:a="http://schemas.openxmlformats.org/drawingml/2006/main" xmlns:r="http://schemas.openxmlformats.org/officeDocument/2006/relationships" xmlns:p="http://schemas.openxmlformats.org/presentationml/2006/main">
+  <p:cSld>
+    <p:spTree>
+      <p:nvGrpSpPr>
+        <p:cNvPr id="1" name=""/>
+        <p:cNvGrpSpPr/>
+        <p:nvPr/>
+      </p:nvGrpSpPr>
+      <p:grpSpPr>
+        <a:xfrm>
+          <a:off x="0" y="0"/>
+          <a:ext cx="0" cy="0"/>
+          <a:chOff x="0" y="0"/>
+          <a:chExt cx="0" cy="0"/>
+        </a:xfrm>
+      </p:grpSpPr>
+      <p:sp>
+        <p:nvSpPr>
+          <p:cNvPr id="2" name="Folienbildplatzhalter 1"/>
+          <p:cNvSpPr>
+            <a:spLocks noGrp="1" noRot="1" noChangeAspect="1"/>
+          </p:cNvSpPr>
+          <p:nvPr>
+            <p:ph type="sldImg"/>
+          </p:nvPr>
+        </p:nvSpPr>
+        <p:spPr/>
+      </p:sp>
+      <p:sp>
+        <p:nvSpPr>
+          <p:cNvPr id="3" name="Notizenplatzhalter 2"/>
+          <p:cNvSpPr>
+            <a:spLocks noGrp="1"/>
+          </p:cNvSpPr>
+          <p:nvPr>
+            <p:ph type="body" idx="1"/>
+          </p:nvPr>
+        </p:nvSpPr>
+        <p:spPr/>
+        <p:txBody>
+          <a:bodyPr/>
+          <a:lstStyle/>
+          <a:p>
+            <a:r>
+              <a:rPr lang="de-CH" dirty="0" smtClean="0"/>
+              <a:t>- </a:t>
+            </a:r>
+            <a:r>
+              <a:rPr lang="de-CH" dirty="0" err="1" smtClean="0"/>
+              <a:t>Prefab</a:t>
+            </a:r>
+            <a:r>
+              <a:rPr lang="de-CH" dirty="0" smtClean="0"/>
+              <a:t> in die Hierarchie ziehen</a:t>
+            </a:r>
+            <a:endParaRPr lang="en-US" dirty="0"/>
+          </a:p>
+        </p:txBody>
+      </p:sp>
+      <p:sp>
+        <p:nvSpPr>
+          <p:cNvPr id="4" name="Foliennummernplatzhalter 3"/>
+          <p:cNvSpPr>
+            <a:spLocks noGrp="1"/>
+          </p:cNvSpPr>
+          <p:nvPr>
+            <p:ph type="sldNum" sz="quarter" idx="10"/>
+          </p:nvPr>
+        </p:nvSpPr>
+        <p:spPr/>
+        <p:txBody>
+          <a:bodyPr/>
+          <a:lstStyle/>
+          <a:p>
+            <a:fld id="{37E44704-8E6D-4CF2-8CFA-A0F7BC751896}" type="slidenum">
+              <a:rPr lang="de-CH" smtClean="0"/>
+              <a:t>17</a:t>
+            </a:fld>
+            <a:endParaRPr lang="de-CH"/>
+          </a:p>
+        </p:txBody>
+      </p:sp>
+    </p:spTree>
+    <p:extLst>
+      <p:ext uri="{BB962C8B-B14F-4D97-AF65-F5344CB8AC3E}">
+        <p14:creationId xmlns:p14="http://schemas.microsoft.com/office/powerpoint/2010/main" val="1481144891"/>
+      </p:ext>
+    </p:extLst>
+  </p:cSld>
+  <p:clrMapOvr>
+    <a:masterClrMapping/>
+  </p:clrMapOvr>
+</p:notes>
+</file>
+
+<file path=ppt/notesSlides/notesSlide12.xml><?xml version="1.0" encoding="utf-8"?>
+<p:notes xmlns:a="http://schemas.openxmlformats.org/drawingml/2006/main" xmlns:r="http://schemas.openxmlformats.org/officeDocument/2006/relationships" xmlns:p="http://schemas.openxmlformats.org/presentationml/2006/main">
+  <p:cSld>
+    <p:spTree>
+      <p:nvGrpSpPr>
+        <p:cNvPr id="1" name=""/>
+        <p:cNvGrpSpPr/>
+        <p:nvPr/>
+      </p:nvGrpSpPr>
+      <p:grpSpPr>
+        <a:xfrm>
+          <a:off x="0" y="0"/>
+          <a:ext cx="0" cy="0"/>
+          <a:chOff x="0" y="0"/>
+          <a:chExt cx="0" cy="0"/>
+        </a:xfrm>
+      </p:grpSpPr>
+      <p:sp>
+        <p:nvSpPr>
+          <p:cNvPr id="2" name="Folienbildplatzhalter 1"/>
+          <p:cNvSpPr>
+            <a:spLocks noGrp="1" noRot="1" noChangeAspect="1"/>
+          </p:cNvSpPr>
+          <p:nvPr>
+            <p:ph type="sldImg"/>
+          </p:nvPr>
+        </p:nvSpPr>
+        <p:spPr/>
+      </p:sp>
+      <p:sp>
+        <p:nvSpPr>
+          <p:cNvPr id="3" name="Notizenplatzhalter 2"/>
+          <p:cNvSpPr>
+            <a:spLocks noGrp="1"/>
+          </p:cNvSpPr>
+          <p:nvPr>
+            <p:ph type="body" idx="1"/>
+          </p:nvPr>
+        </p:nvSpPr>
+        <p:spPr/>
+        <p:txBody>
+          <a:bodyPr/>
+          <a:lstStyle/>
+          <a:p>
+            <a:r>
+              <a:rPr lang="de-CH" dirty="0" smtClean="0"/>
+              <a:t>- Exportieren</a:t>
+            </a:r>
+            <a:endParaRPr lang="en-US" dirty="0"/>
+          </a:p>
+        </p:txBody>
+      </p:sp>
+      <p:sp>
+        <p:nvSpPr>
+          <p:cNvPr id="4" name="Foliennummernplatzhalter 3"/>
+          <p:cNvSpPr>
+            <a:spLocks noGrp="1"/>
+          </p:cNvSpPr>
+          <p:nvPr>
+            <p:ph type="sldNum" sz="quarter" idx="10"/>
+          </p:nvPr>
+        </p:nvSpPr>
+        <p:spPr/>
+        <p:txBody>
+          <a:bodyPr/>
+          <a:lstStyle/>
+          <a:p>
+            <a:fld id="{37E44704-8E6D-4CF2-8CFA-A0F7BC751896}" type="slidenum">
+              <a:rPr lang="de-CH" smtClean="0"/>
+              <a:t>18</a:t>
+            </a:fld>
+            <a:endParaRPr lang="de-CH"/>
+          </a:p>
+        </p:txBody>
+      </p:sp>
+    </p:spTree>
+    <p:extLst>
+      <p:ext uri="{BB962C8B-B14F-4D97-AF65-F5344CB8AC3E}">
+        <p14:creationId xmlns:p14="http://schemas.microsoft.com/office/powerpoint/2010/main" val="444779779"/>
+      </p:ext>
+    </p:extLst>
+  </p:cSld>
+  <p:clrMapOvr>
+    <a:masterClrMapping/>
+  </p:clrMapOvr>
+</p:notes>
+</file>
+
+<file path=ppt/notesSlides/notesSlide13.xml><?xml version="1.0" encoding="utf-8"?>
+<p:notes xmlns:a="http://schemas.openxmlformats.org/drawingml/2006/main" xmlns:r="http://schemas.openxmlformats.org/officeDocument/2006/relationships" xmlns:p="http://schemas.openxmlformats.org/presentationml/2006/main">
+  <p:cSld>
+    <p:spTree>
+      <p:nvGrpSpPr>
+        <p:cNvPr id="1" name=""/>
+        <p:cNvGrpSpPr/>
+        <p:nvPr/>
+      </p:nvGrpSpPr>
+      <p:grpSpPr>
+        <a:xfrm>
+          <a:off x="0" y="0"/>
+          <a:ext cx="0" cy="0"/>
+          <a:chOff x="0" y="0"/>
+          <a:chExt cx="0" cy="0"/>
+        </a:xfrm>
+      </p:grpSpPr>
+      <p:sp>
+        <p:nvSpPr>
+          <p:cNvPr id="2" name="Folienbildplatzhalter 1"/>
+          <p:cNvSpPr>
+            <a:spLocks noGrp="1" noRot="1" noChangeAspect="1"/>
+          </p:cNvSpPr>
+          <p:nvPr>
+            <p:ph type="sldImg"/>
+          </p:nvPr>
+        </p:nvSpPr>
+        <p:spPr/>
+      </p:sp>
+      <p:sp>
+        <p:nvSpPr>
+          <p:cNvPr id="3" name="Notizenplatzhalter 2"/>
+          <p:cNvSpPr>
+            <a:spLocks noGrp="1"/>
+          </p:cNvSpPr>
+          <p:nvPr>
+            <p:ph type="body" idx="1"/>
+          </p:nvPr>
+        </p:nvSpPr>
+        <p:spPr/>
+        <p:txBody>
+          <a:bodyPr/>
+          <a:lstStyle/>
+          <a:p>
+            <a:r>
+              <a:rPr lang="de-CH" dirty="0" smtClean="0"/>
+              <a:t>- Fertig!</a:t>
+            </a:r>
+            <a:endParaRPr lang="en-US" dirty="0"/>
+          </a:p>
+        </p:txBody>
+      </p:sp>
+      <p:sp>
+        <p:nvSpPr>
+          <p:cNvPr id="4" name="Foliennummernplatzhalter 3"/>
+          <p:cNvSpPr>
+            <a:spLocks noGrp="1"/>
+          </p:cNvSpPr>
+          <p:nvPr>
+            <p:ph type="sldNum" sz="quarter" idx="10"/>
+          </p:nvPr>
+        </p:nvSpPr>
+        <p:spPr/>
+        <p:txBody>
+          <a:bodyPr/>
+          <a:lstStyle/>
+          <a:p>
+            <a:fld id="{37E44704-8E6D-4CF2-8CFA-A0F7BC751896}" type="slidenum">
+              <a:rPr lang="de-CH" smtClean="0"/>
+              <a:t>19</a:t>
+            </a:fld>
+            <a:endParaRPr lang="de-CH"/>
+          </a:p>
+        </p:txBody>
+      </p:sp>
+    </p:spTree>
+    <p:extLst>
+      <p:ext uri="{BB962C8B-B14F-4D97-AF65-F5344CB8AC3E}">
+        <p14:creationId xmlns:p14="http://schemas.microsoft.com/office/powerpoint/2010/main" val="4082925244"/>
+      </p:ext>
+    </p:extLst>
+  </p:cSld>
+  <p:clrMapOvr>
+    <a:masterClrMapping/>
+  </p:clrMapOvr>
+</p:notes>
+</file>
+
+<file path=ppt/notesSlides/notesSlide14.xml><?xml version="1.0" encoding="utf-8"?>
+<p:notes xmlns:a="http://schemas.openxmlformats.org/drawingml/2006/main" xmlns:r="http://schemas.openxmlformats.org/officeDocument/2006/relationships" xmlns:p="http://schemas.openxmlformats.org/presentationml/2006/main">
+  <p:cSld>
+    <p:spTree>
+      <p:nvGrpSpPr>
+        <p:cNvPr id="1" name=""/>
+        <p:cNvGrpSpPr/>
+        <p:nvPr/>
+      </p:nvGrpSpPr>
+      <p:grpSpPr>
+        <a:xfrm>
+          <a:off x="0" y="0"/>
+          <a:ext cx="0" cy="0"/>
+          <a:chOff x="0" y="0"/>
+          <a:chExt cx="0" cy="0"/>
+        </a:xfrm>
+      </p:grpSpPr>
+      <p:sp>
+        <p:nvSpPr>
+          <p:cNvPr id="2" name="Folienbildplatzhalter 1"/>
+          <p:cNvSpPr>
+            <a:spLocks noGrp="1" noRot="1" noChangeAspect="1"/>
+          </p:cNvSpPr>
+          <p:nvPr>
+            <p:ph type="sldImg"/>
+          </p:nvPr>
+        </p:nvSpPr>
+        <p:spPr/>
+      </p:sp>
+      <p:sp>
+        <p:nvSpPr>
+          <p:cNvPr id="3" name="Notizenplatzhalter 2"/>
+          <p:cNvSpPr>
+            <a:spLocks noGrp="1"/>
+          </p:cNvSpPr>
+          <p:nvPr>
+            <p:ph type="body" idx="1"/>
+          </p:nvPr>
+        </p:nvSpPr>
+        <p:spPr/>
+        <p:txBody>
+          <a:bodyPr/>
+          <a:lstStyle/>
+          <a:p>
+            <a:pPr marL="171450" indent="-171450">
+              <a:buFontTx/>
+              <a:buChar char="-"/>
+            </a:pPr>
+            <a:r>
+              <a:rPr lang="de-CH" dirty="0" smtClean="0"/>
+              <a:t>Zusätzliche Features, um Spezialfälle weitgehend abdecken zu können. Dazu gehören:</a:t>
+            </a:r>
+          </a:p>
+          <a:p>
+            <a:pPr marL="628650" lvl="1" indent="-171450">
+              <a:buFontTx/>
+              <a:buChar char="-"/>
+            </a:pPr>
+            <a:r>
+              <a:rPr lang="de-CH" dirty="0" smtClean="0"/>
+              <a:t>Platzierung</a:t>
+            </a:r>
+            <a:r>
+              <a:rPr lang="de-CH" baseline="0" dirty="0" smtClean="0"/>
+              <a:t> GUI</a:t>
+            </a:r>
+            <a:br>
+              <a:rPr lang="de-CH" baseline="0" dirty="0" smtClean="0"/>
+            </a:br>
+            <a:r>
+              <a:rPr lang="de-CH" baseline="0" dirty="0" smtClean="0"/>
+              <a:t>Auf welche Leinwand alle 2D-Elemente gerendert werden</a:t>
+            </a:r>
+          </a:p>
+          <a:p>
+            <a:pPr marL="628650" lvl="1" indent="-171450">
+              <a:buFontTx/>
+              <a:buChar char="-"/>
+            </a:pPr>
+            <a:r>
+              <a:rPr lang="de-CH" baseline="0" dirty="0" smtClean="0"/>
+              <a:t>Benutzerdefinierter Cursor</a:t>
+            </a:r>
+            <a:r>
+              <a:rPr lang="en-US" baseline="0" dirty="0" smtClean="0"/>
+              <a:t/>
+            </a:r>
+            <a:br>
+              <a:rPr lang="en-US" baseline="0" dirty="0" smtClean="0"/>
+            </a:br>
+            <a:r>
+              <a:rPr lang="en-US" baseline="0" dirty="0" smtClean="0"/>
+              <a:t>Ersatz des </a:t>
+            </a:r>
+            <a:r>
+              <a:rPr lang="en-US" baseline="0" dirty="0" err="1" smtClean="0"/>
+              <a:t>Systemcursor</a:t>
+            </a:r>
+            <a:r>
+              <a:rPr lang="en-US" baseline="0" dirty="0" smtClean="0"/>
+              <a:t> </a:t>
+            </a:r>
+            <a:r>
+              <a:rPr lang="en-US" baseline="0" dirty="0" err="1" smtClean="0"/>
+              <a:t>mit</a:t>
+            </a:r>
+            <a:r>
+              <a:rPr lang="en-US" baseline="0" dirty="0" smtClean="0"/>
+              <a:t> </a:t>
+            </a:r>
+            <a:r>
+              <a:rPr lang="en-US" baseline="0" dirty="0" err="1" smtClean="0"/>
+              <a:t>Kopie</a:t>
+            </a:r>
+            <a:r>
+              <a:rPr lang="en-US" baseline="0" dirty="0" smtClean="0"/>
+              <a:t> furs </a:t>
+            </a:r>
+            <a:r>
+              <a:rPr lang="en-US" baseline="0" dirty="0" err="1" smtClean="0"/>
+              <a:t>rechte</a:t>
+            </a:r>
+            <a:r>
+              <a:rPr lang="en-US" baseline="0" dirty="0" smtClean="0"/>
+              <a:t> </a:t>
+            </a:r>
+            <a:r>
+              <a:rPr lang="en-US" baseline="0" dirty="0" err="1" smtClean="0"/>
+              <a:t>Auge</a:t>
+            </a:r>
+            <a:endParaRPr lang="en-US" baseline="0" dirty="0" smtClean="0"/>
+          </a:p>
+          <a:p>
+            <a:pPr marL="628650" lvl="1" indent="-171450">
+              <a:buFontTx/>
+              <a:buChar char="-"/>
+            </a:pPr>
+            <a:r>
+              <a:rPr lang="de-CH" baseline="0" dirty="0" smtClean="0"/>
+              <a:t>Sekundäre Kameras</a:t>
+            </a:r>
+            <a:br>
+              <a:rPr lang="de-CH" baseline="0" dirty="0" smtClean="0"/>
+            </a:br>
+            <a:r>
+              <a:rPr lang="de-CH" baseline="0" dirty="0" smtClean="0"/>
+              <a:t>Beispielsweise </a:t>
+            </a:r>
+            <a:r>
+              <a:rPr lang="de-CH" baseline="0" dirty="0" err="1" smtClean="0"/>
+              <a:t>Minimap</a:t>
+            </a:r>
+            <a:r>
+              <a:rPr lang="de-CH" baseline="0" dirty="0" smtClean="0"/>
+              <a:t> oder Rückspiegel, frei auf einer Leinwand platzierbar</a:t>
+            </a:r>
+          </a:p>
+          <a:p>
+            <a:pPr marL="628650" lvl="1" indent="-171450">
+              <a:buFontTx/>
+              <a:buChar char="-"/>
+            </a:pPr>
+            <a:r>
+              <a:rPr lang="de-CH" baseline="0" dirty="0" smtClean="0"/>
+              <a:t>Sensitivität / Restriktion Achsen</a:t>
+            </a:r>
+            <a:br>
+              <a:rPr lang="de-CH" baseline="0" dirty="0" smtClean="0"/>
+            </a:br>
+            <a:r>
+              <a:rPr lang="de-CH" baseline="0" dirty="0" smtClean="0"/>
+              <a:t>Proportionen reale / virtuelle Bewegung geändert werden. Beispielsweise 1Schritt im CAVE kann 5 Schritte in virtueller Welt sein.</a:t>
+            </a:r>
+            <a:br>
+              <a:rPr lang="de-CH" baseline="0" dirty="0" smtClean="0"/>
+            </a:br>
+            <a:r>
+              <a:rPr lang="de-CH" baseline="0" dirty="0" smtClean="0"/>
+              <a:t>Oder Achsen selektiv komplett deaktivieren.</a:t>
+            </a:r>
+          </a:p>
+        </p:txBody>
+      </p:sp>
+      <p:sp>
+        <p:nvSpPr>
+          <p:cNvPr id="4" name="Foliennummernplatzhalter 3"/>
+          <p:cNvSpPr>
+            <a:spLocks noGrp="1"/>
+          </p:cNvSpPr>
+          <p:nvPr>
+            <p:ph type="sldNum" sz="quarter" idx="10"/>
+          </p:nvPr>
+        </p:nvSpPr>
+        <p:spPr/>
+        <p:txBody>
+          <a:bodyPr/>
+          <a:lstStyle/>
+          <a:p>
+            <a:fld id="{37E44704-8E6D-4CF2-8CFA-A0F7BC751896}" type="slidenum">
+              <a:rPr lang="de-CH" smtClean="0"/>
+              <a:t>20</a:t>
+            </a:fld>
+            <a:endParaRPr lang="de-CH"/>
+          </a:p>
+        </p:txBody>
+      </p:sp>
+    </p:spTree>
+    <p:extLst>
+      <p:ext uri="{BB962C8B-B14F-4D97-AF65-F5344CB8AC3E}">
+        <p14:creationId xmlns:p14="http://schemas.microsoft.com/office/powerpoint/2010/main" val="203071905"/>
+      </p:ext>
+    </p:extLst>
+  </p:cSld>
+  <p:clrMapOvr>
+    <a:masterClrMapping/>
+  </p:clrMapOvr>
+</p:notes>
+</file>
+
+<file path=ppt/notesSlides/notesSlide15.xml><?xml version="1.0" encoding="utf-8"?>
+<p:notes xmlns:a="http://schemas.openxmlformats.org/drawingml/2006/main" xmlns:r="http://schemas.openxmlformats.org/officeDocument/2006/relationships" xmlns:p="http://schemas.openxmlformats.org/presentationml/2006/main">
+  <p:cSld>
+    <p:spTree>
+      <p:nvGrpSpPr>
+        <p:cNvPr id="1" name=""/>
+        <p:cNvGrpSpPr/>
+        <p:nvPr/>
+      </p:nvGrpSpPr>
+      <p:grpSpPr>
+        <a:xfrm>
+          <a:off x="0" y="0"/>
+          <a:ext cx="0" cy="0"/>
+          <a:chOff x="0" y="0"/>
+          <a:chExt cx="0" cy="0"/>
+        </a:xfrm>
+      </p:grpSpPr>
+      <p:sp>
+        <p:nvSpPr>
+          <p:cNvPr id="2" name="Folienbildplatzhalter 1"/>
+          <p:cNvSpPr>
+            <a:spLocks noGrp="1" noRot="1" noChangeAspect="1"/>
+          </p:cNvSpPr>
+          <p:nvPr>
+            <p:ph type="sldImg"/>
+          </p:nvPr>
+        </p:nvSpPr>
+        <p:spPr/>
+      </p:sp>
+      <p:sp>
+        <p:nvSpPr>
+          <p:cNvPr id="3" name="Notizenplatzhalter 2"/>
+          <p:cNvSpPr>
+            <a:spLocks noGrp="1"/>
+          </p:cNvSpPr>
+          <p:nvPr>
+            <p:ph type="body" idx="1"/>
+          </p:nvPr>
+        </p:nvSpPr>
+        <p:spPr/>
+        <p:txBody>
+          <a:bodyPr/>
+          <a:lstStyle/>
+          <a:p>
+            <a:pPr marL="171450" indent="-171450">
+              <a:buFontTx/>
+              <a:buChar char="-"/>
+            </a:pPr>
+            <a:r>
+              <a:rPr lang="de-CH" dirty="0" smtClean="0"/>
+              <a:t>Gliederung in 5</a:t>
+            </a:r>
+            <a:r>
+              <a:rPr lang="de-CH" baseline="0" dirty="0" smtClean="0"/>
+              <a:t> Bereiche</a:t>
+            </a:r>
+            <a:br>
+              <a:rPr lang="de-CH" baseline="0" dirty="0" smtClean="0"/>
+            </a:br>
+            <a:r>
+              <a:rPr lang="de-CH" baseline="0" dirty="0" smtClean="0"/>
+              <a:t>(kurze Erklärung der Bereiche)</a:t>
+            </a:r>
+          </a:p>
+          <a:p>
+            <a:pPr marL="171450" indent="-171450">
+              <a:buFontTx/>
+              <a:buChar char="-"/>
+            </a:pPr>
+            <a:r>
+              <a:rPr lang="de-CH" dirty="0" smtClean="0"/>
+              <a:t>An dieser Stelle nur auf einige Punkte</a:t>
+            </a:r>
+            <a:r>
+              <a:rPr lang="de-CH" baseline="0" dirty="0" smtClean="0"/>
+              <a:t> eingehen</a:t>
+            </a:r>
+            <a:endParaRPr lang="en-US" dirty="0"/>
+          </a:p>
+        </p:txBody>
+      </p:sp>
+      <p:sp>
+        <p:nvSpPr>
+          <p:cNvPr id="4" name="Foliennummernplatzhalter 3"/>
+          <p:cNvSpPr>
+            <a:spLocks noGrp="1"/>
+          </p:cNvSpPr>
+          <p:nvPr>
+            <p:ph type="sldNum" sz="quarter" idx="10"/>
+          </p:nvPr>
+        </p:nvSpPr>
+        <p:spPr/>
+        <p:txBody>
+          <a:bodyPr/>
+          <a:lstStyle/>
+          <a:p>
+            <a:fld id="{37E44704-8E6D-4CF2-8CFA-A0F7BC751896}" type="slidenum">
+              <a:rPr lang="de-CH" smtClean="0"/>
+              <a:t>21</a:t>
+            </a:fld>
+            <a:endParaRPr lang="de-CH"/>
+          </a:p>
+        </p:txBody>
+      </p:sp>
+    </p:spTree>
+    <p:extLst>
+      <p:ext uri="{BB962C8B-B14F-4D97-AF65-F5344CB8AC3E}">
+        <p14:creationId xmlns:p14="http://schemas.microsoft.com/office/powerpoint/2010/main" val="3748390759"/>
+      </p:ext>
+    </p:extLst>
+  </p:cSld>
+  <p:clrMapOvr>
+    <a:masterClrMapping/>
+  </p:clrMapOvr>
+</p:notes>
+</file>
+
+<file path=ppt/notesSlides/notesSlide16.xml><?xml version="1.0" encoding="utf-8"?>
+<p:notes xmlns:a="http://schemas.openxmlformats.org/drawingml/2006/main" xmlns:r="http://schemas.openxmlformats.org/officeDocument/2006/relationships" xmlns:p="http://schemas.openxmlformats.org/presentationml/2006/main">
+  <p:cSld>
+    <p:spTree>
+      <p:nvGrpSpPr>
+        <p:cNvPr id="1" name=""/>
+        <p:cNvGrpSpPr/>
+        <p:nvPr/>
+      </p:nvGrpSpPr>
+      <p:grpSpPr>
+        <a:xfrm>
+          <a:off x="0" y="0"/>
+          <a:ext cx="0" cy="0"/>
+          <a:chOff x="0" y="0"/>
+          <a:chExt cx="0" cy="0"/>
+        </a:xfrm>
+      </p:grpSpPr>
+      <p:sp>
+        <p:nvSpPr>
+          <p:cNvPr id="2" name="Folienbildplatzhalter 1"/>
+          <p:cNvSpPr>
+            <a:spLocks noGrp="1" noRot="1" noChangeAspect="1"/>
+          </p:cNvSpPr>
+          <p:nvPr>
+            <p:ph type="sldImg"/>
+          </p:nvPr>
+        </p:nvSpPr>
+        <p:spPr/>
+      </p:sp>
+      <p:sp>
+        <p:nvSpPr>
+          <p:cNvPr id="3" name="Notizenplatzhalter 2"/>
+          <p:cNvSpPr>
+            <a:spLocks noGrp="1"/>
+          </p:cNvSpPr>
+          <p:nvPr>
+            <p:ph type="body" idx="1"/>
+          </p:nvPr>
+        </p:nvSpPr>
+        <p:spPr/>
+        <p:txBody>
+          <a:bodyPr/>
+          <a:lstStyle/>
+          <a:p>
+            <a:pPr marL="171450" indent="-171450">
+              <a:buFontTx/>
+              <a:buChar char="-"/>
+            </a:pPr>
+            <a:endParaRPr lang="en-US" dirty="0"/>
+          </a:p>
+        </p:txBody>
+      </p:sp>
+      <p:sp>
+        <p:nvSpPr>
+          <p:cNvPr id="4" name="Foliennummernplatzhalter 3"/>
+          <p:cNvSpPr>
+            <a:spLocks noGrp="1"/>
+          </p:cNvSpPr>
+          <p:nvPr>
+            <p:ph type="sldNum" sz="quarter" idx="10"/>
+          </p:nvPr>
+        </p:nvSpPr>
+        <p:spPr/>
+        <p:txBody>
+          <a:bodyPr/>
+          <a:lstStyle/>
+          <a:p>
+            <a:fld id="{37E44704-8E6D-4CF2-8CFA-A0F7BC751896}" type="slidenum">
+              <a:rPr lang="de-CH" smtClean="0"/>
+              <a:t>22</a:t>
+            </a:fld>
+            <a:endParaRPr lang="de-CH"/>
+          </a:p>
+        </p:txBody>
+      </p:sp>
+    </p:spTree>
+    <p:extLst>
+      <p:ext uri="{BB962C8B-B14F-4D97-AF65-F5344CB8AC3E}">
+        <p14:creationId xmlns:p14="http://schemas.microsoft.com/office/powerpoint/2010/main" val="474365329"/>
+      </p:ext>
+    </p:extLst>
+  </p:cSld>
+  <p:clrMapOvr>
+    <a:masterClrMapping/>
+  </p:clrMapOvr>
+</p:notes>
+</file>
+
+<file path=ppt/notesSlides/notesSlide17.xml><?xml version="1.0" encoding="utf-8"?>
+<p:notes xmlns:a="http://schemas.openxmlformats.org/drawingml/2006/main" xmlns:r="http://schemas.openxmlformats.org/officeDocument/2006/relationships" xmlns:p="http://schemas.openxmlformats.org/presentationml/2006/main">
+  <p:cSld>
+    <p:spTree>
+      <p:nvGrpSpPr>
+        <p:cNvPr id="1" name=""/>
+        <p:cNvGrpSpPr/>
+        <p:nvPr/>
+      </p:nvGrpSpPr>
+      <p:grpSpPr>
+        <a:xfrm>
+          <a:off x="0" y="0"/>
+          <a:ext cx="0" cy="0"/>
+          <a:chOff x="0" y="0"/>
+          <a:chExt cx="0" cy="0"/>
+        </a:xfrm>
+      </p:grpSpPr>
+      <p:sp>
+        <p:nvSpPr>
+          <p:cNvPr id="2" name="Folienbildplatzhalter 1"/>
+          <p:cNvSpPr>
+            <a:spLocks noGrp="1" noRot="1" noChangeAspect="1"/>
+          </p:cNvSpPr>
+          <p:nvPr>
+            <p:ph type="sldImg"/>
+          </p:nvPr>
+        </p:nvSpPr>
+        <p:spPr/>
+      </p:sp>
+      <p:sp>
+        <p:nvSpPr>
+          <p:cNvPr id="3" name="Notizenplatzhalter 2"/>
+          <p:cNvSpPr>
+            <a:spLocks noGrp="1"/>
+          </p:cNvSpPr>
+          <p:nvPr>
+            <p:ph type="body" idx="1"/>
+          </p:nvPr>
+        </p:nvSpPr>
+        <p:spPr/>
+        <p:txBody>
+          <a:bodyPr/>
+          <a:lstStyle/>
+          <a:p>
+            <a:pPr marL="171450" indent="-171450">
+              <a:buFontTx/>
+              <a:buChar char="-"/>
+            </a:pPr>
+            <a:r>
+              <a:rPr lang="de-CH" dirty="0" smtClean="0"/>
+              <a:t>Das Tolle</a:t>
+            </a:r>
+            <a:r>
+              <a:rPr lang="de-CH" baseline="0" dirty="0" smtClean="0"/>
+              <a:t> daran: </a:t>
+            </a:r>
+            <a:r>
+              <a:rPr lang="de-CH" dirty="0" smtClean="0"/>
+              <a:t>Ausgewählte</a:t>
+            </a:r>
+            <a:r>
+              <a:rPr lang="de-CH" baseline="0" dirty="0" smtClean="0"/>
+              <a:t> Buttons entsprechen dem System-Input -&gt; Standard </a:t>
+            </a:r>
+            <a:r>
+              <a:rPr lang="de-CH" baseline="0" dirty="0" err="1" smtClean="0"/>
+              <a:t>Unity</a:t>
+            </a:r>
+            <a:r>
+              <a:rPr lang="de-CH" baseline="0" dirty="0" smtClean="0"/>
+              <a:t> Input-Klassen können verwendet werden, kein spezifischer Code</a:t>
+            </a:r>
+            <a:endParaRPr lang="en-US" dirty="0"/>
+          </a:p>
+        </p:txBody>
+      </p:sp>
+      <p:sp>
+        <p:nvSpPr>
+          <p:cNvPr id="4" name="Foliennummernplatzhalter 3"/>
+          <p:cNvSpPr>
+            <a:spLocks noGrp="1"/>
+          </p:cNvSpPr>
+          <p:nvPr>
+            <p:ph type="sldNum" sz="quarter" idx="10"/>
+          </p:nvPr>
+        </p:nvSpPr>
+        <p:spPr/>
+        <p:txBody>
+          <a:bodyPr/>
+          <a:lstStyle/>
+          <a:p>
+            <a:fld id="{37E44704-8E6D-4CF2-8CFA-A0F7BC751896}" type="slidenum">
+              <a:rPr lang="de-CH" smtClean="0"/>
+              <a:t>23</a:t>
+            </a:fld>
+            <a:endParaRPr lang="de-CH"/>
+          </a:p>
+        </p:txBody>
+      </p:sp>
+    </p:spTree>
+    <p:extLst>
+      <p:ext uri="{BB962C8B-B14F-4D97-AF65-F5344CB8AC3E}">
+        <p14:creationId xmlns:p14="http://schemas.microsoft.com/office/powerpoint/2010/main" val="4267797877"/>
+      </p:ext>
+    </p:extLst>
+  </p:cSld>
+  <p:clrMapOvr>
+    <a:masterClrMapping/>
+  </p:clrMapOvr>
+</p:notes>
+</file>
+
+<file path=ppt/notesSlides/notesSlide18.xml><?xml version="1.0" encoding="utf-8"?>
+<p:notes xmlns:a="http://schemas.openxmlformats.org/drawingml/2006/main" xmlns:r="http://schemas.openxmlformats.org/officeDocument/2006/relationships" xmlns:p="http://schemas.openxmlformats.org/presentationml/2006/main">
+  <p:cSld>
+    <p:spTree>
+      <p:nvGrpSpPr>
+        <p:cNvPr id="1" name=""/>
+        <p:cNvGrpSpPr/>
+        <p:nvPr/>
+      </p:nvGrpSpPr>
+      <p:grpSpPr>
+        <a:xfrm>
+          <a:off x="0" y="0"/>
+          <a:ext cx="0" cy="0"/>
+          <a:chOff x="0" y="0"/>
+          <a:chExt cx="0" cy="0"/>
+        </a:xfrm>
+      </p:grpSpPr>
+      <p:sp>
+        <p:nvSpPr>
+          <p:cNvPr id="2" name="Folienbildplatzhalter 1"/>
+          <p:cNvSpPr>
+            <a:spLocks noGrp="1" noRot="1" noChangeAspect="1"/>
+          </p:cNvSpPr>
+          <p:nvPr>
+            <p:ph type="sldImg"/>
+          </p:nvPr>
+        </p:nvSpPr>
+        <p:spPr/>
+      </p:sp>
+      <p:sp>
+        <p:nvSpPr>
+          <p:cNvPr id="3" name="Notizenplatzhalter 2"/>
+          <p:cNvSpPr>
+            <a:spLocks noGrp="1"/>
+          </p:cNvSpPr>
+          <p:nvPr>
+            <p:ph type="body" idx="1"/>
+          </p:nvPr>
+        </p:nvSpPr>
+        <p:spPr/>
+        <p:txBody>
+          <a:bodyPr/>
+          <a:lstStyle/>
+          <a:p>
+            <a:pPr marL="171450" indent="-171450">
+              <a:buFontTx/>
+              <a:buChar char="-"/>
+            </a:pPr>
+            <a:endParaRPr lang="en-US" dirty="0"/>
+          </a:p>
+        </p:txBody>
+      </p:sp>
+      <p:sp>
+        <p:nvSpPr>
+          <p:cNvPr id="4" name="Foliennummernplatzhalter 3"/>
+          <p:cNvSpPr>
+            <a:spLocks noGrp="1"/>
+          </p:cNvSpPr>
+          <p:nvPr>
+            <p:ph type="sldNum" sz="quarter" idx="10"/>
+          </p:nvPr>
+        </p:nvSpPr>
+        <p:spPr/>
+        <p:txBody>
+          <a:bodyPr/>
+          <a:lstStyle/>
+          <a:p>
+            <a:fld id="{37E44704-8E6D-4CF2-8CFA-A0F7BC751896}" type="slidenum">
+              <a:rPr lang="de-CH" smtClean="0"/>
+              <a:t>24</a:t>
+            </a:fld>
+            <a:endParaRPr lang="de-CH"/>
+          </a:p>
+        </p:txBody>
+      </p:sp>
+    </p:spTree>
+    <p:extLst>
+      <p:ext uri="{BB962C8B-B14F-4D97-AF65-F5344CB8AC3E}">
+        <p14:creationId xmlns:p14="http://schemas.microsoft.com/office/powerpoint/2010/main" val="1029097105"/>
+      </p:ext>
+    </p:extLst>
+  </p:cSld>
+  <p:clrMapOvr>
+    <a:masterClrMapping/>
+  </p:clrMapOvr>
+</p:notes>
+</file>
+
+<file path=ppt/notesSlides/notesSlide19.xml><?xml version="1.0" encoding="utf-8"?>
+<p:notes xmlns:a="http://schemas.openxmlformats.org/drawingml/2006/main" xmlns:r="http://schemas.openxmlformats.org/officeDocument/2006/relationships" xmlns:p="http://schemas.openxmlformats.org/presentationml/2006/main">
+  <p:cSld>
+    <p:spTree>
+      <p:nvGrpSpPr>
+        <p:cNvPr id="1" name=""/>
+        <p:cNvGrpSpPr/>
+        <p:nvPr/>
+      </p:nvGrpSpPr>
+      <p:grpSpPr>
+        <a:xfrm>
+          <a:off x="0" y="0"/>
+          <a:ext cx="0" cy="0"/>
+          <a:chOff x="0" y="0"/>
+          <a:chExt cx="0" cy="0"/>
+        </a:xfrm>
+      </p:grpSpPr>
+      <p:sp>
+        <p:nvSpPr>
+          <p:cNvPr id="2" name="Folienbildplatzhalter 1"/>
+          <p:cNvSpPr>
+            <a:spLocks noGrp="1" noRot="1" noChangeAspect="1"/>
+          </p:cNvSpPr>
+          <p:nvPr>
+            <p:ph type="sldImg"/>
+          </p:nvPr>
+        </p:nvSpPr>
+        <p:spPr/>
+      </p:sp>
+      <p:sp>
+        <p:nvSpPr>
+          <p:cNvPr id="3" name="Notizenplatzhalter 2"/>
+          <p:cNvSpPr>
+            <a:spLocks noGrp="1"/>
+          </p:cNvSpPr>
+          <p:nvPr>
+            <p:ph type="body" idx="1"/>
+          </p:nvPr>
+        </p:nvSpPr>
+        <p:spPr/>
+        <p:txBody>
+          <a:bodyPr/>
+          <a:lstStyle/>
+          <a:p>
+            <a:endParaRPr lang="en-US" dirty="0"/>
+          </a:p>
+        </p:txBody>
+      </p:sp>
+      <p:sp>
+        <p:nvSpPr>
+          <p:cNvPr id="4" name="Foliennummernplatzhalter 3"/>
+          <p:cNvSpPr>
+            <a:spLocks noGrp="1"/>
+          </p:cNvSpPr>
+          <p:nvPr>
+            <p:ph type="sldNum" sz="quarter" idx="10"/>
+          </p:nvPr>
+        </p:nvSpPr>
+        <p:spPr/>
+        <p:txBody>
+          <a:bodyPr/>
+          <a:lstStyle/>
+          <a:p>
+            <a:fld id="{37E44704-8E6D-4CF2-8CFA-A0F7BC751896}" type="slidenum">
+              <a:rPr lang="de-CH" smtClean="0"/>
+              <a:t>25</a:t>
+            </a:fld>
+            <a:endParaRPr lang="de-CH"/>
+          </a:p>
+        </p:txBody>
+      </p:sp>
+    </p:spTree>
+    <p:extLst>
+      <p:ext uri="{BB962C8B-B14F-4D97-AF65-F5344CB8AC3E}">
+        <p14:creationId xmlns:p14="http://schemas.microsoft.com/office/powerpoint/2010/main" val="3975197390"/>
+      </p:ext>
+    </p:extLst>
+  </p:cSld>
+  <p:clrMapOvr>
+    <a:masterClrMapping/>
+  </p:clrMapOvr>
+</p:notes>
+</file>
+
+<file path=ppt/notesSlides/notesSlide2.xml><?xml version="1.0" encoding="utf-8"?>
+<p:notes xmlns:a="http://schemas.openxmlformats.org/drawingml/2006/main" xmlns:r="http://schemas.openxmlformats.org/officeDocument/2006/relationships" xmlns:p="http://schemas.openxmlformats.org/presentationml/2006/main">
+  <p:cSld>
+    <p:spTree>
+      <p:nvGrpSpPr>
+        <p:cNvPr id="1" name=""/>
+        <p:cNvGrpSpPr/>
+        <p:nvPr/>
+      </p:nvGrpSpPr>
+      <p:grpSpPr>
+        <a:xfrm>
+          <a:off x="0" y="0"/>
+          <a:ext cx="0" cy="0"/>
+          <a:chOff x="0" y="0"/>
+          <a:chExt cx="0" cy="0"/>
+        </a:xfrm>
+      </p:grpSpPr>
+      <p:sp>
+        <p:nvSpPr>
+          <p:cNvPr id="2" name="Folienbildplatzhalter 1"/>
+          <p:cNvSpPr>
+            <a:spLocks noGrp="1" noRot="1" noChangeAspect="1"/>
+          </p:cNvSpPr>
+          <p:nvPr>
+            <p:ph type="sldImg"/>
+          </p:nvPr>
+        </p:nvSpPr>
+        <p:spPr/>
+      </p:sp>
+      <p:sp>
+        <p:nvSpPr>
+          <p:cNvPr id="3" name="Notizenplatzhalter 2"/>
+          <p:cNvSpPr>
+            <a:spLocks noGrp="1"/>
+          </p:cNvSpPr>
+          <p:nvPr>
+            <p:ph type="body" idx="1"/>
+          </p:nvPr>
+        </p:nvSpPr>
+        <p:spPr/>
+        <p:txBody>
+          <a:bodyPr/>
+          <a:lstStyle/>
+          <a:p>
+            <a:pPr marL="171450" indent="-171450">
+              <a:buFontTx/>
+              <a:buChar char="-"/>
+            </a:pPr>
+            <a:r>
+              <a:rPr lang="de-CH" dirty="0" smtClean="0"/>
+              <a:t>Aufteilung</a:t>
+            </a:r>
+            <a:r>
+              <a:rPr lang="de-CH" baseline="0" dirty="0" smtClean="0"/>
+              <a:t> reale (grau) / virtuelle (</a:t>
+            </a:r>
+            <a:r>
+              <a:rPr lang="de-CH" baseline="0" dirty="0" err="1" smtClean="0"/>
+              <a:t>pastell</a:t>
+            </a:r>
+            <a:r>
+              <a:rPr lang="de-CH" baseline="0" dirty="0" smtClean="0"/>
+              <a:t>) Komponenten</a:t>
+            </a:r>
+          </a:p>
+          <a:p>
+            <a:pPr marL="171450" indent="-171450">
+              <a:buFontTx/>
+              <a:buChar char="-"/>
+            </a:pPr>
+            <a:r>
+              <a:rPr lang="de-CH" baseline="0" dirty="0" smtClean="0"/>
+              <a:t>Vereinfacht Interpretation und Weiterverarbeitung massiv, weil nun </a:t>
+            </a:r>
+            <a:r>
+              <a:rPr lang="de-CH" baseline="0" dirty="0" err="1" smtClean="0"/>
+              <a:t>Unity</a:t>
+            </a:r>
+            <a:r>
+              <a:rPr lang="de-CH" baseline="0" dirty="0" smtClean="0"/>
+              <a:t>-Objekte</a:t>
+            </a:r>
+          </a:p>
+          <a:p>
+            <a:endParaRPr lang="de-CH" baseline="0" dirty="0" smtClean="0"/>
+          </a:p>
+          <a:p>
+            <a:r>
+              <a:rPr lang="de-CH" baseline="0" dirty="0" smtClean="0"/>
+              <a:t>Reale</a:t>
+            </a:r>
+          </a:p>
+          <a:p>
+            <a:pPr marL="171450" indent="-171450">
+              <a:buFontTx/>
+              <a:buChar char="-"/>
+            </a:pPr>
+            <a:r>
+              <a:rPr lang="de-CH" baseline="0" dirty="0" smtClean="0"/>
+              <a:t>Video Matrix </a:t>
+            </a:r>
+            <a:r>
+              <a:rPr lang="de-CH" baseline="0" dirty="0" err="1" smtClean="0"/>
+              <a:t>Swtich</a:t>
+            </a:r>
+            <a:r>
+              <a:rPr lang="de-CH" baseline="0" dirty="0" smtClean="0"/>
+              <a:t> / Tracking Server / </a:t>
+            </a:r>
+            <a:r>
+              <a:rPr lang="de-CH" baseline="0" dirty="0" err="1" smtClean="0"/>
+              <a:t>Unity</a:t>
+            </a:r>
+            <a:r>
+              <a:rPr lang="de-CH" baseline="0" dirty="0" smtClean="0"/>
+              <a:t> Server / CAVE / </a:t>
+            </a:r>
+            <a:r>
+              <a:rPr lang="de-CH" baseline="0" dirty="0" err="1" smtClean="0"/>
+              <a:t>Beamer</a:t>
+            </a:r>
+            <a:r>
+              <a:rPr lang="de-CH" baseline="0" dirty="0" smtClean="0"/>
+              <a:t> / Infrarotkameras / Wand / Eyes / Gamepad</a:t>
+            </a:r>
+          </a:p>
+          <a:p>
+            <a:pPr marL="171450" indent="-171450">
+              <a:buFontTx/>
+              <a:buChar char="-"/>
+            </a:pPr>
+            <a:endParaRPr lang="de-CH" baseline="0" dirty="0" smtClean="0"/>
+          </a:p>
+          <a:p>
+            <a:pPr marL="0" indent="0">
+              <a:buFontTx/>
+              <a:buNone/>
+            </a:pPr>
+            <a:r>
+              <a:rPr lang="de-CH" baseline="0" dirty="0" smtClean="0"/>
+              <a:t>Virtuelle</a:t>
+            </a:r>
+          </a:p>
+          <a:p>
+            <a:pPr marL="0" indent="0">
+              <a:buFontTx/>
+              <a:buNone/>
+            </a:pPr>
+            <a:r>
+              <a:rPr lang="de-CH" baseline="0" dirty="0" smtClean="0"/>
+              <a:t>- CAVE / CAVE XXL / Wand / Eyes / </a:t>
+            </a:r>
+            <a:r>
+              <a:rPr lang="de-CH" baseline="0" dirty="0" err="1" smtClean="0"/>
+              <a:t>CameraContainer</a:t>
+            </a:r>
+            <a:r>
+              <a:rPr lang="de-CH" baseline="0" dirty="0" smtClean="0"/>
+              <a:t> / </a:t>
+            </a:r>
+            <a:r>
+              <a:rPr lang="de-CH" baseline="0" dirty="0" err="1" smtClean="0"/>
+              <a:t>Frustum</a:t>
+            </a:r>
+            <a:endParaRPr lang="en-US" dirty="0"/>
+          </a:p>
+        </p:txBody>
+      </p:sp>
+      <p:sp>
+        <p:nvSpPr>
+          <p:cNvPr id="4" name="Foliennummernplatzhalter 3"/>
+          <p:cNvSpPr>
+            <a:spLocks noGrp="1"/>
+          </p:cNvSpPr>
+          <p:nvPr>
+            <p:ph type="sldNum" sz="quarter" idx="10"/>
+          </p:nvPr>
+        </p:nvSpPr>
+        <p:spPr/>
+        <p:txBody>
+          <a:bodyPr/>
+          <a:lstStyle/>
+          <a:p>
+            <a:fld id="{37E44704-8E6D-4CF2-8CFA-A0F7BC751896}" type="slidenum">
+              <a:rPr lang="de-CH" smtClean="0"/>
+              <a:t>3</a:t>
+            </a:fld>
+            <a:endParaRPr lang="de-CH"/>
+          </a:p>
+        </p:txBody>
+      </p:sp>
+    </p:spTree>
+    <p:extLst>
+      <p:ext uri="{BB962C8B-B14F-4D97-AF65-F5344CB8AC3E}">
+        <p14:creationId xmlns:p14="http://schemas.microsoft.com/office/powerpoint/2010/main" val="3756131290"/>
+      </p:ext>
+    </p:extLst>
+  </p:cSld>
+  <p:clrMapOvr>
+    <a:masterClrMapping/>
+  </p:clrMapOvr>
+</p:notes>
+</file>
+
+<file path=ppt/notesSlides/notesSlide20.xml><?xml version="1.0" encoding="utf-8"?>
+<p:notes xmlns:a="http://schemas.openxmlformats.org/drawingml/2006/main" xmlns:r="http://schemas.openxmlformats.org/officeDocument/2006/relationships" xmlns:p="http://schemas.openxmlformats.org/presentationml/2006/main">
+  <p:cSld>
+    <p:spTree>
+      <p:nvGrpSpPr>
+        <p:cNvPr id="1" name=""/>
+        <p:cNvGrpSpPr/>
+        <p:nvPr/>
+      </p:nvGrpSpPr>
+      <p:grpSpPr>
+        <a:xfrm>
+          <a:off x="0" y="0"/>
+          <a:ext cx="0" cy="0"/>
+          <a:chOff x="0" y="0"/>
+          <a:chExt cx="0" cy="0"/>
+        </a:xfrm>
+      </p:grpSpPr>
+      <p:sp>
+        <p:nvSpPr>
+          <p:cNvPr id="2" name="Folienbildplatzhalter 1"/>
+          <p:cNvSpPr>
+            <a:spLocks noGrp="1" noRot="1" noChangeAspect="1"/>
+          </p:cNvSpPr>
+          <p:nvPr>
+            <p:ph type="sldImg"/>
+          </p:nvPr>
+        </p:nvSpPr>
+        <p:spPr/>
+      </p:sp>
+      <p:sp>
+        <p:nvSpPr>
+          <p:cNvPr id="3" name="Notizenplatzhalter 2"/>
+          <p:cNvSpPr>
+            <a:spLocks noGrp="1"/>
+          </p:cNvSpPr>
+          <p:nvPr>
+            <p:ph type="body" idx="1"/>
+          </p:nvPr>
+        </p:nvSpPr>
+        <p:spPr/>
+        <p:txBody>
+          <a:bodyPr/>
+          <a:lstStyle/>
+          <a:p>
+            <a:pPr marL="171450" indent="-171450">
+              <a:buFontTx/>
+              <a:buChar char="-"/>
+            </a:pPr>
+            <a:r>
+              <a:rPr lang="de-CH" dirty="0" smtClean="0"/>
+              <a:t>Fast gesamte Ressourcen für Rendering</a:t>
+            </a:r>
+            <a:r>
+              <a:rPr lang="de-CH" baseline="0" dirty="0" smtClean="0"/>
+              <a:t> gebraucht</a:t>
+            </a:r>
+          </a:p>
+          <a:p>
+            <a:pPr marL="171450" indent="-171450">
+              <a:buFontTx/>
+              <a:buChar char="-"/>
+            </a:pPr>
+            <a:r>
+              <a:rPr lang="de-CH" baseline="0" dirty="0" smtClean="0"/>
+              <a:t>Keine unnötigen sonstigen ressourcenintensiven Scripts</a:t>
+            </a:r>
+          </a:p>
+          <a:p>
+            <a:pPr marL="171450" indent="-171450">
+              <a:buFontTx/>
+              <a:buChar char="-"/>
+            </a:pPr>
+            <a:r>
+              <a:rPr lang="de-CH" baseline="0" dirty="0" smtClean="0"/>
+              <a:t>Kleine Peaks sind </a:t>
+            </a:r>
+            <a:r>
+              <a:rPr lang="de-CH" baseline="0" dirty="0" err="1" smtClean="0"/>
+              <a:t>FixedUpdate</a:t>
+            </a:r>
+            <a:r>
+              <a:rPr lang="de-CH" baseline="0" dirty="0" smtClean="0"/>
+              <a:t>() Ausführungen</a:t>
+            </a:r>
+            <a:endParaRPr lang="en-US" dirty="0"/>
+          </a:p>
+        </p:txBody>
+      </p:sp>
+      <p:sp>
+        <p:nvSpPr>
+          <p:cNvPr id="4" name="Foliennummernplatzhalter 3"/>
+          <p:cNvSpPr>
+            <a:spLocks noGrp="1"/>
+          </p:cNvSpPr>
+          <p:nvPr>
+            <p:ph type="sldNum" sz="quarter" idx="10"/>
+          </p:nvPr>
+        </p:nvSpPr>
+        <p:spPr/>
+        <p:txBody>
+          <a:bodyPr/>
+          <a:lstStyle/>
+          <a:p>
+            <a:fld id="{37E44704-8E6D-4CF2-8CFA-A0F7BC751896}" type="slidenum">
+              <a:rPr lang="de-CH" smtClean="0"/>
+              <a:t>26</a:t>
+            </a:fld>
+            <a:endParaRPr lang="de-CH"/>
+          </a:p>
+        </p:txBody>
+      </p:sp>
+    </p:spTree>
+    <p:extLst>
+      <p:ext uri="{BB962C8B-B14F-4D97-AF65-F5344CB8AC3E}">
+        <p14:creationId xmlns:p14="http://schemas.microsoft.com/office/powerpoint/2010/main" val="1431263751"/>
+      </p:ext>
+    </p:extLst>
+  </p:cSld>
+  <p:clrMapOvr>
+    <a:masterClrMapping/>
+  </p:clrMapOvr>
+</p:notes>
+</file>
+
+<file path=ppt/notesSlides/notesSlide21.xml><?xml version="1.0" encoding="utf-8"?>
+<p:notes xmlns:a="http://schemas.openxmlformats.org/drawingml/2006/main" xmlns:r="http://schemas.openxmlformats.org/officeDocument/2006/relationships" xmlns:p="http://schemas.openxmlformats.org/presentationml/2006/main">
+  <p:cSld>
+    <p:spTree>
+      <p:nvGrpSpPr>
+        <p:cNvPr id="1" name=""/>
+        <p:cNvGrpSpPr/>
+        <p:nvPr/>
+      </p:nvGrpSpPr>
+      <p:grpSpPr>
+        <a:xfrm>
+          <a:off x="0" y="0"/>
+          <a:ext cx="0" cy="0"/>
+          <a:chOff x="0" y="0"/>
+          <a:chExt cx="0" cy="0"/>
+        </a:xfrm>
+      </p:grpSpPr>
+      <p:sp>
+        <p:nvSpPr>
+          <p:cNvPr id="2" name="Folienbildplatzhalter 1"/>
+          <p:cNvSpPr>
+            <a:spLocks noGrp="1" noRot="1" noChangeAspect="1"/>
+          </p:cNvSpPr>
+          <p:nvPr>
+            <p:ph type="sldImg"/>
+          </p:nvPr>
+        </p:nvSpPr>
+        <p:spPr/>
+      </p:sp>
+      <p:sp>
+        <p:nvSpPr>
+          <p:cNvPr id="3" name="Notizenplatzhalter 2"/>
+          <p:cNvSpPr>
+            <a:spLocks noGrp="1"/>
+          </p:cNvSpPr>
+          <p:nvPr>
+            <p:ph type="body" idx="1"/>
+          </p:nvPr>
+        </p:nvSpPr>
+        <p:spPr/>
+        <p:txBody>
+          <a:bodyPr/>
+          <a:lstStyle/>
+          <a:p>
+            <a:endParaRPr lang="en-US" dirty="0"/>
+          </a:p>
+        </p:txBody>
+      </p:sp>
+      <p:sp>
+        <p:nvSpPr>
+          <p:cNvPr id="4" name="Foliennummernplatzhalter 3"/>
+          <p:cNvSpPr>
+            <a:spLocks noGrp="1"/>
+          </p:cNvSpPr>
+          <p:nvPr>
+            <p:ph type="sldNum" sz="quarter" idx="10"/>
+          </p:nvPr>
+        </p:nvSpPr>
+        <p:spPr/>
+        <p:txBody>
+          <a:bodyPr/>
+          <a:lstStyle/>
+          <a:p>
+            <a:fld id="{37E44704-8E6D-4CF2-8CFA-A0F7BC751896}" type="slidenum">
+              <a:rPr lang="de-CH" smtClean="0"/>
+              <a:t>27</a:t>
+            </a:fld>
+            <a:endParaRPr lang="de-CH"/>
+          </a:p>
+        </p:txBody>
+      </p:sp>
+    </p:spTree>
+    <p:extLst>
+      <p:ext uri="{BB962C8B-B14F-4D97-AF65-F5344CB8AC3E}">
+        <p14:creationId xmlns:p14="http://schemas.microsoft.com/office/powerpoint/2010/main" val="3848895602"/>
+      </p:ext>
+    </p:extLst>
+  </p:cSld>
+  <p:clrMapOvr>
+    <a:masterClrMapping/>
+  </p:clrMapOvr>
+</p:notes>
+</file>
+
+<file path=ppt/notesSlides/notesSlide22.xml><?xml version="1.0" encoding="utf-8"?>
+<p:notes xmlns:a="http://schemas.openxmlformats.org/drawingml/2006/main" xmlns:r="http://schemas.openxmlformats.org/officeDocument/2006/relationships" xmlns:p="http://schemas.openxmlformats.org/presentationml/2006/main">
+  <p:cSld>
+    <p:spTree>
+      <p:nvGrpSpPr>
+        <p:cNvPr id="1" name=""/>
+        <p:cNvGrpSpPr/>
+        <p:nvPr/>
+      </p:nvGrpSpPr>
+      <p:grpSpPr>
+        <a:xfrm>
+          <a:off x="0" y="0"/>
+          <a:ext cx="0" cy="0"/>
+          <a:chOff x="0" y="0"/>
+          <a:chExt cx="0" cy="0"/>
+        </a:xfrm>
+      </p:grpSpPr>
+      <p:sp>
+        <p:nvSpPr>
+          <p:cNvPr id="2" name="Folienbildplatzhalter 1"/>
+          <p:cNvSpPr>
+            <a:spLocks noGrp="1" noRot="1" noChangeAspect="1"/>
+          </p:cNvSpPr>
+          <p:nvPr>
+            <p:ph type="sldImg"/>
+          </p:nvPr>
+        </p:nvSpPr>
+        <p:spPr/>
+      </p:sp>
+      <p:sp>
+        <p:nvSpPr>
+          <p:cNvPr id="3" name="Notizenplatzhalter 2"/>
+          <p:cNvSpPr>
+            <a:spLocks noGrp="1"/>
+          </p:cNvSpPr>
+          <p:nvPr>
+            <p:ph type="body" idx="1"/>
+          </p:nvPr>
+        </p:nvSpPr>
+        <p:spPr/>
+        <p:txBody>
+          <a:bodyPr/>
+          <a:lstStyle/>
+          <a:p>
+            <a:pPr marL="171450" indent="-171450">
+              <a:buFontTx/>
+              <a:buChar char="-"/>
+            </a:pPr>
+            <a:r>
+              <a:rPr lang="de-CH" dirty="0" smtClean="0"/>
+              <a:t>(Vier Schritte kurz erklären)</a:t>
+            </a:r>
+          </a:p>
+          <a:p>
+            <a:pPr marL="171450" indent="-171450">
+              <a:buFontTx/>
+              <a:buChar char="-"/>
+            </a:pPr>
+            <a:r>
+              <a:rPr lang="de-CH" dirty="0" smtClean="0"/>
+              <a:t>Für unerfahrene Benutzer geeignet</a:t>
+            </a:r>
+            <a:endParaRPr lang="en-US" dirty="0"/>
+          </a:p>
+        </p:txBody>
+      </p:sp>
+      <p:sp>
+        <p:nvSpPr>
+          <p:cNvPr id="4" name="Foliennummernplatzhalter 3"/>
+          <p:cNvSpPr>
+            <a:spLocks noGrp="1"/>
+          </p:cNvSpPr>
+          <p:nvPr>
+            <p:ph type="sldNum" sz="quarter" idx="10"/>
+          </p:nvPr>
+        </p:nvSpPr>
+        <p:spPr/>
+        <p:txBody>
+          <a:bodyPr/>
+          <a:lstStyle/>
+          <a:p>
+            <a:fld id="{37E44704-8E6D-4CF2-8CFA-A0F7BC751896}" type="slidenum">
+              <a:rPr lang="de-CH" smtClean="0"/>
+              <a:t>29</a:t>
+            </a:fld>
+            <a:endParaRPr lang="de-CH"/>
+          </a:p>
+        </p:txBody>
+      </p:sp>
+    </p:spTree>
+    <p:extLst>
+      <p:ext uri="{BB962C8B-B14F-4D97-AF65-F5344CB8AC3E}">
+        <p14:creationId xmlns:p14="http://schemas.microsoft.com/office/powerpoint/2010/main" val="777049374"/>
+      </p:ext>
+    </p:extLst>
+  </p:cSld>
+  <p:clrMapOvr>
+    <a:masterClrMapping/>
+  </p:clrMapOvr>
+</p:notes>
+</file>
+
+<file path=ppt/notesSlides/notesSlide3.xml><?xml version="1.0" encoding="utf-8"?>
+<p:notes xmlns:a="http://schemas.openxmlformats.org/drawingml/2006/main" xmlns:r="http://schemas.openxmlformats.org/officeDocument/2006/relationships" xmlns:p="http://schemas.openxmlformats.org/presentationml/2006/main">
+  <p:cSld>
+    <p:spTree>
+      <p:nvGrpSpPr>
+        <p:cNvPr id="1" name=""/>
+        <p:cNvGrpSpPr/>
+        <p:nvPr/>
+      </p:nvGrpSpPr>
+      <p:grpSpPr>
+        <a:xfrm>
+          <a:off x="0" y="0"/>
+          <a:ext cx="0" cy="0"/>
+          <a:chOff x="0" y="0"/>
+          <a:chExt cx="0" cy="0"/>
+        </a:xfrm>
+      </p:grpSpPr>
+      <p:sp>
+        <p:nvSpPr>
+          <p:cNvPr id="2" name="Folienbildplatzhalter 1"/>
+          <p:cNvSpPr>
+            <a:spLocks noGrp="1" noRot="1" noChangeAspect="1"/>
+          </p:cNvSpPr>
+          <p:nvPr>
+            <p:ph type="sldImg"/>
+          </p:nvPr>
+        </p:nvSpPr>
+        <p:spPr/>
+      </p:sp>
+      <p:sp>
+        <p:nvSpPr>
+          <p:cNvPr id="3" name="Notizenplatzhalter 2"/>
+          <p:cNvSpPr>
+            <a:spLocks noGrp="1"/>
+          </p:cNvSpPr>
+          <p:nvPr>
+            <p:ph type="body" idx="1"/>
+          </p:nvPr>
+        </p:nvSpPr>
+        <p:spPr/>
+        <p:txBody>
+          <a:bodyPr/>
+          <a:lstStyle/>
+          <a:p>
+            <a:pPr marL="171450" indent="-171450">
+              <a:buFontTx/>
+              <a:buChar char="-"/>
+            </a:pPr>
+            <a:r>
+              <a:rPr lang="de-CH" dirty="0" smtClean="0"/>
+              <a:t>Massstabsgetreue</a:t>
+            </a:r>
+            <a:r>
+              <a:rPr lang="de-CH" baseline="0" dirty="0" smtClean="0"/>
+              <a:t> Abbildung realer CAVE</a:t>
+            </a:r>
+          </a:p>
+          <a:p>
+            <a:pPr marL="628650" lvl="1" indent="-171450">
+              <a:buFontTx/>
+              <a:buChar char="-"/>
+            </a:pPr>
+            <a:r>
+              <a:rPr lang="de-CH" dirty="0" smtClean="0"/>
+              <a:t>Interaktionen</a:t>
+            </a:r>
+            <a:r>
+              <a:rPr lang="de-CH" baseline="0" dirty="0" smtClean="0"/>
+              <a:t> Devices / CAVE abbildbar</a:t>
+            </a:r>
+          </a:p>
+          <a:p>
+            <a:pPr marL="628650" lvl="1" indent="-171450">
+              <a:buFontTx/>
+              <a:buChar char="-"/>
+            </a:pPr>
+            <a:r>
+              <a:rPr lang="de-CH" baseline="0" dirty="0" smtClean="0"/>
+              <a:t>Position des Benutzers in Relation zum CAVE</a:t>
+            </a:r>
+            <a:endParaRPr lang="en-US" dirty="0"/>
+          </a:p>
+        </p:txBody>
+      </p:sp>
+      <p:sp>
+        <p:nvSpPr>
+          <p:cNvPr id="4" name="Foliennummernplatzhalter 3"/>
+          <p:cNvSpPr>
+            <a:spLocks noGrp="1"/>
+          </p:cNvSpPr>
+          <p:nvPr>
+            <p:ph type="sldNum" sz="quarter" idx="10"/>
+          </p:nvPr>
+        </p:nvSpPr>
+        <p:spPr/>
+        <p:txBody>
+          <a:bodyPr/>
+          <a:lstStyle/>
+          <a:p>
+            <a:fld id="{37E44704-8E6D-4CF2-8CFA-A0F7BC751896}" type="slidenum">
+              <a:rPr lang="de-CH" smtClean="0"/>
+              <a:t>4</a:t>
+            </a:fld>
+            <a:endParaRPr lang="de-CH"/>
+          </a:p>
+        </p:txBody>
+      </p:sp>
+    </p:spTree>
+    <p:extLst>
+      <p:ext uri="{BB962C8B-B14F-4D97-AF65-F5344CB8AC3E}">
+        <p14:creationId xmlns:p14="http://schemas.microsoft.com/office/powerpoint/2010/main" val="3307005311"/>
+      </p:ext>
+    </p:extLst>
+  </p:cSld>
+  <p:clrMapOvr>
+    <a:masterClrMapping/>
+  </p:clrMapOvr>
+</p:notes>
+</file>
+
+<file path=ppt/notesSlides/notesSlide4.xml><?xml version="1.0" encoding="utf-8"?>
+<p:notes xmlns:a="http://schemas.openxmlformats.org/drawingml/2006/main" xmlns:r="http://schemas.openxmlformats.org/officeDocument/2006/relationships" xmlns:p="http://schemas.openxmlformats.org/presentationml/2006/main">
+  <p:cSld>
+    <p:spTree>
+      <p:nvGrpSpPr>
+        <p:cNvPr id="1" name=""/>
+        <p:cNvGrpSpPr/>
+        <p:nvPr/>
+      </p:nvGrpSpPr>
+      <p:grpSpPr>
+        <a:xfrm>
+          <a:off x="0" y="0"/>
+          <a:ext cx="0" cy="0"/>
+          <a:chOff x="0" y="0"/>
+          <a:chExt cx="0" cy="0"/>
+        </a:xfrm>
+      </p:grpSpPr>
+      <p:sp>
+        <p:nvSpPr>
+          <p:cNvPr id="2" name="Folienbildplatzhalter 1"/>
+          <p:cNvSpPr>
+            <a:spLocks noGrp="1" noRot="1" noChangeAspect="1"/>
+          </p:cNvSpPr>
+          <p:nvPr>
+            <p:ph type="sldImg"/>
+          </p:nvPr>
+        </p:nvSpPr>
+        <p:spPr/>
+      </p:sp>
+      <p:sp>
+        <p:nvSpPr>
+          <p:cNvPr id="3" name="Notizenplatzhalter 2"/>
+          <p:cNvSpPr>
+            <a:spLocks noGrp="1"/>
+          </p:cNvSpPr>
+          <p:nvPr>
+            <p:ph type="body" idx="1"/>
+          </p:nvPr>
+        </p:nvSpPr>
+        <p:spPr/>
+        <p:txBody>
+          <a:bodyPr/>
+          <a:lstStyle/>
+          <a:p>
+            <a:r>
+              <a:rPr lang="de-CH" dirty="0" smtClean="0"/>
+              <a:t>Normaler virtueller CAVE in dessen Zentrum.</a:t>
+            </a:r>
+          </a:p>
+          <a:p>
+            <a:endParaRPr lang="de-CH" dirty="0" smtClean="0"/>
+          </a:p>
+          <a:p>
+            <a:r>
+              <a:rPr lang="de-CH" dirty="0" smtClean="0"/>
+              <a:t>Für was?</a:t>
+            </a:r>
+          </a:p>
+          <a:p>
+            <a:pPr marL="171450" indent="-171450">
+              <a:buFontTx/>
+              <a:buChar char="-"/>
+            </a:pPr>
+            <a:r>
+              <a:rPr lang="de-CH" dirty="0" smtClean="0"/>
+              <a:t>Berechnung </a:t>
+            </a:r>
+            <a:r>
+              <a:rPr lang="de-CH" dirty="0" err="1" smtClean="0"/>
+              <a:t>Viewfrustums</a:t>
+            </a:r>
+            <a:endParaRPr lang="de-CH" dirty="0" smtClean="0"/>
+          </a:p>
+          <a:p>
+            <a:pPr marL="171450" indent="-171450">
+              <a:buFontTx/>
+              <a:buChar char="-"/>
+            </a:pPr>
+            <a:r>
+              <a:rPr lang="de-CH" dirty="0" smtClean="0"/>
+              <a:t>Platzierung GUI-Elemente</a:t>
+            </a:r>
+            <a:endParaRPr lang="en-US" dirty="0"/>
+          </a:p>
+        </p:txBody>
+      </p:sp>
+      <p:sp>
+        <p:nvSpPr>
+          <p:cNvPr id="4" name="Foliennummernplatzhalter 3"/>
+          <p:cNvSpPr>
+            <a:spLocks noGrp="1"/>
+          </p:cNvSpPr>
+          <p:nvPr>
+            <p:ph type="sldNum" sz="quarter" idx="10"/>
+          </p:nvPr>
+        </p:nvSpPr>
+        <p:spPr/>
+        <p:txBody>
+          <a:bodyPr/>
+          <a:lstStyle/>
+          <a:p>
+            <a:fld id="{37E44704-8E6D-4CF2-8CFA-A0F7BC751896}" type="slidenum">
+              <a:rPr lang="de-CH" smtClean="0"/>
+              <a:t>5</a:t>
+            </a:fld>
+            <a:endParaRPr lang="de-CH"/>
+          </a:p>
+        </p:txBody>
+      </p:sp>
+    </p:spTree>
+    <p:extLst>
+      <p:ext uri="{BB962C8B-B14F-4D97-AF65-F5344CB8AC3E}">
+        <p14:creationId xmlns:p14="http://schemas.microsoft.com/office/powerpoint/2010/main" val="1008233457"/>
+      </p:ext>
+    </p:extLst>
+  </p:cSld>
+  <p:clrMapOvr>
+    <a:masterClrMapping/>
+  </p:clrMapOvr>
+</p:notes>
+</file>
+
+<file path=ppt/notesSlides/notesSlide5.xml><?xml version="1.0" encoding="utf-8"?>
+<p:notes xmlns:a="http://schemas.openxmlformats.org/drawingml/2006/main" xmlns:r="http://schemas.openxmlformats.org/officeDocument/2006/relationships" xmlns:p="http://schemas.openxmlformats.org/presentationml/2006/main">
+  <p:cSld>
+    <p:spTree>
+      <p:nvGrpSpPr>
+        <p:cNvPr id="1" name=""/>
+        <p:cNvGrpSpPr/>
+        <p:nvPr/>
+      </p:nvGrpSpPr>
+      <p:grpSpPr>
+        <a:xfrm>
+          <a:off x="0" y="0"/>
+          <a:ext cx="0" cy="0"/>
+          <a:chOff x="0" y="0"/>
+          <a:chExt cx="0" cy="0"/>
+        </a:xfrm>
+      </p:grpSpPr>
+      <p:sp>
+        <p:nvSpPr>
+          <p:cNvPr id="2" name="Folienbildplatzhalter 1"/>
+          <p:cNvSpPr>
+            <a:spLocks noGrp="1" noRot="1" noChangeAspect="1"/>
+          </p:cNvSpPr>
+          <p:nvPr>
+            <p:ph type="sldImg"/>
+          </p:nvPr>
+        </p:nvSpPr>
+        <p:spPr/>
+      </p:sp>
+      <p:sp>
+        <p:nvSpPr>
+          <p:cNvPr id="3" name="Notizenplatzhalter 2"/>
+          <p:cNvSpPr>
+            <a:spLocks noGrp="1"/>
+          </p:cNvSpPr>
+          <p:nvPr>
+            <p:ph type="body" idx="1"/>
+          </p:nvPr>
+        </p:nvSpPr>
+        <p:spPr/>
+        <p:txBody>
+          <a:bodyPr/>
+          <a:lstStyle/>
+          <a:p>
+            <a:r>
+              <a:rPr lang="de-CH" dirty="0" smtClean="0"/>
+              <a:t>Nutzen</a:t>
+            </a:r>
+          </a:p>
+          <a:p>
+            <a:pPr marL="171450" indent="-171450">
+              <a:buFontTx/>
+              <a:buChar char="-"/>
+            </a:pPr>
+            <a:r>
+              <a:rPr lang="de-CH" dirty="0" smtClean="0"/>
+              <a:t>Entspricht der Position / Rotation des Benutzers</a:t>
+            </a:r>
+            <a:r>
+              <a:rPr lang="de-CH" baseline="0" dirty="0" smtClean="0"/>
+              <a:t> im CAVE sowie virtueller CAVE</a:t>
+            </a:r>
+          </a:p>
+          <a:p>
+            <a:pPr marL="171450" indent="-171450">
+              <a:buFontTx/>
+              <a:buChar char="-"/>
+            </a:pPr>
+            <a:r>
+              <a:rPr lang="de-CH" baseline="0" dirty="0" smtClean="0"/>
+              <a:t>Kameras werden hier platziert</a:t>
+            </a:r>
+          </a:p>
+          <a:p>
+            <a:pPr marL="171450" indent="-171450">
+              <a:buFontTx/>
+              <a:buChar char="-"/>
+            </a:pPr>
+            <a:r>
+              <a:rPr lang="de-CH" baseline="0" dirty="0" smtClean="0"/>
+              <a:t>Basis für Berechnung Perspektive</a:t>
+            </a:r>
+          </a:p>
+          <a:p>
+            <a:pPr marL="171450" indent="-171450">
+              <a:buFontTx/>
+              <a:buChar char="-"/>
+            </a:pPr>
+            <a:endParaRPr lang="de-CH" baseline="0" dirty="0" smtClean="0"/>
+          </a:p>
+          <a:p>
+            <a:pPr marL="0" indent="0">
+              <a:buFontTx/>
+              <a:buNone/>
+            </a:pPr>
+            <a:r>
+              <a:rPr lang="de-CH" baseline="0" dirty="0" smtClean="0"/>
+              <a:t>Stereoskopie</a:t>
+            </a:r>
+          </a:p>
+          <a:p>
+            <a:pPr marL="171450" indent="-171450">
+              <a:buFontTx/>
+              <a:buChar char="-"/>
+            </a:pPr>
+            <a:r>
+              <a:rPr lang="de-CH" baseline="0" dirty="0" smtClean="0"/>
+              <a:t>Je zwei </a:t>
+            </a:r>
+            <a:r>
+              <a:rPr lang="de-CH" baseline="0" dirty="0" err="1" smtClean="0"/>
+              <a:t>Beamer</a:t>
+            </a:r>
+            <a:r>
+              <a:rPr lang="de-CH" baseline="0" dirty="0" smtClean="0"/>
+              <a:t> pro Leinwand, Projektion polgefiltert (horizontal und vertikal)</a:t>
+            </a:r>
+          </a:p>
+          <a:p>
+            <a:pPr marL="171450" indent="-171450">
+              <a:buFontTx/>
+              <a:buChar char="-"/>
+            </a:pPr>
+            <a:r>
+              <a:rPr lang="de-CH" baseline="0" dirty="0" smtClean="0"/>
+              <a:t>Polgefilterte Brille, um Stereoskopie zu ermöglichen</a:t>
+            </a:r>
+          </a:p>
+          <a:p>
+            <a:pPr marL="171450" indent="-171450">
+              <a:buFontTx/>
+              <a:buChar char="-"/>
+            </a:pPr>
+            <a:endParaRPr lang="de-CH" baseline="0" dirty="0" smtClean="0"/>
+          </a:p>
+          <a:p>
+            <a:pPr marL="0" indent="0">
+              <a:buFontTx/>
+              <a:buNone/>
+            </a:pPr>
+            <a:r>
+              <a:rPr lang="de-CH" baseline="0" dirty="0" err="1" smtClean="0"/>
+              <a:t>Smoothing</a:t>
+            </a:r>
+            <a:endParaRPr lang="de-CH" baseline="0" dirty="0" smtClean="0"/>
+          </a:p>
+          <a:p>
+            <a:pPr marL="171450" indent="-171450">
+              <a:buFontTx/>
+              <a:buChar char="-"/>
+            </a:pPr>
+            <a:r>
+              <a:rPr lang="de-CH" baseline="0" dirty="0" smtClean="0"/>
+              <a:t>Ungenauigkeiten Trackingsystem auskurieren (Position sowie Rotation)</a:t>
+            </a:r>
+          </a:p>
+          <a:p>
+            <a:pPr marL="171450" indent="-171450">
+              <a:buFontTx/>
+              <a:buChar char="-"/>
+            </a:pPr>
+            <a:r>
+              <a:rPr lang="de-CH" baseline="0" dirty="0" smtClean="0"/>
+              <a:t>Somit kann zittern vermieden werden</a:t>
+            </a:r>
+          </a:p>
+          <a:p>
+            <a:pPr marL="171450" indent="-171450">
+              <a:buFontTx/>
+              <a:buChar char="-"/>
+            </a:pPr>
+            <a:r>
+              <a:rPr lang="de-CH" baseline="0" dirty="0" smtClean="0"/>
+              <a:t>Schöne, ruhige Bewegungen</a:t>
+            </a:r>
+          </a:p>
+          <a:p>
+            <a:pPr marL="171450" indent="-171450">
+              <a:buFontTx/>
+              <a:buChar char="-"/>
+            </a:pPr>
+            <a:endParaRPr lang="en-US" dirty="0"/>
+          </a:p>
+        </p:txBody>
+      </p:sp>
+      <p:sp>
+        <p:nvSpPr>
+          <p:cNvPr id="4" name="Foliennummernplatzhalter 3"/>
+          <p:cNvSpPr>
+            <a:spLocks noGrp="1"/>
+          </p:cNvSpPr>
+          <p:nvPr>
+            <p:ph type="sldNum" sz="quarter" idx="10"/>
+          </p:nvPr>
+        </p:nvSpPr>
+        <p:spPr/>
+        <p:txBody>
+          <a:bodyPr/>
+          <a:lstStyle/>
+          <a:p>
+            <a:fld id="{37E44704-8E6D-4CF2-8CFA-A0F7BC751896}" type="slidenum">
+              <a:rPr lang="de-CH" smtClean="0"/>
+              <a:t>6</a:t>
+            </a:fld>
+            <a:endParaRPr lang="de-CH"/>
+          </a:p>
+        </p:txBody>
+      </p:sp>
+    </p:spTree>
+    <p:extLst>
+      <p:ext uri="{BB962C8B-B14F-4D97-AF65-F5344CB8AC3E}">
+        <p14:creationId xmlns:p14="http://schemas.microsoft.com/office/powerpoint/2010/main" val="2679500884"/>
+      </p:ext>
+    </p:extLst>
+  </p:cSld>
+  <p:clrMapOvr>
+    <a:masterClrMapping/>
+  </p:clrMapOvr>
+</p:notes>
+</file>
+
+<file path=ppt/notesSlides/notesSlide6.xml><?xml version="1.0" encoding="utf-8"?>
+<p:notes xmlns:a="http://schemas.openxmlformats.org/drawingml/2006/main" xmlns:r="http://schemas.openxmlformats.org/officeDocument/2006/relationships" xmlns:p="http://schemas.openxmlformats.org/presentationml/2006/main">
+  <p:cSld>
+    <p:spTree>
+      <p:nvGrpSpPr>
+        <p:cNvPr id="1" name=""/>
+        <p:cNvGrpSpPr/>
+        <p:nvPr/>
+      </p:nvGrpSpPr>
+      <p:grpSpPr>
+        <a:xfrm>
+          <a:off x="0" y="0"/>
+          <a:ext cx="0" cy="0"/>
+          <a:chOff x="0" y="0"/>
+          <a:chExt cx="0" cy="0"/>
+        </a:xfrm>
+      </p:grpSpPr>
+      <p:sp>
+        <p:nvSpPr>
+          <p:cNvPr id="2" name="Folienbildplatzhalter 1"/>
+          <p:cNvSpPr>
+            <a:spLocks noGrp="1" noRot="1" noChangeAspect="1"/>
+          </p:cNvSpPr>
+          <p:nvPr>
+            <p:ph type="sldImg"/>
+          </p:nvPr>
+        </p:nvSpPr>
+        <p:spPr/>
+      </p:sp>
+      <p:sp>
+        <p:nvSpPr>
+          <p:cNvPr id="3" name="Notizenplatzhalter 2"/>
+          <p:cNvSpPr>
+            <a:spLocks noGrp="1"/>
+          </p:cNvSpPr>
+          <p:nvPr>
+            <p:ph type="body" idx="1"/>
+          </p:nvPr>
+        </p:nvSpPr>
+        <p:spPr/>
+        <p:txBody>
+          <a:bodyPr/>
+          <a:lstStyle/>
+          <a:p>
+            <a:pPr marL="171450" indent="-171450">
+              <a:buFontTx/>
+              <a:buChar char="-"/>
+            </a:pPr>
+            <a:endParaRPr lang="en-US" dirty="0"/>
+          </a:p>
+        </p:txBody>
+      </p:sp>
+      <p:sp>
+        <p:nvSpPr>
+          <p:cNvPr id="4" name="Foliennummernplatzhalter 3"/>
+          <p:cNvSpPr>
+            <a:spLocks noGrp="1"/>
+          </p:cNvSpPr>
+          <p:nvPr>
+            <p:ph type="sldNum" sz="quarter" idx="10"/>
+          </p:nvPr>
+        </p:nvSpPr>
+        <p:spPr/>
+        <p:txBody>
+          <a:bodyPr/>
+          <a:lstStyle/>
+          <a:p>
+            <a:fld id="{37E44704-8E6D-4CF2-8CFA-A0F7BC751896}" type="slidenum">
+              <a:rPr lang="de-CH" smtClean="0"/>
+              <a:t>9</a:t>
+            </a:fld>
+            <a:endParaRPr lang="de-CH"/>
+          </a:p>
+        </p:txBody>
+      </p:sp>
+    </p:spTree>
+    <p:extLst>
+      <p:ext uri="{BB962C8B-B14F-4D97-AF65-F5344CB8AC3E}">
+        <p14:creationId xmlns:p14="http://schemas.microsoft.com/office/powerpoint/2010/main" val="1926156574"/>
+      </p:ext>
+    </p:extLst>
+  </p:cSld>
+  <p:clrMapOvr>
+    <a:masterClrMapping/>
+  </p:clrMapOvr>
+</p:notes>
+</file>
+
+<file path=ppt/notesSlides/notesSlide7.xml><?xml version="1.0" encoding="utf-8"?>
+<p:notes xmlns:a="http://schemas.openxmlformats.org/drawingml/2006/main" xmlns:r="http://schemas.openxmlformats.org/officeDocument/2006/relationships" xmlns:p="http://schemas.openxmlformats.org/presentationml/2006/main">
+  <p:cSld>
+    <p:spTree>
+      <p:nvGrpSpPr>
+        <p:cNvPr id="1" name=""/>
+        <p:cNvGrpSpPr/>
+        <p:nvPr/>
+      </p:nvGrpSpPr>
+      <p:grpSpPr>
+        <a:xfrm>
+          <a:off x="0" y="0"/>
+          <a:ext cx="0" cy="0"/>
+          <a:chOff x="0" y="0"/>
+          <a:chExt cx="0" cy="0"/>
+        </a:xfrm>
+      </p:grpSpPr>
+      <p:sp>
+        <p:nvSpPr>
+          <p:cNvPr id="2" name="Folienbildplatzhalter 1"/>
+          <p:cNvSpPr>
+            <a:spLocks noGrp="1" noRot="1" noChangeAspect="1"/>
+          </p:cNvSpPr>
+          <p:nvPr>
+            <p:ph type="sldImg"/>
+          </p:nvPr>
+        </p:nvSpPr>
+        <p:spPr/>
+      </p:sp>
+      <p:sp>
+        <p:nvSpPr>
+          <p:cNvPr id="3" name="Notizenplatzhalter 2"/>
+          <p:cNvSpPr>
+            <a:spLocks noGrp="1"/>
+          </p:cNvSpPr>
+          <p:nvPr>
+            <p:ph type="body" idx="1"/>
+          </p:nvPr>
+        </p:nvSpPr>
+        <p:spPr/>
+        <p:txBody>
+          <a:bodyPr/>
+          <a:lstStyle/>
+          <a:p>
+            <a:pPr marL="0" indent="0">
+              <a:buFontTx/>
+              <a:buNone/>
+            </a:pPr>
+            <a:r>
+              <a:rPr lang="de-CH" dirty="0" smtClean="0"/>
+              <a:t>Funktion</a:t>
+            </a:r>
+          </a:p>
+          <a:p>
+            <a:pPr marL="171450" indent="-171450">
+              <a:buFont typeface="Arial" panose="020B0604020202020204" pitchFamily="34" charset="0"/>
+              <a:buChar char="•"/>
+            </a:pPr>
+            <a:r>
+              <a:rPr lang="de-CH" dirty="0" smtClean="0"/>
+              <a:t>8 Kameras, je</a:t>
+            </a:r>
+            <a:r>
+              <a:rPr lang="de-CH" baseline="0" dirty="0" smtClean="0"/>
+              <a:t> Leinwand 2, für beide Augen eins</a:t>
+            </a:r>
+          </a:p>
+          <a:p>
+            <a:pPr marL="171450" indent="-171450">
+              <a:buFont typeface="Arial" panose="020B0604020202020204" pitchFamily="34" charset="0"/>
+              <a:buChar char="•"/>
+            </a:pPr>
+            <a:r>
+              <a:rPr lang="de-CH" baseline="0" dirty="0" smtClean="0"/>
+              <a:t>Konstruktion, die dem CAVE XXL </a:t>
+            </a:r>
+            <a:r>
+              <a:rPr lang="de-CH" baseline="0" dirty="0" err="1" smtClean="0"/>
+              <a:t>eintspricht</a:t>
+            </a:r>
+            <a:r>
+              <a:rPr lang="de-CH" baseline="0" dirty="0" smtClean="0"/>
+              <a:t>. Links / Front / Rechts </a:t>
+            </a:r>
+            <a:r>
+              <a:rPr lang="de-CH" baseline="0" smtClean="0"/>
+              <a:t>/ Boden</a:t>
+            </a:r>
+            <a:endParaRPr lang="de-CH" dirty="0" smtClean="0"/>
+          </a:p>
+          <a:p>
+            <a:pPr marL="171450" indent="-171450">
+              <a:buFont typeface="Arial" panose="020B0604020202020204" pitchFamily="34" charset="0"/>
+              <a:buChar char="•"/>
+            </a:pPr>
+            <a:r>
+              <a:rPr lang="de-CH" dirty="0" smtClean="0"/>
+              <a:t>GUI</a:t>
+            </a:r>
+            <a:r>
+              <a:rPr lang="de-CH" baseline="0" dirty="0" smtClean="0"/>
+              <a:t> / Cursor Kameras: Spezialkameras, rendern nur 2D Elemente, damit nahe 3D Objekte Sicht nicht verdecken können.</a:t>
+            </a:r>
+          </a:p>
+          <a:p>
+            <a:pPr marL="628650" lvl="1" indent="-171450">
+              <a:buFont typeface="Arial" panose="020B0604020202020204" pitchFamily="34" charset="0"/>
+              <a:buChar char="•"/>
+            </a:pPr>
+            <a:r>
+              <a:rPr lang="de-CH" baseline="0" dirty="0" smtClean="0"/>
+              <a:t>Cursor OS wird ausgeblendet und eigener dargestellt für beide Augen als GUI-Element. Ansonsten würde nur 1 Auge den Cursor sehen.</a:t>
+            </a:r>
+          </a:p>
+        </p:txBody>
+      </p:sp>
+      <p:sp>
+        <p:nvSpPr>
+          <p:cNvPr id="4" name="Foliennummernplatzhalter 3"/>
+          <p:cNvSpPr>
+            <a:spLocks noGrp="1"/>
+          </p:cNvSpPr>
+          <p:nvPr>
+            <p:ph type="sldNum" sz="quarter" idx="10"/>
+          </p:nvPr>
+        </p:nvSpPr>
+        <p:spPr/>
+        <p:txBody>
+          <a:bodyPr/>
+          <a:lstStyle/>
+          <a:p>
+            <a:fld id="{37E44704-8E6D-4CF2-8CFA-A0F7BC751896}" type="slidenum">
+              <a:rPr lang="de-CH" smtClean="0"/>
+              <a:t>10</a:t>
+            </a:fld>
+            <a:endParaRPr lang="de-CH"/>
+          </a:p>
+        </p:txBody>
+      </p:sp>
+    </p:spTree>
+    <p:extLst>
+      <p:ext uri="{BB962C8B-B14F-4D97-AF65-F5344CB8AC3E}">
+        <p14:creationId xmlns:p14="http://schemas.microsoft.com/office/powerpoint/2010/main" val="3147372329"/>
+      </p:ext>
+    </p:extLst>
+  </p:cSld>
+  <p:clrMapOvr>
+    <a:masterClrMapping/>
+  </p:clrMapOvr>
+</p:notes>
+</file>
+
+<file path=ppt/notesSlides/notesSlide8.xml><?xml version="1.0" encoding="utf-8"?>
+<p:notes xmlns:a="http://schemas.openxmlformats.org/drawingml/2006/main" xmlns:r="http://schemas.openxmlformats.org/officeDocument/2006/relationships" xmlns:p="http://schemas.openxmlformats.org/presentationml/2006/main">
+  <p:cSld>
+    <p:spTree>
+      <p:nvGrpSpPr>
+        <p:cNvPr id="1" name=""/>
+        <p:cNvGrpSpPr/>
+        <p:nvPr/>
+      </p:nvGrpSpPr>
+      <p:grpSpPr>
+        <a:xfrm>
+          <a:off x="0" y="0"/>
+          <a:ext cx="0" cy="0"/>
+          <a:chOff x="0" y="0"/>
+          <a:chExt cx="0" cy="0"/>
+        </a:xfrm>
+      </p:grpSpPr>
+      <p:sp>
+        <p:nvSpPr>
+          <p:cNvPr id="2" name="Folienbildplatzhalter 1"/>
+          <p:cNvSpPr>
+            <a:spLocks noGrp="1" noRot="1" noChangeAspect="1"/>
+          </p:cNvSpPr>
+          <p:nvPr>
+            <p:ph type="sldImg"/>
+          </p:nvPr>
+        </p:nvSpPr>
+        <p:spPr/>
+      </p:sp>
+      <p:sp>
+        <p:nvSpPr>
+          <p:cNvPr id="3" name="Notizenplatzhalter 2"/>
+          <p:cNvSpPr>
+            <a:spLocks noGrp="1"/>
+          </p:cNvSpPr>
+          <p:nvPr>
+            <p:ph type="body" idx="1"/>
+          </p:nvPr>
+        </p:nvSpPr>
+        <p:spPr/>
+        <p:txBody>
+          <a:bodyPr/>
+          <a:lstStyle/>
+          <a:p>
+            <a:pPr marL="0" indent="0">
+              <a:buFont typeface="Arial" panose="020B0604020202020204" pitchFamily="34" charset="0"/>
+              <a:buNone/>
+            </a:pPr>
+            <a:r>
+              <a:rPr lang="de-CH" baseline="0" dirty="0" smtClean="0"/>
+              <a:t>Anordnung </a:t>
+            </a:r>
+            <a:r>
+              <a:rPr lang="de-CH" baseline="0" dirty="0" err="1" smtClean="0"/>
+              <a:t>Viewports</a:t>
+            </a:r>
+            <a:endParaRPr lang="de-CH" baseline="0" dirty="0" smtClean="0"/>
+          </a:p>
+          <a:p>
+            <a:pPr marL="171450" indent="-171450">
+              <a:buFont typeface="Arial" panose="020B0604020202020204" pitchFamily="34" charset="0"/>
+              <a:buChar char="•"/>
+            </a:pPr>
+            <a:r>
+              <a:rPr lang="de-CH" baseline="0" dirty="0" err="1" smtClean="0"/>
+              <a:t>Mosaic</a:t>
+            </a:r>
+            <a:r>
+              <a:rPr lang="de-CH" baseline="0" dirty="0" smtClean="0"/>
+              <a:t>: Spezieller Treiber. Windows wird 1 Ausgang vorgegaukelt, obwohl 8 (2x4) physisch vorhanden sein. Ergibt eine Auflösung von 5120 x 2048 </a:t>
+            </a:r>
+            <a:r>
+              <a:rPr lang="de-CH" baseline="0" dirty="0" err="1" smtClean="0"/>
+              <a:t>Px</a:t>
+            </a:r>
+            <a:r>
+              <a:rPr lang="de-CH" baseline="0" dirty="0" smtClean="0"/>
+              <a:t> (4 x 1280, 2 x 1024 -&gt; Auflösung </a:t>
+            </a:r>
+            <a:r>
+              <a:rPr lang="de-CH" baseline="0" dirty="0" err="1" smtClean="0"/>
+              <a:t>Beamer</a:t>
+            </a:r>
+            <a:r>
+              <a:rPr lang="de-CH" baseline="0" dirty="0" smtClean="0"/>
+              <a:t>)</a:t>
+            </a:r>
+          </a:p>
+          <a:p>
+            <a:pPr marL="171450" indent="-171450">
+              <a:buFont typeface="Arial" panose="020B0604020202020204" pitchFamily="34" charset="0"/>
+              <a:buChar char="•"/>
+            </a:pPr>
+            <a:r>
+              <a:rPr lang="de-CH" baseline="0" dirty="0" smtClean="0"/>
+              <a:t>Alles was sich im 1. Achtel oben links abspielt wird über den 1. Ausgang (</a:t>
+            </a:r>
+            <a:r>
+              <a:rPr lang="de-CH" baseline="0" dirty="0" err="1" smtClean="0"/>
+              <a:t>Graka</a:t>
+            </a:r>
+            <a:r>
+              <a:rPr lang="de-CH" baseline="0" dirty="0" smtClean="0"/>
+              <a:t> 1, Output 1) geschickt</a:t>
+            </a:r>
+          </a:p>
+          <a:p>
+            <a:pPr marL="171450" indent="-171450">
+              <a:buFont typeface="Arial" panose="020B0604020202020204" pitchFamily="34" charset="0"/>
+              <a:buChar char="•"/>
+            </a:pPr>
+            <a:r>
+              <a:rPr lang="de-CH" baseline="0" dirty="0" smtClean="0"/>
+              <a:t>Alles was sich im 3. Achtel oben links abspielt wird über den 3. Ausgang (</a:t>
+            </a:r>
+            <a:r>
+              <a:rPr lang="de-CH" baseline="0" dirty="0" err="1" smtClean="0"/>
+              <a:t>Graka</a:t>
+            </a:r>
+            <a:r>
+              <a:rPr lang="de-CH" baseline="0" dirty="0" smtClean="0"/>
+              <a:t> 1, Output 3) geschickt</a:t>
+            </a:r>
+          </a:p>
+          <a:p>
+            <a:pPr marL="171450" indent="-171450">
+              <a:buFont typeface="Arial" panose="020B0604020202020204" pitchFamily="34" charset="0"/>
+              <a:buChar char="•"/>
+            </a:pPr>
+            <a:r>
+              <a:rPr lang="de-CH" baseline="0" dirty="0" smtClean="0"/>
+              <a:t>Usw.</a:t>
+            </a:r>
+          </a:p>
+          <a:p>
+            <a:pPr marL="171450" indent="-171450">
+              <a:buFont typeface="Arial" panose="020B0604020202020204" pitchFamily="34" charset="0"/>
+              <a:buChar char="•"/>
+            </a:pPr>
+            <a:r>
+              <a:rPr lang="de-CH" baseline="0" dirty="0" smtClean="0"/>
+              <a:t>Und genau so stellt das UnityPlugin die </a:t>
+            </a:r>
+            <a:r>
+              <a:rPr lang="de-CH" baseline="0" dirty="0" err="1" smtClean="0"/>
+              <a:t>Viewports</a:t>
+            </a:r>
+            <a:r>
+              <a:rPr lang="de-CH" baseline="0" dirty="0" smtClean="0"/>
+              <a:t> dar, damit sie </a:t>
+            </a:r>
+            <a:r>
+              <a:rPr lang="de-CH" baseline="0" dirty="0" err="1" smtClean="0"/>
+              <a:t>Mosaic</a:t>
+            </a:r>
+            <a:r>
+              <a:rPr lang="de-CH" baseline="0" dirty="0" smtClean="0"/>
+              <a:t> entsprechen und korrekt auf die </a:t>
+            </a:r>
+            <a:r>
+              <a:rPr lang="de-CH" baseline="0" dirty="0" err="1" smtClean="0"/>
+              <a:t>Beamer</a:t>
+            </a:r>
+            <a:r>
+              <a:rPr lang="de-CH" baseline="0" dirty="0" smtClean="0"/>
+              <a:t> aufgeteilt werden.</a:t>
+            </a:r>
+          </a:p>
+          <a:p>
+            <a:pPr marL="171450" indent="-171450">
+              <a:buFont typeface="Arial" panose="020B0604020202020204" pitchFamily="34" charset="0"/>
+              <a:buChar char="•"/>
+            </a:pPr>
+            <a:r>
+              <a:rPr lang="de-CH" baseline="0" dirty="0" smtClean="0"/>
+              <a:t>Beispiel: Blauer Punkt: Einmal in der 3D Welt vorhanden, sichtbar auf linker Leinwand. Darum auf dem </a:t>
+            </a:r>
+            <a:r>
+              <a:rPr lang="de-CH" baseline="0" dirty="0" err="1" smtClean="0"/>
+              <a:t>Unity</a:t>
+            </a:r>
+            <a:r>
+              <a:rPr lang="de-CH" baseline="0" dirty="0" smtClean="0"/>
+              <a:t>-Server im 1. und 2. Achtel sichtbar. Im 1. Achtel ein wenig weiter links, im 2. Achtel ein wenig weiter rechts, um den 3D-Effekt zu beschwören.</a:t>
+            </a:r>
+            <a:endParaRPr lang="en-US" dirty="0"/>
+          </a:p>
+        </p:txBody>
+      </p:sp>
+      <p:sp>
+        <p:nvSpPr>
+          <p:cNvPr id="4" name="Foliennummernplatzhalter 3"/>
+          <p:cNvSpPr>
+            <a:spLocks noGrp="1"/>
+          </p:cNvSpPr>
+          <p:nvPr>
+            <p:ph type="sldNum" sz="quarter" idx="10"/>
+          </p:nvPr>
+        </p:nvSpPr>
+        <p:spPr/>
+        <p:txBody>
+          <a:bodyPr/>
+          <a:lstStyle/>
+          <a:p>
+            <a:fld id="{37E44704-8E6D-4CF2-8CFA-A0F7BC751896}" type="slidenum">
+              <a:rPr lang="de-CH" smtClean="0"/>
+              <a:t>11</a:t>
+            </a:fld>
+            <a:endParaRPr lang="de-CH"/>
+          </a:p>
+        </p:txBody>
+      </p:sp>
+    </p:spTree>
+    <p:extLst>
+      <p:ext uri="{BB962C8B-B14F-4D97-AF65-F5344CB8AC3E}">
+        <p14:creationId xmlns:p14="http://schemas.microsoft.com/office/powerpoint/2010/main" val="9524046"/>
+      </p:ext>
+    </p:extLst>
+  </p:cSld>
+  <p:clrMapOvr>
+    <a:masterClrMapping/>
+  </p:clrMapOvr>
+</p:notes>
+</file>
+
+<file path=ppt/notesSlides/notesSlide9.xml><?xml version="1.0" encoding="utf-8"?>
+<p:notes xmlns:a="http://schemas.openxmlformats.org/drawingml/2006/main" xmlns:r="http://schemas.openxmlformats.org/officeDocument/2006/relationships" xmlns:p="http://schemas.openxmlformats.org/presentationml/2006/main">
+  <p:cSld>
+    <p:spTree>
+      <p:nvGrpSpPr>
+        <p:cNvPr id="1" name=""/>
+        <p:cNvGrpSpPr/>
+        <p:nvPr/>
+      </p:nvGrpSpPr>
+      <p:grpSpPr>
+        <a:xfrm>
+          <a:off x="0" y="0"/>
+          <a:ext cx="0" cy="0"/>
+          <a:chOff x="0" y="0"/>
+          <a:chExt cx="0" cy="0"/>
+        </a:xfrm>
+      </p:grpSpPr>
+      <p:sp>
+        <p:nvSpPr>
+          <p:cNvPr id="2" name="Folienbildplatzhalter 1"/>
+          <p:cNvSpPr>
+            <a:spLocks noGrp="1" noRot="1" noChangeAspect="1"/>
+          </p:cNvSpPr>
+          <p:nvPr>
+            <p:ph type="sldImg"/>
+          </p:nvPr>
+        </p:nvSpPr>
+        <p:spPr/>
+      </p:sp>
+      <p:sp>
+        <p:nvSpPr>
+          <p:cNvPr id="3" name="Notizenplatzhalter 2"/>
+          <p:cNvSpPr>
+            <a:spLocks noGrp="1"/>
+          </p:cNvSpPr>
+          <p:nvPr>
+            <p:ph type="body" idx="1"/>
+          </p:nvPr>
+        </p:nvSpPr>
+        <p:spPr/>
+        <p:txBody>
+          <a:bodyPr/>
+          <a:lstStyle/>
+          <a:p>
+            <a:pPr marL="171450" indent="-171450">
+              <a:buFontTx/>
+              <a:buChar char="-"/>
+            </a:pPr>
+            <a:r>
+              <a:rPr lang="de-CH" dirty="0" smtClean="0"/>
+              <a:t>Clou der ganzen Sache: In wenigen Atemzügen</a:t>
+            </a:r>
+            <a:r>
+              <a:rPr lang="de-CH" baseline="0" dirty="0" smtClean="0"/>
+              <a:t> eigene Applikation bereit.</a:t>
+            </a:r>
+          </a:p>
+          <a:p>
+            <a:pPr marL="171450" indent="-171450">
+              <a:buFontTx/>
+              <a:buChar char="-"/>
+            </a:pPr>
+            <a:r>
+              <a:rPr lang="de-CH" baseline="0" dirty="0" smtClean="0"/>
+              <a:t>Package importieren</a:t>
+            </a:r>
+            <a:endParaRPr lang="en-US" dirty="0"/>
+          </a:p>
+        </p:txBody>
+      </p:sp>
+      <p:sp>
+        <p:nvSpPr>
+          <p:cNvPr id="4" name="Foliennummernplatzhalter 3"/>
+          <p:cNvSpPr>
+            <a:spLocks noGrp="1"/>
+          </p:cNvSpPr>
+          <p:nvPr>
+            <p:ph type="sldNum" sz="quarter" idx="10"/>
+          </p:nvPr>
+        </p:nvSpPr>
+        <p:spPr/>
+        <p:txBody>
+          <a:bodyPr/>
+          <a:lstStyle/>
+          <a:p>
+            <a:fld id="{37E44704-8E6D-4CF2-8CFA-A0F7BC751896}" type="slidenum">
+              <a:rPr lang="de-CH" smtClean="0"/>
+              <a:t>15</a:t>
+            </a:fld>
+            <a:endParaRPr lang="de-CH"/>
+          </a:p>
+        </p:txBody>
+      </p:sp>
+    </p:spTree>
+    <p:extLst>
+      <p:ext uri="{BB962C8B-B14F-4D97-AF65-F5344CB8AC3E}">
+        <p14:creationId xmlns:p14="http://schemas.microsoft.com/office/powerpoint/2010/main" val="3990387795"/>
       </p:ext>
     </p:extLst>
   </p:cSld>
@@ -6989,7 +9638,66 @@
       </p:grpSpPr>
       <p:sp>
         <p:nvSpPr>
-          <p:cNvPr id="2" name="Titel 1"/>
+          <p:cNvPr id="2" name="Inhaltsplatzhalter 1"/>
+          <p:cNvSpPr>
+            <a:spLocks noGrp="1"/>
+          </p:cNvSpPr>
+          <p:nvPr>
+            <p:ph sz="half" idx="1"/>
+          </p:nvPr>
+        </p:nvSpPr>
+        <p:spPr/>
+        <p:txBody>
+          <a:bodyPr/>
+          <a:lstStyle/>
+          <a:p>
+            <a:pPr marL="0" indent="0">
+              <a:buNone/>
+            </a:pPr>
+            <a:r>
+              <a:rPr lang="de-CH" dirty="0" smtClean="0">
+                <a:solidFill>
+                  <a:srgbClr val="697D91"/>
+                </a:solidFill>
+              </a:rPr>
+              <a:t>Funktion</a:t>
+            </a:r>
+            <a:endParaRPr lang="de-CH" dirty="0">
+              <a:solidFill>
+                <a:srgbClr val="697D91"/>
+              </a:solidFill>
+            </a:endParaRPr>
+          </a:p>
+          <a:p>
+            <a:r>
+              <a:rPr lang="de-CH" dirty="0"/>
+              <a:t>Beinhaltet alle 8 Kameras für Stereoskopie</a:t>
+            </a:r>
+          </a:p>
+          <a:p>
+            <a:r>
+              <a:rPr lang="de-CH" dirty="0"/>
+              <a:t>Zusätzliche Kameras für GUI-Elemente / </a:t>
+            </a:r>
+            <a:r>
+              <a:rPr lang="de-CH" dirty="0" smtClean="0"/>
+              <a:t>Cursor</a:t>
+            </a:r>
+          </a:p>
+          <a:p>
+            <a:endParaRPr lang="de-CH" dirty="0"/>
+          </a:p>
+          <a:p>
+            <a:pPr marL="0" indent="0">
+              <a:buNone/>
+            </a:pPr>
+            <a:endParaRPr lang="de-CH" dirty="0"/>
+          </a:p>
+        </p:txBody>
+      </p:sp>
+      <p:sp>
+        <p:nvSpPr>
+          <p:cNvPr id="3" name="Titel 2"/>
           <p:cNvSpPr>
             <a:spLocks noGrp="1"/>
           </p:cNvSpPr>
@@ -7002,33 +9710,82 @@
           <a:bodyPr/>
           <a:lstStyle/>
           <a:p>
+            <a:r>
+              <a:rPr lang="de-CH" dirty="0" err="1"/>
+              <a:t>Camera</a:t>
+            </a:r>
+            <a:r>
+              <a:rPr lang="de-CH" dirty="0"/>
+              <a:t> Container</a:t>
+            </a:r>
             <a:endParaRPr lang="de-CH" dirty="0"/>
           </a:p>
         </p:txBody>
       </p:sp>
-      <p:sp>
-        <p:nvSpPr>
-          <p:cNvPr id="3" name="Untertitel 2"/>
-          <p:cNvSpPr>
-            <a:spLocks noGrp="1"/>
-          </p:cNvSpPr>
-          <p:nvPr>
-            <p:ph type="subTitle" idx="1"/>
-          </p:nvPr>
-        </p:nvSpPr>
-        <p:spPr/>
-        <p:txBody>
-          <a:bodyPr/>
-          <a:lstStyle/>
-          <a:p>
-            <a:endParaRPr lang="de-CH" dirty="0"/>
-          </a:p>
-        </p:txBody>
-      </p:sp>
+      <p:pic>
+        <p:nvPicPr>
+          <p:cNvPr id="6" name="Grafik 5"/>
+          <p:cNvPicPr>
+            <a:picLocks noChangeAspect="1"/>
+          </p:cNvPicPr>
+          <p:nvPr/>
+        </p:nvPicPr>
+        <p:blipFill>
+          <a:blip r:embed="rId3">
+            <a:extLst>
+              <a:ext uri="{28A0092B-C50C-407E-A947-70E740481C1C}">
+                <a14:useLocalDpi xmlns:a14="http://schemas.microsoft.com/office/drawing/2010/main" val="0"/>
+              </a:ext>
+            </a:extLst>
+          </a:blip>
+          <a:stretch>
+            <a:fillRect/>
+          </a:stretch>
+        </p:blipFill>
+        <p:spPr>
+          <a:xfrm>
+            <a:off x="7215540" y="360000"/>
+            <a:ext cx="1536508" cy="1536508"/>
+          </a:xfrm>
+          <a:prstGeom prst="rect">
+            <a:avLst/>
+          </a:prstGeom>
+        </p:spPr>
+      </p:pic>
+      <p:pic>
+        <p:nvPicPr>
+          <p:cNvPr id="5" name="Grafik 4"/>
+          <p:cNvPicPr>
+            <a:picLocks noChangeAspect="1"/>
+          </p:cNvPicPr>
+          <p:nvPr/>
+        </p:nvPicPr>
+        <p:blipFill>
+          <a:blip r:embed="rId4">
+            <a:extLst>
+              <a:ext uri="{28A0092B-C50C-407E-A947-70E740481C1C}">
+                <a14:useLocalDpi xmlns:a14="http://schemas.microsoft.com/office/drawing/2010/main" val="0"/>
+              </a:ext>
+            </a:extLst>
+          </a:blip>
+          <a:stretch>
+            <a:fillRect/>
+          </a:stretch>
+        </p:blipFill>
+        <p:spPr>
+          <a:xfrm>
+            <a:off x="2660692" y="2911032"/>
+            <a:ext cx="3822616" cy="2795288"/>
+          </a:xfrm>
+          <a:prstGeom prst="rect">
+            <a:avLst/>
+          </a:prstGeom>
+        </p:spPr>
+      </p:pic>
     </p:spTree>
     <p:extLst>
       <p:ext uri="{BB962C8B-B14F-4D97-AF65-F5344CB8AC3E}">
-        <p14:creationId xmlns:p14="http://schemas.microsoft.com/office/powerpoint/2010/main" val="2783447373"/>
+        <p14:creationId xmlns:p14="http://schemas.microsoft.com/office/powerpoint/2010/main" val="3910956490"/>
       </p:ext>
     </p:extLst>
   </p:cSld>
@@ -7077,7 +9834,59 @@
           <a:bodyPr/>
           <a:lstStyle/>
           <a:p>
-            <a:endParaRPr lang="de-CH"/>
+            <a:pPr marL="0" indent="0">
+              <a:buNone/>
+            </a:pPr>
+            <a:r>
+              <a:rPr lang="de-CH" dirty="0" smtClean="0">
+                <a:solidFill>
+                  <a:srgbClr val="697D91"/>
+                </a:solidFill>
+              </a:rPr>
+              <a:t>Anordnung </a:t>
+            </a:r>
+            <a:r>
+              <a:rPr lang="de-CH" dirty="0" err="1">
+                <a:solidFill>
+                  <a:srgbClr val="697D91"/>
+                </a:solidFill>
+              </a:rPr>
+              <a:t>Viewports</a:t>
+            </a:r>
+            <a:endParaRPr lang="de-CH" dirty="0">
+              <a:solidFill>
+                <a:srgbClr val="697D91"/>
+              </a:solidFill>
+            </a:endParaRPr>
+          </a:p>
+          <a:p>
+            <a:r>
+              <a:rPr lang="de-CH" dirty="0" smtClean="0"/>
+              <a:t>Verteilung wie in </a:t>
+            </a:r>
+            <a:r>
+              <a:rPr lang="de-CH" dirty="0" err="1" smtClean="0"/>
+              <a:t>Mosaic</a:t>
+            </a:r>
+            <a:r>
+              <a:rPr lang="de-CH" dirty="0" smtClean="0"/>
+              <a:t> festgelegt</a:t>
+            </a:r>
+          </a:p>
+          <a:p>
+            <a:r>
+              <a:rPr lang="de-CH" dirty="0" smtClean="0"/>
+              <a:t>Acht </a:t>
+            </a:r>
+            <a:r>
+              <a:rPr lang="de-CH" dirty="0" err="1" smtClean="0"/>
+              <a:t>Viewports</a:t>
+            </a:r>
+            <a:r>
+              <a:rPr lang="de-CH" dirty="0" smtClean="0"/>
+              <a:t>, für jede Leinwand zwei</a:t>
+            </a:r>
+            <a:endParaRPr lang="de-CH" dirty="0"/>
           </a:p>
         </p:txBody>
       </p:sp>
@@ -7096,14 +9905,82 @@
           <a:bodyPr/>
           <a:lstStyle/>
           <a:p>
+            <a:r>
+              <a:rPr lang="de-CH" dirty="0" err="1"/>
+              <a:t>Camera</a:t>
+            </a:r>
+            <a:r>
+              <a:rPr lang="de-CH" dirty="0"/>
+              <a:t> Container</a:t>
+            </a:r>
             <a:endParaRPr lang="de-CH" dirty="0"/>
           </a:p>
         </p:txBody>
       </p:sp>
+      <p:pic>
+        <p:nvPicPr>
+          <p:cNvPr id="6" name="Grafik 5"/>
+          <p:cNvPicPr>
+            <a:picLocks noChangeAspect="1"/>
+          </p:cNvPicPr>
+          <p:nvPr/>
+        </p:nvPicPr>
+        <p:blipFill>
+          <a:blip r:embed="rId3">
+            <a:extLst>
+              <a:ext uri="{28A0092B-C50C-407E-A947-70E740481C1C}">
+                <a14:useLocalDpi xmlns:a14="http://schemas.microsoft.com/office/drawing/2010/main" val="0"/>
+              </a:ext>
+            </a:extLst>
+          </a:blip>
+          <a:stretch>
+            <a:fillRect/>
+          </a:stretch>
+        </p:blipFill>
+        <p:spPr>
+          <a:xfrm>
+            <a:off x="7215540" y="360000"/>
+            <a:ext cx="1536508" cy="1536508"/>
+          </a:xfrm>
+          <a:prstGeom prst="rect">
+            <a:avLst/>
+          </a:prstGeom>
+        </p:spPr>
+      </p:pic>
+      <p:pic>
+        <p:nvPicPr>
+          <p:cNvPr id="4" name="Grafik 3"/>
+          <p:cNvPicPr>
+            <a:picLocks noChangeAspect="1"/>
+          </p:cNvPicPr>
+          <p:nvPr/>
+        </p:nvPicPr>
+        <p:blipFill>
+          <a:blip r:embed="rId4">
+            <a:extLst>
+              <a:ext uri="{28A0092B-C50C-407E-A947-70E740481C1C}">
+                <a14:useLocalDpi xmlns:a14="http://schemas.microsoft.com/office/drawing/2010/main" val="0"/>
+              </a:ext>
+            </a:extLst>
+          </a:blip>
+          <a:stretch>
+            <a:fillRect/>
+          </a:stretch>
+        </p:blipFill>
+        <p:spPr>
+          <a:xfrm>
+            <a:off x="1034383" y="3150223"/>
+            <a:ext cx="6457950" cy="2486025"/>
+          </a:xfrm>
+          <a:prstGeom prst="rect">
+            <a:avLst/>
+          </a:prstGeom>
+        </p:spPr>
+      </p:pic>
     </p:spTree>
     <p:extLst>
       <p:ext uri="{BB962C8B-B14F-4D97-AF65-F5344CB8AC3E}">
-        <p14:creationId xmlns:p14="http://schemas.microsoft.com/office/powerpoint/2010/main" val="3741675672"/>
+        <p14:creationId xmlns:p14="http://schemas.microsoft.com/office/powerpoint/2010/main" val="3805335964"/>
       </p:ext>
     </p:extLst>
   </p:cSld>
@@ -7139,7 +10016,30 @@
       </p:grpSpPr>
       <p:sp>
         <p:nvSpPr>
-          <p:cNvPr id="2" name="Titel 1"/>
+          <p:cNvPr id="2" name="Inhaltsplatzhalter 1"/>
+          <p:cNvSpPr>
+            <a:spLocks noGrp="1"/>
+          </p:cNvSpPr>
+          <p:nvPr>
+            <p:ph sz="half" idx="1"/>
+          </p:nvPr>
+        </p:nvSpPr>
+        <p:spPr/>
+        <p:txBody>
+          <a:bodyPr/>
+          <a:lstStyle/>
+          <a:p>
+            <a:r>
+              <a:rPr lang="de-CH" dirty="0" smtClean="0"/>
+              <a:t>huhu</a:t>
+            </a:r>
+            <a:endParaRPr lang="de-CH" dirty="0"/>
+          </a:p>
+        </p:txBody>
+      </p:sp>
+      <p:sp>
+        <p:nvSpPr>
+          <p:cNvPr id="3" name="Titel 2"/>
           <p:cNvSpPr>
             <a:spLocks noGrp="1"/>
           </p:cNvSpPr>
@@ -7152,52 +10052,48 @@
           <a:bodyPr/>
           <a:lstStyle/>
           <a:p>
-            <a:endParaRPr lang="de-CH"/>
-          </a:p>
-        </p:txBody>
-      </p:sp>
-      <p:sp>
-        <p:nvSpPr>
-          <p:cNvPr id="3" name="Textplatzhalter 2"/>
-          <p:cNvSpPr>
-            <a:spLocks noGrp="1"/>
-          </p:cNvSpPr>
-          <p:nvPr>
-            <p:ph type="body" idx="1"/>
-          </p:nvPr>
-        </p:nvSpPr>
-        <p:spPr/>
-        <p:txBody>
-          <a:bodyPr/>
-          <a:lstStyle/>
-          <a:p>
-            <a:endParaRPr lang="de-CH"/>
-          </a:p>
-        </p:txBody>
-      </p:sp>
-      <p:sp>
-        <p:nvSpPr>
-          <p:cNvPr id="4" name="Inhaltsplatzhalter 3"/>
-          <p:cNvSpPr>
-            <a:spLocks noGrp="1"/>
-          </p:cNvSpPr>
-          <p:nvPr>
-            <p:ph sz="half" idx="13"/>
-          </p:nvPr>
-        </p:nvSpPr>
-        <p:spPr/>
-        <p:txBody>
-          <a:bodyPr/>
-          <a:lstStyle/>
-          <a:p>
-            <a:endParaRPr lang="de-CH"/>
-          </a:p>
-        </p:txBody>
-      </p:sp>
+            <a:r>
+              <a:rPr lang="de-CH" dirty="0" err="1" smtClean="0"/>
+              <a:t>Frustum</a:t>
+            </a:r>
+            <a:endParaRPr lang="de-CH" dirty="0"/>
+          </a:p>
+        </p:txBody>
+      </p:sp>
+      <p:pic>
+        <p:nvPicPr>
+          <p:cNvPr id="6" name="Grafik 5"/>
+          <p:cNvPicPr>
+            <a:picLocks noChangeAspect="1"/>
+          </p:cNvPicPr>
+          <p:nvPr/>
+        </p:nvPicPr>
+        <p:blipFill>
+          <a:blip r:embed="rId2">
+            <a:extLst>
+              <a:ext uri="{28A0092B-C50C-407E-A947-70E740481C1C}">
+                <a14:useLocalDpi xmlns:a14="http://schemas.microsoft.com/office/drawing/2010/main" val="0"/>
+              </a:ext>
+            </a:extLst>
+          </a:blip>
+          <a:stretch>
+            <a:fillRect/>
+          </a:stretch>
+        </p:blipFill>
+        <p:spPr>
+          <a:xfrm>
+            <a:off x="7215540" y="360000"/>
+            <a:ext cx="1536508" cy="1536508"/>
+          </a:xfrm>
+          <a:prstGeom prst="rect">
+            <a:avLst/>
+          </a:prstGeom>
+        </p:spPr>
+      </p:pic>
     </p:spTree>
     <p:extLst>
       <p:ext uri="{BB962C8B-B14F-4D97-AF65-F5344CB8AC3E}">
-        <p14:creationId xmlns:p14="http://schemas.microsoft.com/office/powerpoint/2010/main" val="153582886"/>
+        <p14:creationId xmlns:p14="http://schemas.microsoft.com/office/powerpoint/2010/main" val="3509411761"/>
       </p:ext>
     </p:extLst>
   </p:cSld>
@@ -7233,7 +10129,7 @@
       </p:grpSpPr>
       <p:sp>
         <p:nvSpPr>
-          <p:cNvPr id="7" name="Titel 6"/>
+          <p:cNvPr id="2" name="Titel 1"/>
           <p:cNvSpPr>
             <a:spLocks noGrp="1"/>
           </p:cNvSpPr>
@@ -7246,18 +10142,30 @@
           <a:bodyPr/>
           <a:lstStyle/>
           <a:p>
-            <a:endParaRPr lang="de-CH"/>
-          </a:p>
-        </p:txBody>
-      </p:sp>
-      <p:sp>
-        <p:nvSpPr>
-          <p:cNvPr id="8" name="Textplatzhalter 7"/>
-          <p:cNvSpPr>
-            <a:spLocks noGrp="1"/>
-          </p:cNvSpPr>
-          <p:nvPr>
-            <p:ph type="body" idx="1"/>
+            <a:r>
+              <a:rPr lang="de-CH" dirty="0" err="1" smtClean="0"/>
+              <a:t>Unity</a:t>
+            </a:r>
+            <a:r>
+              <a:rPr lang="de-CH" dirty="0" smtClean="0"/>
+              <a:t> </a:t>
+            </a:r>
+            <a:r>
+              <a:rPr lang="de-CH" dirty="0" err="1" smtClean="0"/>
+              <a:t>Plugin</a:t>
+            </a:r>
+            <a:endParaRPr lang="de-CH" dirty="0"/>
+          </a:p>
+        </p:txBody>
+      </p:sp>
+      <p:sp>
+        <p:nvSpPr>
+          <p:cNvPr id="3" name="Untertitel 2"/>
+          <p:cNvSpPr>
+            <a:spLocks noGrp="1"/>
+          </p:cNvSpPr>
+          <p:nvPr>
+            <p:ph type="subTitle" idx="1"/>
           </p:nvPr>
         </p:nvSpPr>
         <p:spPr/>
@@ -7265,71 +10173,14 @@
           <a:bodyPr/>
           <a:lstStyle/>
           <a:p>
-            <a:endParaRPr lang="de-CH"/>
-          </a:p>
-        </p:txBody>
-      </p:sp>
-      <p:sp>
-        <p:nvSpPr>
-          <p:cNvPr id="11" name="Textplatzhalter 10"/>
-          <p:cNvSpPr>
-            <a:spLocks noGrp="1"/>
-          </p:cNvSpPr>
-          <p:nvPr>
-            <p:ph type="body" idx="18"/>
-          </p:nvPr>
-        </p:nvSpPr>
-        <p:spPr/>
-        <p:txBody>
-          <a:bodyPr/>
-          <a:lstStyle/>
-          <a:p>
-            <a:endParaRPr lang="de-CH"/>
-          </a:p>
-        </p:txBody>
-      </p:sp>
-      <p:sp>
-        <p:nvSpPr>
-          <p:cNvPr id="9" name="Inhaltsplatzhalter 8"/>
-          <p:cNvSpPr>
-            <a:spLocks noGrp="1"/>
-          </p:cNvSpPr>
-          <p:nvPr>
-            <p:ph sz="half" idx="13"/>
-          </p:nvPr>
-        </p:nvSpPr>
-        <p:spPr/>
-        <p:txBody>
-          <a:bodyPr/>
-          <a:lstStyle/>
-          <a:p>
-            <a:endParaRPr lang="de-CH"/>
-          </a:p>
-        </p:txBody>
-      </p:sp>
-      <p:sp>
-        <p:nvSpPr>
-          <p:cNvPr id="10" name="Inhaltsplatzhalter 9"/>
-          <p:cNvSpPr>
-            <a:spLocks noGrp="1"/>
-          </p:cNvSpPr>
-          <p:nvPr>
-            <p:ph sz="half" idx="15"/>
-          </p:nvPr>
-        </p:nvSpPr>
-        <p:spPr/>
-        <p:txBody>
-          <a:bodyPr/>
-          <a:lstStyle/>
-          <a:p>
-            <a:endParaRPr lang="de-CH"/>
+            <a:endParaRPr lang="de-CH" dirty="0"/>
           </a:p>
         </p:txBody>
       </p:sp>
     </p:spTree>
     <p:extLst>
       <p:ext uri="{BB962C8B-B14F-4D97-AF65-F5344CB8AC3E}">
-        <p14:creationId xmlns:p14="http://schemas.microsoft.com/office/powerpoint/2010/main" val="1673217479"/>
+        <p14:creationId xmlns:p14="http://schemas.microsoft.com/office/powerpoint/2010/main" val="1263526397"/>
       </p:ext>
     </p:extLst>
   </p:cSld>
@@ -7378,7 +10229,19 @@
           <a:bodyPr/>
           <a:lstStyle/>
           <a:p>
-            <a:endParaRPr lang="de-CH"/>
+            <a:r>
+              <a:rPr lang="de-CH" dirty="0" err="1" smtClean="0"/>
+              <a:t>Unity</a:t>
+            </a:r>
+            <a:r>
+              <a:rPr lang="de-CH" dirty="0" smtClean="0"/>
+              <a:t> </a:t>
+            </a:r>
+            <a:r>
+              <a:rPr lang="de-CH" dirty="0" err="1" smtClean="0"/>
+              <a:t>Plugin</a:t>
+            </a:r>
+            <a:endParaRPr lang="de-CH" dirty="0"/>
           </a:p>
         </p:txBody>
       </p:sp>
@@ -7397,7 +10260,11 @@
           <a:bodyPr/>
           <a:lstStyle/>
           <a:p>
-            <a:endParaRPr lang="de-CH"/>
+            <a:r>
+              <a:rPr lang="de-CH" dirty="0" smtClean="0"/>
+              <a:t>Umsetzung</a:t>
+            </a:r>
+            <a:endParaRPr lang="de-CH" dirty="0"/>
           </a:p>
         </p:txBody>
       </p:sp>
@@ -7416,52 +10283,35 @@
           <a:bodyPr/>
           <a:lstStyle/>
           <a:p>
-            <a:endParaRPr lang="de-CH"/>
-          </a:p>
-        </p:txBody>
-      </p:sp>
-      <p:sp>
-        <p:nvSpPr>
-          <p:cNvPr id="5" name="Textplatzhalter 4"/>
-          <p:cNvSpPr>
-            <a:spLocks noGrp="1"/>
-          </p:cNvSpPr>
-          <p:nvPr>
-            <p:ph type="body" idx="14"/>
-          </p:nvPr>
-        </p:nvSpPr>
-        <p:spPr/>
-        <p:txBody>
-          <a:bodyPr/>
-          <a:lstStyle/>
-          <a:p>
-            <a:endParaRPr lang="de-CH"/>
-          </a:p>
-        </p:txBody>
-      </p:sp>
-      <p:sp>
-        <p:nvSpPr>
-          <p:cNvPr id="6" name="Inhaltsplatzhalter 5"/>
-          <p:cNvSpPr>
-            <a:spLocks noGrp="1"/>
-          </p:cNvSpPr>
-          <p:nvPr>
-            <p:ph sz="half" idx="15"/>
-          </p:nvPr>
-        </p:nvSpPr>
-        <p:spPr/>
-        <p:txBody>
-          <a:bodyPr/>
-          <a:lstStyle/>
-          <a:p>
-            <a:endParaRPr lang="de-CH"/>
+            <a:r>
+              <a:rPr lang="de-CH" dirty="0" smtClean="0"/>
+              <a:t>Modular</a:t>
+            </a:r>
+          </a:p>
+          <a:p>
+            <a:r>
+              <a:rPr lang="de-CH" dirty="0" smtClean="0"/>
+              <a:t>Architektur </a:t>
+            </a:r>
+            <a:r>
+              <a:rPr lang="de-CH" dirty="0" err="1" smtClean="0"/>
+              <a:t>Unity</a:t>
+            </a:r>
+            <a:endParaRPr lang="de-CH" dirty="0" smtClean="0"/>
+          </a:p>
+          <a:p>
+            <a:r>
+              <a:rPr lang="de-CH" dirty="0" smtClean="0"/>
+              <a:t>OOP</a:t>
+            </a:r>
+            <a:endParaRPr lang="de-CH" dirty="0"/>
           </a:p>
         </p:txBody>
       </p:sp>
     </p:spTree>
     <p:extLst>
       <p:ext uri="{BB962C8B-B14F-4D97-AF65-F5344CB8AC3E}">
-        <p14:creationId xmlns:p14="http://schemas.microsoft.com/office/powerpoint/2010/main" val="1872521376"/>
+        <p14:creationId xmlns:p14="http://schemas.microsoft.com/office/powerpoint/2010/main" val="3399806346"/>
       </p:ext>
     </p:extLst>
   </p:cSld>
@@ -7510,7 +10360,19 @@
           <a:bodyPr/>
           <a:lstStyle/>
           <a:p>
-            <a:endParaRPr lang="de-CH"/>
+            <a:r>
+              <a:rPr lang="de-CH" dirty="0" err="1" smtClean="0"/>
+              <a:t>Unity</a:t>
+            </a:r>
+            <a:r>
+              <a:rPr lang="de-CH" dirty="0" smtClean="0"/>
+              <a:t> </a:t>
+            </a:r>
+            <a:r>
+              <a:rPr lang="de-CH" dirty="0" err="1" smtClean="0"/>
+              <a:t>Plugin</a:t>
+            </a:r>
+            <a:endParaRPr lang="de-CH" dirty="0"/>
           </a:p>
         </p:txBody>
       </p:sp>
@@ -7529,18 +10391,22 @@
           <a:bodyPr/>
           <a:lstStyle/>
           <a:p>
-            <a:endParaRPr lang="de-CH"/>
-          </a:p>
-        </p:txBody>
-      </p:sp>
-      <p:sp>
-        <p:nvSpPr>
-          <p:cNvPr id="4" name="Textplatzhalter 3"/>
-          <p:cNvSpPr>
-            <a:spLocks noGrp="1"/>
-          </p:cNvSpPr>
-          <p:nvPr>
-            <p:ph type="body" idx="18"/>
+            <a:r>
+              <a:rPr lang="de-CH" dirty="0" smtClean="0"/>
+              <a:t>Verwendung</a:t>
+            </a:r>
+            <a:endParaRPr lang="de-CH" dirty="0"/>
+          </a:p>
+        </p:txBody>
+      </p:sp>
+      <p:sp>
+        <p:nvSpPr>
+          <p:cNvPr id="4" name="Inhaltsplatzhalter 3"/>
+          <p:cNvSpPr>
+            <a:spLocks noGrp="1"/>
+          </p:cNvSpPr>
+          <p:nvPr>
+            <p:ph sz="half" idx="13"/>
           </p:nvPr>
         </p:nvSpPr>
         <p:spPr/>
@@ -7548,90 +10414,67 @@
           <a:bodyPr/>
           <a:lstStyle/>
           <a:p>
-            <a:endParaRPr lang="de-CH"/>
-          </a:p>
-        </p:txBody>
-      </p:sp>
-      <p:sp>
-        <p:nvSpPr>
-          <p:cNvPr id="5" name="Inhaltsplatzhalter 4"/>
-          <p:cNvSpPr>
-            <a:spLocks noGrp="1"/>
-          </p:cNvSpPr>
-          <p:nvPr>
-            <p:ph sz="half" idx="13"/>
-          </p:nvPr>
-        </p:nvSpPr>
-        <p:spPr/>
-        <p:txBody>
-          <a:bodyPr/>
-          <a:lstStyle/>
-          <a:p>
-            <a:endParaRPr lang="de-CH"/>
-          </a:p>
-        </p:txBody>
-      </p:sp>
-      <p:sp>
-        <p:nvSpPr>
-          <p:cNvPr id="6" name="Inhaltsplatzhalter 5"/>
-          <p:cNvSpPr>
-            <a:spLocks noGrp="1"/>
-          </p:cNvSpPr>
-          <p:nvPr>
-            <p:ph sz="half" idx="15"/>
-          </p:nvPr>
-        </p:nvSpPr>
-        <p:spPr/>
-        <p:txBody>
-          <a:bodyPr/>
-          <a:lstStyle/>
-          <a:p>
-            <a:endParaRPr lang="de-CH"/>
-          </a:p>
-        </p:txBody>
-      </p:sp>
-      <p:sp>
-        <p:nvSpPr>
-          <p:cNvPr id="7" name="Inhaltsplatzhalter 6"/>
-          <p:cNvSpPr>
-            <a:spLocks noGrp="1"/>
-          </p:cNvSpPr>
-          <p:nvPr>
-            <p:ph sz="half" idx="19"/>
-          </p:nvPr>
-        </p:nvSpPr>
-        <p:spPr/>
-        <p:txBody>
-          <a:bodyPr/>
-          <a:lstStyle/>
-          <a:p>
-            <a:endParaRPr lang="de-CH"/>
-          </a:p>
-        </p:txBody>
-      </p:sp>
-      <p:sp>
-        <p:nvSpPr>
-          <p:cNvPr id="8" name="Textplatzhalter 7"/>
-          <p:cNvSpPr>
-            <a:spLocks noGrp="1"/>
-          </p:cNvSpPr>
-          <p:nvPr>
-            <p:ph type="body" idx="20"/>
-          </p:nvPr>
-        </p:nvSpPr>
-        <p:spPr/>
-        <p:txBody>
-          <a:bodyPr/>
-          <a:lstStyle/>
-          <a:p>
-            <a:endParaRPr lang="de-CH"/>
-          </a:p>
-        </p:txBody>
-      </p:sp>
+            <a:pPr marL="342900" indent="-342900">
+              <a:buFont typeface="+mj-lt"/>
+              <a:buAutoNum type="arabicPeriod"/>
+            </a:pPr>
+            <a:r>
+              <a:rPr lang="de-CH" dirty="0" smtClean="0"/>
+              <a:t>Package importieren</a:t>
+            </a:r>
+          </a:p>
+          <a:p>
+            <a:pPr marL="0" indent="0">
+              <a:buNone/>
+            </a:pPr>
+            <a:endParaRPr lang="de-CH" dirty="0"/>
+          </a:p>
+        </p:txBody>
+      </p:sp>
+      <p:pic>
+        <p:nvPicPr>
+          <p:cNvPr id="6" name="Grafik 5"/>
+          <p:cNvPicPr>
+            <a:picLocks noChangeAspect="1"/>
+          </p:cNvPicPr>
+          <p:nvPr/>
+        </p:nvPicPr>
+        <p:blipFill>
+          <a:blip r:embed="rId3">
+            <a:extLst>
+              <a:ext uri="{28A0092B-C50C-407E-A947-70E740481C1C}">
+                <a14:useLocalDpi xmlns:a14="http://schemas.microsoft.com/office/drawing/2010/main" val="0"/>
+              </a:ext>
+            </a:extLst>
+          </a:blip>
+          <a:stretch>
+            <a:fillRect/>
+          </a:stretch>
+        </p:blipFill>
+        <p:spPr>
+          <a:xfrm>
+            <a:off x="468000" y="2832765"/>
+            <a:ext cx="3816299" cy="3131505"/>
+          </a:xfrm>
+          <a:prstGeom prst="rect">
+            <a:avLst/>
+          </a:prstGeom>
+          <a:ln>
+            <a:noFill/>
+          </a:ln>
+          <a:effectLst>
+            <a:outerShdw blurRad="190500" algn="tl" rotWithShape="0">
+              <a:srgbClr val="000000">
+                <a:alpha val="70000"/>
+              </a:srgbClr>
+            </a:outerShdw>
+          </a:effectLst>
+        </p:spPr>
+      </p:pic>
     </p:spTree>
     <p:extLst>
       <p:ext uri="{BB962C8B-B14F-4D97-AF65-F5344CB8AC3E}">
-        <p14:creationId xmlns:p14="http://schemas.microsoft.com/office/powerpoint/2010/main" val="3225023463"/>
+        <p14:creationId xmlns:p14="http://schemas.microsoft.com/office/powerpoint/2010/main" val="3133866186"/>
       </p:ext>
     </p:extLst>
   </p:cSld>
@@ -7680,13 +10523,48 @@
           <a:bodyPr/>
           <a:lstStyle/>
           <a:p>
-            <a:endParaRPr lang="de-CH"/>
-          </a:p>
-        </p:txBody>
-      </p:sp>
-      <p:sp>
-        <p:nvSpPr>
-          <p:cNvPr id="3" name="Inhaltsplatzhalter 2"/>
+            <a:r>
+              <a:rPr lang="de-CH" dirty="0" err="1" smtClean="0"/>
+              <a:t>Unity</a:t>
+            </a:r>
+            <a:r>
+              <a:rPr lang="de-CH" dirty="0" smtClean="0"/>
+              <a:t> </a:t>
+            </a:r>
+            <a:r>
+              <a:rPr lang="de-CH" dirty="0" err="1" smtClean="0"/>
+              <a:t>Plugin</a:t>
+            </a:r>
+            <a:endParaRPr lang="de-CH" dirty="0"/>
+          </a:p>
+        </p:txBody>
+      </p:sp>
+      <p:sp>
+        <p:nvSpPr>
+          <p:cNvPr id="3" name="Textplatzhalter 2"/>
+          <p:cNvSpPr>
+            <a:spLocks noGrp="1"/>
+          </p:cNvSpPr>
+          <p:nvPr>
+            <p:ph type="body" idx="1"/>
+          </p:nvPr>
+        </p:nvSpPr>
+        <p:spPr/>
+        <p:txBody>
+          <a:bodyPr/>
+          <a:lstStyle/>
+          <a:p>
+            <a:r>
+              <a:rPr lang="de-CH" dirty="0" smtClean="0"/>
+              <a:t>Verwendung</a:t>
+            </a:r>
+            <a:endParaRPr lang="de-CH" dirty="0"/>
+          </a:p>
+        </p:txBody>
+      </p:sp>
+      <p:sp>
+        <p:nvSpPr>
+          <p:cNvPr id="4" name="Inhaltsplatzhalter 3"/>
           <p:cNvSpPr>
             <a:spLocks noGrp="1"/>
           </p:cNvSpPr>
@@ -7699,109 +10577,609 @@
           <a:bodyPr/>
           <a:lstStyle/>
           <a:p>
-            <a:endParaRPr lang="de-CH"/>
-          </a:p>
-        </p:txBody>
-      </p:sp>
-      <p:sp>
-        <p:nvSpPr>
-          <p:cNvPr id="4" name="Inhaltsplatzhalter 3"/>
-          <p:cNvSpPr>
-            <a:spLocks noGrp="1"/>
-          </p:cNvSpPr>
-          <p:nvPr>
-            <p:ph sz="half" idx="15"/>
-          </p:nvPr>
-        </p:nvSpPr>
-        <p:spPr/>
-        <p:txBody>
-          <a:bodyPr/>
-          <a:lstStyle/>
-          <a:p>
-            <a:endParaRPr lang="de-CH"/>
-          </a:p>
-        </p:txBody>
-      </p:sp>
-      <p:sp>
-        <p:nvSpPr>
-          <p:cNvPr id="5" name="Inhaltsplatzhalter 4"/>
-          <p:cNvSpPr>
-            <a:spLocks noGrp="1"/>
-          </p:cNvSpPr>
-          <p:nvPr>
-            <p:ph sz="half" idx="19"/>
-          </p:nvPr>
-        </p:nvSpPr>
-        <p:spPr/>
-        <p:txBody>
-          <a:bodyPr/>
-          <a:lstStyle/>
-          <a:p>
-            <a:endParaRPr lang="de-CH"/>
-          </a:p>
-        </p:txBody>
-      </p:sp>
-      <p:sp>
-        <p:nvSpPr>
-          <p:cNvPr id="6" name="Textplatzhalter 5"/>
-          <p:cNvSpPr>
-            <a:spLocks noGrp="1"/>
-          </p:cNvSpPr>
-          <p:nvPr>
-            <p:ph type="body" idx="1"/>
-          </p:nvPr>
-        </p:nvSpPr>
-        <p:spPr/>
-        <p:txBody>
-          <a:bodyPr/>
-          <a:lstStyle/>
-          <a:p>
-            <a:endParaRPr lang="de-CH"/>
-          </a:p>
-        </p:txBody>
-      </p:sp>
-      <p:sp>
-        <p:nvSpPr>
-          <p:cNvPr id="7" name="Textplatzhalter 6"/>
-          <p:cNvSpPr>
-            <a:spLocks noGrp="1"/>
-          </p:cNvSpPr>
-          <p:nvPr>
-            <p:ph type="body" idx="18"/>
-          </p:nvPr>
-        </p:nvSpPr>
-        <p:spPr/>
-        <p:txBody>
-          <a:bodyPr/>
-          <a:lstStyle/>
-          <a:p>
-            <a:endParaRPr lang="de-CH"/>
-          </a:p>
-        </p:txBody>
-      </p:sp>
-      <p:sp>
-        <p:nvSpPr>
-          <p:cNvPr id="8" name="Textplatzhalter 7"/>
-          <p:cNvSpPr>
-            <a:spLocks noGrp="1"/>
-          </p:cNvSpPr>
-          <p:nvPr>
-            <p:ph type="body" idx="20"/>
-          </p:nvPr>
-        </p:nvSpPr>
-        <p:spPr/>
-        <p:txBody>
-          <a:bodyPr/>
-          <a:lstStyle/>
-          <a:p>
-            <a:endParaRPr lang="de-CH"/>
-          </a:p>
-        </p:txBody>
-      </p:sp>
+            <a:pPr marL="342900" indent="-342900">
+              <a:buFont typeface="+mj-lt"/>
+              <a:buAutoNum type="arabicPeriod"/>
+            </a:pPr>
+            <a:r>
+              <a:rPr lang="de-CH" dirty="0" smtClean="0"/>
+              <a:t>Package importieren</a:t>
+            </a:r>
+          </a:p>
+          <a:p>
+            <a:pPr marL="0" indent="0">
+              <a:buNone/>
+            </a:pPr>
+            <a:endParaRPr lang="de-CH" dirty="0"/>
+          </a:p>
+        </p:txBody>
+      </p:sp>
+      <p:pic>
+        <p:nvPicPr>
+          <p:cNvPr id="6" name="Grafik 5"/>
+          <p:cNvPicPr>
+            <a:picLocks noChangeAspect="1"/>
+          </p:cNvPicPr>
+          <p:nvPr/>
+        </p:nvPicPr>
+        <p:blipFill>
+          <a:blip r:embed="rId3">
+            <a:extLst>
+              <a:ext uri="{28A0092B-C50C-407E-A947-70E740481C1C}">
+                <a14:useLocalDpi xmlns:a14="http://schemas.microsoft.com/office/drawing/2010/main" val="0"/>
+              </a:ext>
+            </a:extLst>
+          </a:blip>
+          <a:stretch>
+            <a:fillRect/>
+          </a:stretch>
+        </p:blipFill>
+        <p:spPr>
+          <a:xfrm>
+            <a:off x="468000" y="2832765"/>
+            <a:ext cx="3816298" cy="3131505"/>
+          </a:xfrm>
+          <a:prstGeom prst="rect">
+            <a:avLst/>
+          </a:prstGeom>
+          <a:ln>
+            <a:noFill/>
+          </a:ln>
+          <a:effectLst>
+            <a:outerShdw blurRad="190500" algn="tl" rotWithShape="0">
+              <a:srgbClr val="000000">
+                <a:alpha val="70000"/>
+              </a:srgbClr>
+            </a:outerShdw>
+          </a:effectLst>
+        </p:spPr>
+      </p:pic>
     </p:spTree>
     <p:extLst>
       <p:ext uri="{BB962C8B-B14F-4D97-AF65-F5344CB8AC3E}">
-        <p14:creationId xmlns:p14="http://schemas.microsoft.com/office/powerpoint/2010/main" val="1501259291"/>
+        <p14:creationId xmlns:p14="http://schemas.microsoft.com/office/powerpoint/2010/main" val="439021868"/>
+      </p:ext>
+    </p:extLst>
+  </p:cSld>
+  <p:clrMapOvr>
+    <a:masterClrMapping/>
+  </p:clrMapOvr>
+  <p:timing>
+    <p:tnLst>
+      <p:par>
+        <p:cTn id="1" dur="indefinite" restart="never" nodeType="tmRoot"/>
+      </p:par>
+    </p:tnLst>
+  </p:timing>
+</p:sld>
+</file>
+
+<file path=ppt/slides/slide17.xml><?xml version="1.0" encoding="utf-8"?>
+<p:sld xmlns:a="http://schemas.openxmlformats.org/drawingml/2006/main" xmlns:r="http://schemas.openxmlformats.org/officeDocument/2006/relationships" xmlns:p="http://schemas.openxmlformats.org/presentationml/2006/main">
+  <p:cSld>
+    <p:spTree>
+      <p:nvGrpSpPr>
+        <p:cNvPr id="1" name=""/>
+        <p:cNvGrpSpPr/>
+        <p:nvPr/>
+      </p:nvGrpSpPr>
+      <p:grpSpPr>
+        <a:xfrm>
+          <a:off x="0" y="0"/>
+          <a:ext cx="0" cy="0"/>
+          <a:chOff x="0" y="0"/>
+          <a:chExt cx="0" cy="0"/>
+        </a:xfrm>
+      </p:grpSpPr>
+      <p:sp>
+        <p:nvSpPr>
+          <p:cNvPr id="2" name="Titel 1"/>
+          <p:cNvSpPr>
+            <a:spLocks noGrp="1"/>
+          </p:cNvSpPr>
+          <p:nvPr>
+            <p:ph type="ctrTitle"/>
+          </p:nvPr>
+        </p:nvSpPr>
+        <p:spPr/>
+        <p:txBody>
+          <a:bodyPr/>
+          <a:lstStyle/>
+          <a:p>
+            <a:r>
+              <a:rPr lang="de-CH" dirty="0" err="1" smtClean="0"/>
+              <a:t>Unity</a:t>
+            </a:r>
+            <a:r>
+              <a:rPr lang="de-CH" dirty="0" smtClean="0"/>
+              <a:t> </a:t>
+            </a:r>
+            <a:r>
+              <a:rPr lang="de-CH" dirty="0" err="1" smtClean="0"/>
+              <a:t>Plugin</a:t>
+            </a:r>
+            <a:endParaRPr lang="de-CH" dirty="0"/>
+          </a:p>
+        </p:txBody>
+      </p:sp>
+      <p:sp>
+        <p:nvSpPr>
+          <p:cNvPr id="3" name="Textplatzhalter 2"/>
+          <p:cNvSpPr>
+            <a:spLocks noGrp="1"/>
+          </p:cNvSpPr>
+          <p:nvPr>
+            <p:ph type="body" idx="1"/>
+          </p:nvPr>
+        </p:nvSpPr>
+        <p:spPr/>
+        <p:txBody>
+          <a:bodyPr/>
+          <a:lstStyle/>
+          <a:p>
+            <a:r>
+              <a:rPr lang="de-CH" dirty="0" smtClean="0"/>
+              <a:t>Verwendung</a:t>
+            </a:r>
+            <a:endParaRPr lang="de-CH" dirty="0"/>
+          </a:p>
+        </p:txBody>
+      </p:sp>
+      <p:sp>
+        <p:nvSpPr>
+          <p:cNvPr id="4" name="Inhaltsplatzhalter 3"/>
+          <p:cNvSpPr>
+            <a:spLocks noGrp="1"/>
+          </p:cNvSpPr>
+          <p:nvPr>
+            <p:ph sz="half" idx="13"/>
+          </p:nvPr>
+        </p:nvSpPr>
+        <p:spPr/>
+        <p:txBody>
+          <a:bodyPr/>
+          <a:lstStyle/>
+          <a:p>
+            <a:pPr marL="342900" indent="-342900">
+              <a:buFont typeface="+mj-lt"/>
+              <a:buAutoNum type="arabicPeriod" startAt="2"/>
+            </a:pPr>
+            <a:r>
+              <a:rPr lang="de-CH" dirty="0" err="1" smtClean="0"/>
+              <a:t>Prefab</a:t>
+            </a:r>
+            <a:r>
+              <a:rPr lang="de-CH" dirty="0" smtClean="0"/>
+              <a:t> in die Hierarchie ziehen</a:t>
+            </a:r>
+          </a:p>
+          <a:p>
+            <a:pPr marL="0" indent="0">
+              <a:buNone/>
+            </a:pPr>
+            <a:endParaRPr lang="de-CH" dirty="0"/>
+          </a:p>
+        </p:txBody>
+      </p:sp>
+      <p:pic>
+        <p:nvPicPr>
+          <p:cNvPr id="6" name="Grafik 5"/>
+          <p:cNvPicPr>
+            <a:picLocks noChangeAspect="1"/>
+          </p:cNvPicPr>
+          <p:nvPr/>
+        </p:nvPicPr>
+        <p:blipFill>
+          <a:blip r:embed="rId3">
+            <a:extLst>
+              <a:ext uri="{28A0092B-C50C-407E-A947-70E740481C1C}">
+                <a14:useLocalDpi xmlns:a14="http://schemas.microsoft.com/office/drawing/2010/main" val="0"/>
+              </a:ext>
+            </a:extLst>
+          </a:blip>
+          <a:stretch>
+            <a:fillRect/>
+          </a:stretch>
+        </p:blipFill>
+        <p:spPr>
+          <a:xfrm>
+            <a:off x="468000" y="2832765"/>
+            <a:ext cx="3816298" cy="3131505"/>
+          </a:xfrm>
+          <a:prstGeom prst="rect">
+            <a:avLst/>
+          </a:prstGeom>
+          <a:ln>
+            <a:noFill/>
+          </a:ln>
+          <a:effectLst>
+            <a:outerShdw blurRad="190500" algn="tl" rotWithShape="0">
+              <a:srgbClr val="000000">
+                <a:alpha val="70000"/>
+              </a:srgbClr>
+            </a:outerShdw>
+          </a:effectLst>
+        </p:spPr>
+      </p:pic>
+    </p:spTree>
+    <p:extLst>
+      <p:ext uri="{BB962C8B-B14F-4D97-AF65-F5344CB8AC3E}">
+        <p14:creationId xmlns:p14="http://schemas.microsoft.com/office/powerpoint/2010/main" val="1226769879"/>
+      </p:ext>
+    </p:extLst>
+  </p:cSld>
+  <p:clrMapOvr>
+    <a:masterClrMapping/>
+  </p:clrMapOvr>
+  <p:timing>
+    <p:tnLst>
+      <p:par>
+        <p:cTn id="1" dur="indefinite" restart="never" nodeType="tmRoot"/>
+      </p:par>
+    </p:tnLst>
+  </p:timing>
+</p:sld>
+</file>
+
+<file path=ppt/slides/slide18.xml><?xml version="1.0" encoding="utf-8"?>
+<p:sld xmlns:a="http://schemas.openxmlformats.org/drawingml/2006/main" xmlns:r="http://schemas.openxmlformats.org/officeDocument/2006/relationships" xmlns:p="http://schemas.openxmlformats.org/presentationml/2006/main">
+  <p:cSld>
+    <p:spTree>
+      <p:nvGrpSpPr>
+        <p:cNvPr id="1" name=""/>
+        <p:cNvGrpSpPr/>
+        <p:nvPr/>
+      </p:nvGrpSpPr>
+      <p:grpSpPr>
+        <a:xfrm>
+          <a:off x="0" y="0"/>
+          <a:ext cx="0" cy="0"/>
+          <a:chOff x="0" y="0"/>
+          <a:chExt cx="0" cy="0"/>
+        </a:xfrm>
+      </p:grpSpPr>
+      <p:sp>
+        <p:nvSpPr>
+          <p:cNvPr id="2" name="Titel 1"/>
+          <p:cNvSpPr>
+            <a:spLocks noGrp="1"/>
+          </p:cNvSpPr>
+          <p:nvPr>
+            <p:ph type="ctrTitle"/>
+          </p:nvPr>
+        </p:nvSpPr>
+        <p:spPr/>
+        <p:txBody>
+          <a:bodyPr/>
+          <a:lstStyle/>
+          <a:p>
+            <a:r>
+              <a:rPr lang="de-CH" dirty="0" err="1" smtClean="0"/>
+              <a:t>Unity</a:t>
+            </a:r>
+            <a:r>
+              <a:rPr lang="de-CH" dirty="0" smtClean="0"/>
+              <a:t> </a:t>
+            </a:r>
+            <a:r>
+              <a:rPr lang="de-CH" dirty="0" err="1" smtClean="0"/>
+              <a:t>Plugin</a:t>
+            </a:r>
+            <a:endParaRPr lang="de-CH" dirty="0"/>
+          </a:p>
+        </p:txBody>
+      </p:sp>
+      <p:sp>
+        <p:nvSpPr>
+          <p:cNvPr id="3" name="Textplatzhalter 2"/>
+          <p:cNvSpPr>
+            <a:spLocks noGrp="1"/>
+          </p:cNvSpPr>
+          <p:nvPr>
+            <p:ph type="body" idx="1"/>
+          </p:nvPr>
+        </p:nvSpPr>
+        <p:spPr/>
+        <p:txBody>
+          <a:bodyPr/>
+          <a:lstStyle/>
+          <a:p>
+            <a:r>
+              <a:rPr lang="de-CH" dirty="0" smtClean="0"/>
+              <a:t>Verwendung</a:t>
+            </a:r>
+            <a:endParaRPr lang="de-CH" dirty="0"/>
+          </a:p>
+        </p:txBody>
+      </p:sp>
+      <p:sp>
+        <p:nvSpPr>
+          <p:cNvPr id="4" name="Inhaltsplatzhalter 3"/>
+          <p:cNvSpPr>
+            <a:spLocks noGrp="1"/>
+          </p:cNvSpPr>
+          <p:nvPr>
+            <p:ph sz="half" idx="13"/>
+          </p:nvPr>
+        </p:nvSpPr>
+        <p:spPr/>
+        <p:txBody>
+          <a:bodyPr/>
+          <a:lstStyle/>
+          <a:p>
+            <a:pPr marL="342900" indent="-342900">
+              <a:buFont typeface="+mj-lt"/>
+              <a:buAutoNum type="arabicPeriod" startAt="3"/>
+            </a:pPr>
+            <a:r>
+              <a:rPr lang="de-CH" dirty="0" smtClean="0"/>
+              <a:t>Exportieren</a:t>
+            </a:r>
+          </a:p>
+          <a:p>
+            <a:pPr marL="0" indent="0">
+              <a:buNone/>
+            </a:pPr>
+            <a:endParaRPr lang="de-CH" dirty="0"/>
+          </a:p>
+        </p:txBody>
+      </p:sp>
+      <p:pic>
+        <p:nvPicPr>
+          <p:cNvPr id="6" name="Grafik 5"/>
+          <p:cNvPicPr>
+            <a:picLocks noChangeAspect="1"/>
+          </p:cNvPicPr>
+          <p:nvPr/>
+        </p:nvPicPr>
+        <p:blipFill>
+          <a:blip r:embed="rId3">
+            <a:extLst>
+              <a:ext uri="{28A0092B-C50C-407E-A947-70E740481C1C}">
+                <a14:useLocalDpi xmlns:a14="http://schemas.microsoft.com/office/drawing/2010/main" val="0"/>
+              </a:ext>
+            </a:extLst>
+          </a:blip>
+          <a:stretch>
+            <a:fillRect/>
+          </a:stretch>
+        </p:blipFill>
+        <p:spPr>
+          <a:xfrm>
+            <a:off x="468000" y="2832765"/>
+            <a:ext cx="3816298" cy="3131505"/>
+          </a:xfrm>
+          <a:prstGeom prst="rect">
+            <a:avLst/>
+          </a:prstGeom>
+          <a:ln>
+            <a:noFill/>
+          </a:ln>
+          <a:effectLst>
+            <a:outerShdw blurRad="190500" algn="tl" rotWithShape="0">
+              <a:srgbClr val="000000">
+                <a:alpha val="70000"/>
+              </a:srgbClr>
+            </a:outerShdw>
+          </a:effectLst>
+        </p:spPr>
+      </p:pic>
+    </p:spTree>
+    <p:extLst>
+      <p:ext uri="{BB962C8B-B14F-4D97-AF65-F5344CB8AC3E}">
+        <p14:creationId xmlns:p14="http://schemas.microsoft.com/office/powerpoint/2010/main" val="4238899337"/>
+      </p:ext>
+    </p:extLst>
+  </p:cSld>
+  <p:clrMapOvr>
+    <a:masterClrMapping/>
+  </p:clrMapOvr>
+  <p:timing>
+    <p:tnLst>
+      <p:par>
+        <p:cTn id="1" dur="indefinite" restart="never" nodeType="tmRoot"/>
+      </p:par>
+    </p:tnLst>
+  </p:timing>
+</p:sld>
+</file>
+
+<file path=ppt/slides/slide19.xml><?xml version="1.0" encoding="utf-8"?>
+<p:sld xmlns:a="http://schemas.openxmlformats.org/drawingml/2006/main" xmlns:r="http://schemas.openxmlformats.org/officeDocument/2006/relationships" xmlns:p="http://schemas.openxmlformats.org/presentationml/2006/main">
+  <p:cSld>
+    <p:spTree>
+      <p:nvGrpSpPr>
+        <p:cNvPr id="1" name=""/>
+        <p:cNvGrpSpPr/>
+        <p:nvPr/>
+      </p:nvGrpSpPr>
+      <p:grpSpPr>
+        <a:xfrm>
+          <a:off x="0" y="0"/>
+          <a:ext cx="0" cy="0"/>
+          <a:chOff x="0" y="0"/>
+          <a:chExt cx="0" cy="0"/>
+        </a:xfrm>
+      </p:grpSpPr>
+      <p:sp>
+        <p:nvSpPr>
+          <p:cNvPr id="2" name="Titel 1"/>
+          <p:cNvSpPr>
+            <a:spLocks noGrp="1"/>
+          </p:cNvSpPr>
+          <p:nvPr>
+            <p:ph type="ctrTitle"/>
+          </p:nvPr>
+        </p:nvSpPr>
+        <p:spPr/>
+        <p:txBody>
+          <a:bodyPr/>
+          <a:lstStyle/>
+          <a:p>
+            <a:r>
+              <a:rPr lang="de-CH" dirty="0" err="1" smtClean="0"/>
+              <a:t>Unity</a:t>
+            </a:r>
+            <a:r>
+              <a:rPr lang="de-CH" dirty="0" smtClean="0"/>
+              <a:t> </a:t>
+            </a:r>
+            <a:r>
+              <a:rPr lang="de-CH" dirty="0" err="1" smtClean="0"/>
+              <a:t>Plugin</a:t>
+            </a:r>
+            <a:endParaRPr lang="de-CH" dirty="0"/>
+          </a:p>
+        </p:txBody>
+      </p:sp>
+      <p:sp>
+        <p:nvSpPr>
+          <p:cNvPr id="3" name="Textplatzhalter 2"/>
+          <p:cNvSpPr>
+            <a:spLocks noGrp="1"/>
+          </p:cNvSpPr>
+          <p:nvPr>
+            <p:ph type="body" idx="1"/>
+          </p:nvPr>
+        </p:nvSpPr>
+        <p:spPr/>
+        <p:txBody>
+          <a:bodyPr/>
+          <a:lstStyle/>
+          <a:p>
+            <a:r>
+              <a:rPr lang="de-CH" dirty="0" smtClean="0"/>
+              <a:t>Verwendung</a:t>
+            </a:r>
+            <a:endParaRPr lang="de-CH" dirty="0"/>
+          </a:p>
+        </p:txBody>
+      </p:sp>
+      <p:sp>
+        <p:nvSpPr>
+          <p:cNvPr id="4" name="Inhaltsplatzhalter 3"/>
+          <p:cNvSpPr>
+            <a:spLocks noGrp="1"/>
+          </p:cNvSpPr>
+          <p:nvPr>
+            <p:ph sz="half" idx="13"/>
+          </p:nvPr>
+        </p:nvSpPr>
+        <p:spPr/>
+        <p:txBody>
+          <a:bodyPr/>
+          <a:lstStyle/>
+          <a:p>
+            <a:pPr marL="342900" indent="-342900">
+              <a:buFont typeface="+mj-lt"/>
+              <a:buAutoNum type="arabicPeriod" startAt="4"/>
+            </a:pPr>
+            <a:r>
+              <a:rPr lang="de-CH" dirty="0" smtClean="0"/>
+              <a:t>Fertig!</a:t>
+            </a:r>
+          </a:p>
+          <a:p>
+            <a:pPr marL="342900" indent="-342900">
+              <a:buFont typeface="+mj-lt"/>
+              <a:buAutoNum type="arabicPeriod" startAt="4"/>
+            </a:pPr>
+            <a:endParaRPr lang="de-CH" dirty="0"/>
+          </a:p>
+          <a:p>
+            <a:pPr marL="342900" indent="-342900">
+              <a:buFont typeface="+mj-lt"/>
+              <a:buAutoNum type="arabicPeriod" startAt="4"/>
+            </a:pPr>
+            <a:endParaRPr lang="de-CH" dirty="0" smtClean="0"/>
+          </a:p>
+          <a:p>
+            <a:pPr marL="0" indent="0">
+              <a:buNone/>
+            </a:pPr>
+            <a:r>
+              <a:rPr lang="de-CH" i="1" dirty="0" smtClean="0">
+                <a:solidFill>
+                  <a:schemeClr val="bg1">
+                    <a:lumMod val="50000"/>
+                  </a:schemeClr>
+                </a:solidFill>
+              </a:rPr>
+              <a:t>(Insert </a:t>
+            </a:r>
+            <a:r>
+              <a:rPr lang="de-CH" i="1" dirty="0" err="1" smtClean="0">
+                <a:solidFill>
+                  <a:schemeClr val="bg1">
+                    <a:lumMod val="50000"/>
+                  </a:schemeClr>
+                </a:solidFill>
+              </a:rPr>
+              <a:t>awesome</a:t>
+            </a:r>
+            <a:r>
+              <a:rPr lang="de-CH" i="1" dirty="0" smtClean="0">
+                <a:solidFill>
+                  <a:schemeClr val="bg1">
+                    <a:lumMod val="50000"/>
+                  </a:schemeClr>
+                </a:solidFill>
+              </a:rPr>
+              <a:t> </a:t>
+            </a:r>
+            <a:r>
+              <a:rPr lang="de-CH" i="1" dirty="0" err="1" smtClean="0">
+                <a:solidFill>
+                  <a:schemeClr val="bg1">
+                    <a:lumMod val="50000"/>
+                  </a:schemeClr>
+                </a:solidFill>
+              </a:rPr>
+              <a:t>picture</a:t>
+            </a:r>
+            <a:r>
+              <a:rPr lang="de-CH" i="1" dirty="0" smtClean="0">
+                <a:solidFill>
+                  <a:schemeClr val="bg1">
+                    <a:lumMod val="50000"/>
+                  </a:schemeClr>
+                </a:solidFill>
+              </a:rPr>
+              <a:t> </a:t>
+            </a:r>
+            <a:r>
+              <a:rPr lang="de-CH" i="1" dirty="0" err="1" smtClean="0">
+                <a:solidFill>
+                  <a:schemeClr val="bg1">
+                    <a:lumMod val="50000"/>
+                  </a:schemeClr>
+                </a:solidFill>
+              </a:rPr>
+              <a:t>here</a:t>
+            </a:r>
+            <a:r>
+              <a:rPr lang="de-CH" i="1" dirty="0" smtClean="0">
+                <a:solidFill>
+                  <a:schemeClr val="bg1">
+                    <a:lumMod val="50000"/>
+                  </a:schemeClr>
+                </a:solidFill>
+              </a:rPr>
+              <a:t>)</a:t>
+            </a:r>
+          </a:p>
+          <a:p>
+            <a:pPr marL="0" indent="0">
+              <a:buNone/>
+            </a:pPr>
+            <a:endParaRPr lang="de-CH" dirty="0"/>
+          </a:p>
+        </p:txBody>
+      </p:sp>
+    </p:spTree>
+    <p:extLst>
+      <p:ext uri="{BB962C8B-B14F-4D97-AF65-F5344CB8AC3E}">
+        <p14:creationId xmlns:p14="http://schemas.microsoft.com/office/powerpoint/2010/main" val="3332982106"/>
       </p:ext>
     </p:extLst>
   </p:cSld>
@@ -7881,6 +11259,1429 @@
     <p:extLst>
       <p:ext uri="{BB962C8B-B14F-4D97-AF65-F5344CB8AC3E}">
         <p14:creationId xmlns:p14="http://schemas.microsoft.com/office/powerpoint/2010/main" val="1284173973"/>
+      </p:ext>
+    </p:extLst>
+  </p:cSld>
+  <p:clrMapOvr>
+    <a:masterClrMapping/>
+  </p:clrMapOvr>
+  <p:timing>
+    <p:tnLst>
+      <p:par>
+        <p:cTn id="1" dur="indefinite" restart="never" nodeType="tmRoot"/>
+      </p:par>
+    </p:tnLst>
+  </p:timing>
+</p:sld>
+</file>
+
+<file path=ppt/slides/slide20.xml><?xml version="1.0" encoding="utf-8"?>
+<p:sld xmlns:a="http://schemas.openxmlformats.org/drawingml/2006/main" xmlns:r="http://schemas.openxmlformats.org/officeDocument/2006/relationships" xmlns:p="http://schemas.openxmlformats.org/presentationml/2006/main">
+  <p:cSld>
+    <p:spTree>
+      <p:nvGrpSpPr>
+        <p:cNvPr id="1" name=""/>
+        <p:cNvGrpSpPr/>
+        <p:nvPr/>
+      </p:nvGrpSpPr>
+      <p:grpSpPr>
+        <a:xfrm>
+          <a:off x="0" y="0"/>
+          <a:ext cx="0" cy="0"/>
+          <a:chOff x="0" y="0"/>
+          <a:chExt cx="0" cy="0"/>
+        </a:xfrm>
+      </p:grpSpPr>
+      <p:sp>
+        <p:nvSpPr>
+          <p:cNvPr id="2" name="Titel 1"/>
+          <p:cNvSpPr>
+            <a:spLocks noGrp="1"/>
+          </p:cNvSpPr>
+          <p:nvPr>
+            <p:ph type="ctrTitle"/>
+          </p:nvPr>
+        </p:nvSpPr>
+        <p:spPr/>
+        <p:txBody>
+          <a:bodyPr/>
+          <a:lstStyle/>
+          <a:p>
+            <a:r>
+              <a:rPr lang="de-CH" dirty="0" err="1" smtClean="0"/>
+              <a:t>Unity</a:t>
+            </a:r>
+            <a:r>
+              <a:rPr lang="de-CH" dirty="0" smtClean="0"/>
+              <a:t> </a:t>
+            </a:r>
+            <a:r>
+              <a:rPr lang="de-CH" dirty="0" err="1" smtClean="0"/>
+              <a:t>Plugin</a:t>
+            </a:r>
+            <a:endParaRPr lang="de-CH" dirty="0"/>
+          </a:p>
+        </p:txBody>
+      </p:sp>
+      <p:sp>
+        <p:nvSpPr>
+          <p:cNvPr id="3" name="Textplatzhalter 2"/>
+          <p:cNvSpPr>
+            <a:spLocks noGrp="1"/>
+          </p:cNvSpPr>
+          <p:nvPr>
+            <p:ph type="body" idx="1"/>
+          </p:nvPr>
+        </p:nvSpPr>
+        <p:spPr/>
+        <p:txBody>
+          <a:bodyPr/>
+          <a:lstStyle/>
+          <a:p>
+            <a:r>
+              <a:rPr lang="de-CH" dirty="0" smtClean="0"/>
+              <a:t>Zusätzliche Features</a:t>
+            </a:r>
+            <a:endParaRPr lang="de-CH" dirty="0"/>
+          </a:p>
+        </p:txBody>
+      </p:sp>
+      <p:sp>
+        <p:nvSpPr>
+          <p:cNvPr id="4" name="Inhaltsplatzhalter 3"/>
+          <p:cNvSpPr>
+            <a:spLocks noGrp="1"/>
+          </p:cNvSpPr>
+          <p:nvPr>
+            <p:ph sz="half" idx="13"/>
+          </p:nvPr>
+        </p:nvSpPr>
+        <p:spPr/>
+        <p:txBody>
+          <a:bodyPr/>
+          <a:lstStyle/>
+          <a:p>
+            <a:pPr>
+              <a:buFontTx/>
+              <a:buChar char="-"/>
+            </a:pPr>
+            <a:r>
+              <a:rPr lang="de-CH" dirty="0" smtClean="0"/>
+              <a:t>Platzierung GUI</a:t>
+            </a:r>
+          </a:p>
+          <a:p>
+            <a:pPr>
+              <a:buFontTx/>
+              <a:buChar char="-"/>
+            </a:pPr>
+            <a:r>
+              <a:rPr lang="de-CH" dirty="0" smtClean="0"/>
+              <a:t>Benutzerdefinierter Cursor</a:t>
+            </a:r>
+          </a:p>
+          <a:p>
+            <a:pPr>
+              <a:buFontTx/>
+              <a:buChar char="-"/>
+            </a:pPr>
+            <a:r>
+              <a:rPr lang="de-CH" dirty="0" smtClean="0"/>
+              <a:t>Sekundäre Kameras</a:t>
+            </a:r>
+          </a:p>
+          <a:p>
+            <a:pPr>
+              <a:buFontTx/>
+              <a:buChar char="-"/>
+            </a:pPr>
+            <a:r>
+              <a:rPr lang="de-CH" dirty="0" smtClean="0"/>
+              <a:t>Sensitivität / Restriktion Achsen der Devices</a:t>
+            </a:r>
+            <a:endParaRPr lang="de-CH" dirty="0"/>
+          </a:p>
+        </p:txBody>
+      </p:sp>
+    </p:spTree>
+    <p:extLst>
+      <p:ext uri="{BB962C8B-B14F-4D97-AF65-F5344CB8AC3E}">
+        <p14:creationId xmlns:p14="http://schemas.microsoft.com/office/powerpoint/2010/main" val="1143404769"/>
+      </p:ext>
+    </p:extLst>
+  </p:cSld>
+  <p:clrMapOvr>
+    <a:masterClrMapping/>
+  </p:clrMapOvr>
+  <p:timing>
+    <p:tnLst>
+      <p:par>
+        <p:cTn id="1" dur="indefinite" restart="never" nodeType="tmRoot"/>
+      </p:par>
+    </p:tnLst>
+  </p:timing>
+</p:sld>
+</file>
+
+<file path=ppt/slides/slide21.xml><?xml version="1.0" encoding="utf-8"?>
+<p:sld xmlns:a="http://schemas.openxmlformats.org/drawingml/2006/main" xmlns:r="http://schemas.openxmlformats.org/officeDocument/2006/relationships" xmlns:p="http://schemas.openxmlformats.org/presentationml/2006/main">
+  <p:cSld>
+    <p:spTree>
+      <p:nvGrpSpPr>
+        <p:cNvPr id="1" name=""/>
+        <p:cNvGrpSpPr/>
+        <p:nvPr/>
+      </p:nvGrpSpPr>
+      <p:grpSpPr>
+        <a:xfrm>
+          <a:off x="0" y="0"/>
+          <a:ext cx="0" cy="0"/>
+          <a:chOff x="0" y="0"/>
+          <a:chExt cx="0" cy="0"/>
+        </a:xfrm>
+      </p:grpSpPr>
+      <p:sp>
+        <p:nvSpPr>
+          <p:cNvPr id="2" name="Titel 1"/>
+          <p:cNvSpPr>
+            <a:spLocks noGrp="1"/>
+          </p:cNvSpPr>
+          <p:nvPr>
+            <p:ph type="ctrTitle"/>
+          </p:nvPr>
+        </p:nvSpPr>
+        <p:spPr/>
+        <p:txBody>
+          <a:bodyPr/>
+          <a:lstStyle/>
+          <a:p>
+            <a:r>
+              <a:rPr lang="de-CH" dirty="0" err="1" smtClean="0"/>
+              <a:t>Unity</a:t>
+            </a:r>
+            <a:r>
+              <a:rPr lang="de-CH" dirty="0" smtClean="0"/>
+              <a:t> </a:t>
+            </a:r>
+            <a:r>
+              <a:rPr lang="de-CH" dirty="0" err="1" smtClean="0"/>
+              <a:t>Plugin</a:t>
+            </a:r>
+            <a:endParaRPr lang="de-CH" dirty="0"/>
+          </a:p>
+        </p:txBody>
+      </p:sp>
+      <p:sp>
+        <p:nvSpPr>
+          <p:cNvPr id="3" name="Textplatzhalter 2"/>
+          <p:cNvSpPr>
+            <a:spLocks noGrp="1"/>
+          </p:cNvSpPr>
+          <p:nvPr>
+            <p:ph type="body" idx="1"/>
+          </p:nvPr>
+        </p:nvSpPr>
+        <p:spPr/>
+        <p:txBody>
+          <a:bodyPr/>
+          <a:lstStyle/>
+          <a:p>
+            <a:r>
+              <a:rPr lang="de-CH" dirty="0" smtClean="0"/>
+              <a:t>Einstellungsmöglichkeiten</a:t>
+            </a:r>
+            <a:endParaRPr lang="de-CH" dirty="0"/>
+          </a:p>
+        </p:txBody>
+      </p:sp>
+      <p:sp>
+        <p:nvSpPr>
+          <p:cNvPr id="4" name="Inhaltsplatzhalter 3"/>
+          <p:cNvSpPr>
+            <a:spLocks noGrp="1"/>
+          </p:cNvSpPr>
+          <p:nvPr>
+            <p:ph sz="half" idx="13"/>
+          </p:nvPr>
+        </p:nvSpPr>
+        <p:spPr/>
+        <p:txBody>
+          <a:bodyPr/>
+          <a:lstStyle/>
+          <a:p>
+            <a:r>
+              <a:rPr lang="de-CH" dirty="0" smtClean="0"/>
+              <a:t>Gliederung in 5 Bereiche</a:t>
+            </a:r>
+          </a:p>
+          <a:p>
+            <a:r>
+              <a:rPr lang="de-CH" dirty="0" smtClean="0"/>
+              <a:t>Zusätzlich über </a:t>
+            </a:r>
+            <a:r>
+              <a:rPr lang="de-CH" dirty="0"/>
+              <a:t>API ansprechbar</a:t>
+            </a:r>
+          </a:p>
+          <a:p>
+            <a:pPr marL="0" indent="0">
+              <a:buNone/>
+            </a:pPr>
+            <a:endParaRPr lang="de-CH" dirty="0"/>
+          </a:p>
+        </p:txBody>
+      </p:sp>
+      <p:pic>
+        <p:nvPicPr>
+          <p:cNvPr id="5" name="Grafik 4"/>
+          <p:cNvPicPr>
+            <a:picLocks noChangeAspect="1"/>
+          </p:cNvPicPr>
+          <p:nvPr/>
+        </p:nvPicPr>
+        <p:blipFill>
+          <a:blip r:embed="rId3">
+            <a:extLst>
+              <a:ext uri="{28A0092B-C50C-407E-A947-70E740481C1C}">
+                <a14:useLocalDpi xmlns:a14="http://schemas.microsoft.com/office/drawing/2010/main" val="0"/>
+              </a:ext>
+            </a:extLst>
+          </a:blip>
+          <a:stretch>
+            <a:fillRect/>
+          </a:stretch>
+        </p:blipFill>
+        <p:spPr>
+          <a:xfrm>
+            <a:off x="467996" y="3106329"/>
+            <a:ext cx="6791325" cy="2362200"/>
+          </a:xfrm>
+          <a:prstGeom prst="rect">
+            <a:avLst/>
+          </a:prstGeom>
+          <a:ln>
+            <a:noFill/>
+          </a:ln>
+          <a:effectLst>
+            <a:outerShdw blurRad="190500" algn="tl" rotWithShape="0">
+              <a:srgbClr val="000000">
+                <a:alpha val="70000"/>
+              </a:srgbClr>
+            </a:outerShdw>
+          </a:effectLst>
+        </p:spPr>
+      </p:pic>
+    </p:spTree>
+    <p:extLst>
+      <p:ext uri="{BB962C8B-B14F-4D97-AF65-F5344CB8AC3E}">
+        <p14:creationId xmlns:p14="http://schemas.microsoft.com/office/powerpoint/2010/main" val="2798765452"/>
+      </p:ext>
+    </p:extLst>
+  </p:cSld>
+  <p:clrMapOvr>
+    <a:masterClrMapping/>
+  </p:clrMapOvr>
+  <p:timing>
+    <p:tnLst>
+      <p:par>
+        <p:cTn id="1" dur="indefinite" restart="never" nodeType="tmRoot"/>
+      </p:par>
+    </p:tnLst>
+  </p:timing>
+</p:sld>
+</file>
+
+<file path=ppt/slides/slide22.xml><?xml version="1.0" encoding="utf-8"?>
+<p:sld xmlns:a="http://schemas.openxmlformats.org/drawingml/2006/main" xmlns:r="http://schemas.openxmlformats.org/officeDocument/2006/relationships" xmlns:p="http://schemas.openxmlformats.org/presentationml/2006/main">
+  <p:cSld>
+    <p:spTree>
+      <p:nvGrpSpPr>
+        <p:cNvPr id="1" name=""/>
+        <p:cNvGrpSpPr/>
+        <p:nvPr/>
+      </p:nvGrpSpPr>
+      <p:grpSpPr>
+        <a:xfrm>
+          <a:off x="0" y="0"/>
+          <a:ext cx="0" cy="0"/>
+          <a:chOff x="0" y="0"/>
+          <a:chExt cx="0" cy="0"/>
+        </a:xfrm>
+      </p:grpSpPr>
+      <p:sp>
+        <p:nvSpPr>
+          <p:cNvPr id="2" name="Titel 1"/>
+          <p:cNvSpPr>
+            <a:spLocks noGrp="1"/>
+          </p:cNvSpPr>
+          <p:nvPr>
+            <p:ph type="ctrTitle"/>
+          </p:nvPr>
+        </p:nvSpPr>
+        <p:spPr/>
+        <p:txBody>
+          <a:bodyPr/>
+          <a:lstStyle/>
+          <a:p>
+            <a:r>
+              <a:rPr lang="de-CH" dirty="0" err="1" smtClean="0"/>
+              <a:t>Unity</a:t>
+            </a:r>
+            <a:r>
+              <a:rPr lang="de-CH" dirty="0" smtClean="0"/>
+              <a:t> </a:t>
+            </a:r>
+            <a:r>
+              <a:rPr lang="de-CH" dirty="0" err="1" smtClean="0"/>
+              <a:t>Plugin</a:t>
+            </a:r>
+            <a:endParaRPr lang="de-CH" dirty="0"/>
+          </a:p>
+        </p:txBody>
+      </p:sp>
+      <p:sp>
+        <p:nvSpPr>
+          <p:cNvPr id="3" name="Textplatzhalter 2"/>
+          <p:cNvSpPr>
+            <a:spLocks noGrp="1"/>
+          </p:cNvSpPr>
+          <p:nvPr>
+            <p:ph type="body" idx="1"/>
+          </p:nvPr>
+        </p:nvSpPr>
+        <p:spPr/>
+        <p:txBody>
+          <a:bodyPr/>
+          <a:lstStyle/>
+          <a:p>
+            <a:r>
+              <a:rPr lang="de-CH" dirty="0" smtClean="0"/>
+              <a:t>Einstellungsmöglichkeiten</a:t>
+            </a:r>
+            <a:endParaRPr lang="de-CH" dirty="0"/>
+          </a:p>
+        </p:txBody>
+      </p:sp>
+      <p:sp>
+        <p:nvSpPr>
+          <p:cNvPr id="4" name="Inhaltsplatzhalter 3"/>
+          <p:cNvSpPr>
+            <a:spLocks noGrp="1"/>
+          </p:cNvSpPr>
+          <p:nvPr>
+            <p:ph sz="half" idx="13"/>
+          </p:nvPr>
+        </p:nvSpPr>
+        <p:spPr/>
+        <p:txBody>
+          <a:bodyPr/>
+          <a:lstStyle/>
+          <a:p>
+            <a:r>
+              <a:rPr lang="de-CH" dirty="0" smtClean="0"/>
+              <a:t>Wand Position</a:t>
+            </a:r>
+          </a:p>
+        </p:txBody>
+      </p:sp>
+      <p:pic>
+        <p:nvPicPr>
+          <p:cNvPr id="7" name="Grafik 6"/>
+          <p:cNvPicPr>
+            <a:picLocks noChangeAspect="1"/>
+          </p:cNvPicPr>
+          <p:nvPr/>
+        </p:nvPicPr>
+        <p:blipFill>
+          <a:blip r:embed="rId3">
+            <a:extLst>
+              <a:ext uri="{28A0092B-C50C-407E-A947-70E740481C1C}">
+                <a14:useLocalDpi xmlns:a14="http://schemas.microsoft.com/office/drawing/2010/main" val="0"/>
+              </a:ext>
+            </a:extLst>
+          </a:blip>
+          <a:stretch>
+            <a:fillRect/>
+          </a:stretch>
+        </p:blipFill>
+        <p:spPr>
+          <a:xfrm>
+            <a:off x="468000" y="3106327"/>
+            <a:ext cx="6791325" cy="2524125"/>
+          </a:xfrm>
+          <a:prstGeom prst="rect">
+            <a:avLst/>
+          </a:prstGeom>
+          <a:ln>
+            <a:noFill/>
+          </a:ln>
+          <a:effectLst>
+            <a:outerShdw blurRad="190500" algn="tl" rotWithShape="0">
+              <a:srgbClr val="000000">
+                <a:alpha val="70000"/>
+              </a:srgbClr>
+            </a:outerShdw>
+          </a:effectLst>
+        </p:spPr>
+      </p:pic>
+    </p:spTree>
+    <p:extLst>
+      <p:ext uri="{BB962C8B-B14F-4D97-AF65-F5344CB8AC3E}">
+        <p14:creationId xmlns:p14="http://schemas.microsoft.com/office/powerpoint/2010/main" val="88986556"/>
+      </p:ext>
+    </p:extLst>
+  </p:cSld>
+  <p:clrMapOvr>
+    <a:masterClrMapping/>
+  </p:clrMapOvr>
+  <p:timing>
+    <p:tnLst>
+      <p:par>
+        <p:cTn id="1" dur="indefinite" restart="never" nodeType="tmRoot"/>
+      </p:par>
+    </p:tnLst>
+  </p:timing>
+</p:sld>
+</file>
+
+<file path=ppt/slides/slide23.xml><?xml version="1.0" encoding="utf-8"?>
+<p:sld xmlns:a="http://schemas.openxmlformats.org/drawingml/2006/main" xmlns:r="http://schemas.openxmlformats.org/officeDocument/2006/relationships" xmlns:p="http://schemas.openxmlformats.org/presentationml/2006/main">
+  <p:cSld>
+    <p:spTree>
+      <p:nvGrpSpPr>
+        <p:cNvPr id="1" name=""/>
+        <p:cNvGrpSpPr/>
+        <p:nvPr/>
+      </p:nvGrpSpPr>
+      <p:grpSpPr>
+        <a:xfrm>
+          <a:off x="0" y="0"/>
+          <a:ext cx="0" cy="0"/>
+          <a:chOff x="0" y="0"/>
+          <a:chExt cx="0" cy="0"/>
+        </a:xfrm>
+      </p:grpSpPr>
+      <p:sp>
+        <p:nvSpPr>
+          <p:cNvPr id="2" name="Titel 1"/>
+          <p:cNvSpPr>
+            <a:spLocks noGrp="1"/>
+          </p:cNvSpPr>
+          <p:nvPr>
+            <p:ph type="ctrTitle"/>
+          </p:nvPr>
+        </p:nvSpPr>
+        <p:spPr/>
+        <p:txBody>
+          <a:bodyPr/>
+          <a:lstStyle/>
+          <a:p>
+            <a:r>
+              <a:rPr lang="de-CH" dirty="0" err="1" smtClean="0"/>
+              <a:t>Unity</a:t>
+            </a:r>
+            <a:r>
+              <a:rPr lang="de-CH" dirty="0" smtClean="0"/>
+              <a:t> </a:t>
+            </a:r>
+            <a:r>
+              <a:rPr lang="de-CH" dirty="0" err="1" smtClean="0"/>
+              <a:t>Plugin</a:t>
+            </a:r>
+            <a:endParaRPr lang="de-CH" dirty="0"/>
+          </a:p>
+        </p:txBody>
+      </p:sp>
+      <p:sp>
+        <p:nvSpPr>
+          <p:cNvPr id="3" name="Textplatzhalter 2"/>
+          <p:cNvSpPr>
+            <a:spLocks noGrp="1"/>
+          </p:cNvSpPr>
+          <p:nvPr>
+            <p:ph type="body" idx="1"/>
+          </p:nvPr>
+        </p:nvSpPr>
+        <p:spPr/>
+        <p:txBody>
+          <a:bodyPr/>
+          <a:lstStyle/>
+          <a:p>
+            <a:r>
+              <a:rPr lang="de-CH" dirty="0" smtClean="0"/>
+              <a:t>Einstellungsmöglichkeiten</a:t>
+            </a:r>
+            <a:endParaRPr lang="de-CH" dirty="0"/>
+          </a:p>
+        </p:txBody>
+      </p:sp>
+      <p:sp>
+        <p:nvSpPr>
+          <p:cNvPr id="4" name="Inhaltsplatzhalter 3"/>
+          <p:cNvSpPr>
+            <a:spLocks noGrp="1"/>
+          </p:cNvSpPr>
+          <p:nvPr>
+            <p:ph sz="half" idx="13"/>
+          </p:nvPr>
+        </p:nvSpPr>
+        <p:spPr/>
+        <p:txBody>
+          <a:bodyPr/>
+          <a:lstStyle/>
+          <a:p>
+            <a:r>
+              <a:rPr lang="de-CH" dirty="0" smtClean="0"/>
+              <a:t>Wand Buttons</a:t>
+            </a:r>
+          </a:p>
+        </p:txBody>
+      </p:sp>
+      <p:pic>
+        <p:nvPicPr>
+          <p:cNvPr id="7" name="Grafik 6"/>
+          <p:cNvPicPr>
+            <a:picLocks noChangeAspect="1"/>
+          </p:cNvPicPr>
+          <p:nvPr/>
+        </p:nvPicPr>
+        <p:blipFill>
+          <a:blip r:embed="rId3">
+            <a:extLst>
+              <a:ext uri="{28A0092B-C50C-407E-A947-70E740481C1C}">
+                <a14:useLocalDpi xmlns:a14="http://schemas.microsoft.com/office/drawing/2010/main" val="0"/>
+              </a:ext>
+            </a:extLst>
+          </a:blip>
+          <a:stretch>
+            <a:fillRect/>
+          </a:stretch>
+        </p:blipFill>
+        <p:spPr>
+          <a:xfrm>
+            <a:off x="468000" y="3103552"/>
+            <a:ext cx="6791325" cy="2390775"/>
+          </a:xfrm>
+          <a:prstGeom prst="rect">
+            <a:avLst/>
+          </a:prstGeom>
+          <a:ln>
+            <a:noFill/>
+          </a:ln>
+          <a:effectLst>
+            <a:outerShdw blurRad="190500" algn="tl" rotWithShape="0">
+              <a:srgbClr val="000000">
+                <a:alpha val="70000"/>
+              </a:srgbClr>
+            </a:outerShdw>
+          </a:effectLst>
+        </p:spPr>
+      </p:pic>
+    </p:spTree>
+    <p:extLst>
+      <p:ext uri="{BB962C8B-B14F-4D97-AF65-F5344CB8AC3E}">
+        <p14:creationId xmlns:p14="http://schemas.microsoft.com/office/powerpoint/2010/main" val="807760826"/>
+      </p:ext>
+    </p:extLst>
+  </p:cSld>
+  <p:clrMapOvr>
+    <a:masterClrMapping/>
+  </p:clrMapOvr>
+  <p:timing>
+    <p:tnLst>
+      <p:par>
+        <p:cTn id="1" dur="indefinite" restart="never" nodeType="tmRoot"/>
+      </p:par>
+    </p:tnLst>
+  </p:timing>
+</p:sld>
+</file>
+
+<file path=ppt/slides/slide24.xml><?xml version="1.0" encoding="utf-8"?>
+<p:sld xmlns:a="http://schemas.openxmlformats.org/drawingml/2006/main" xmlns:r="http://schemas.openxmlformats.org/officeDocument/2006/relationships" xmlns:p="http://schemas.openxmlformats.org/presentationml/2006/main">
+  <p:cSld>
+    <p:spTree>
+      <p:nvGrpSpPr>
+        <p:cNvPr id="1" name=""/>
+        <p:cNvGrpSpPr/>
+        <p:nvPr/>
+      </p:nvGrpSpPr>
+      <p:grpSpPr>
+        <a:xfrm>
+          <a:off x="0" y="0"/>
+          <a:ext cx="0" cy="0"/>
+          <a:chOff x="0" y="0"/>
+          <a:chExt cx="0" cy="0"/>
+        </a:xfrm>
+      </p:grpSpPr>
+      <p:sp>
+        <p:nvSpPr>
+          <p:cNvPr id="2" name="Titel 1"/>
+          <p:cNvSpPr>
+            <a:spLocks noGrp="1"/>
+          </p:cNvSpPr>
+          <p:nvPr>
+            <p:ph type="ctrTitle"/>
+          </p:nvPr>
+        </p:nvSpPr>
+        <p:spPr/>
+        <p:txBody>
+          <a:bodyPr/>
+          <a:lstStyle/>
+          <a:p>
+            <a:r>
+              <a:rPr lang="de-CH" dirty="0" err="1" smtClean="0"/>
+              <a:t>Unity</a:t>
+            </a:r>
+            <a:r>
+              <a:rPr lang="de-CH" dirty="0" smtClean="0"/>
+              <a:t> </a:t>
+            </a:r>
+            <a:r>
+              <a:rPr lang="de-CH" dirty="0" err="1" smtClean="0"/>
+              <a:t>Plugin</a:t>
+            </a:r>
+            <a:endParaRPr lang="de-CH" dirty="0"/>
+          </a:p>
+        </p:txBody>
+      </p:sp>
+      <p:sp>
+        <p:nvSpPr>
+          <p:cNvPr id="3" name="Textplatzhalter 2"/>
+          <p:cNvSpPr>
+            <a:spLocks noGrp="1"/>
+          </p:cNvSpPr>
+          <p:nvPr>
+            <p:ph type="body" idx="1"/>
+          </p:nvPr>
+        </p:nvSpPr>
+        <p:spPr/>
+        <p:txBody>
+          <a:bodyPr/>
+          <a:lstStyle/>
+          <a:p>
+            <a:r>
+              <a:rPr lang="de-CH" dirty="0" smtClean="0"/>
+              <a:t>Einstellungsmöglichkeiten</a:t>
+            </a:r>
+            <a:endParaRPr lang="de-CH" dirty="0"/>
+          </a:p>
+        </p:txBody>
+      </p:sp>
+      <p:sp>
+        <p:nvSpPr>
+          <p:cNvPr id="4" name="Inhaltsplatzhalter 3"/>
+          <p:cNvSpPr>
+            <a:spLocks noGrp="1"/>
+          </p:cNvSpPr>
+          <p:nvPr>
+            <p:ph sz="half" idx="13"/>
+          </p:nvPr>
+        </p:nvSpPr>
+        <p:spPr/>
+        <p:txBody>
+          <a:bodyPr/>
+          <a:lstStyle/>
+          <a:p>
+            <a:r>
+              <a:rPr lang="de-CH" dirty="0" smtClean="0"/>
+              <a:t>CAVE</a:t>
+            </a:r>
+            <a:endParaRPr lang="de-CH" dirty="0"/>
+          </a:p>
+          <a:p>
+            <a:pPr marL="0" indent="0">
+              <a:buNone/>
+            </a:pPr>
+            <a:endParaRPr lang="de-CH" dirty="0"/>
+          </a:p>
+        </p:txBody>
+      </p:sp>
+      <p:pic>
+        <p:nvPicPr>
+          <p:cNvPr id="5" name="Grafik 4"/>
+          <p:cNvPicPr>
+            <a:picLocks noChangeAspect="1"/>
+          </p:cNvPicPr>
+          <p:nvPr/>
+        </p:nvPicPr>
+        <p:blipFill>
+          <a:blip r:embed="rId3">
+            <a:extLst>
+              <a:ext uri="{28A0092B-C50C-407E-A947-70E740481C1C}">
+                <a14:useLocalDpi xmlns:a14="http://schemas.microsoft.com/office/drawing/2010/main" val="0"/>
+              </a:ext>
+            </a:extLst>
+          </a:blip>
+          <a:stretch>
+            <a:fillRect/>
+          </a:stretch>
+        </p:blipFill>
+        <p:spPr>
+          <a:xfrm>
+            <a:off x="468000" y="3106327"/>
+            <a:ext cx="6791325" cy="2524125"/>
+          </a:xfrm>
+          <a:prstGeom prst="rect">
+            <a:avLst/>
+          </a:prstGeom>
+          <a:ln>
+            <a:noFill/>
+          </a:ln>
+          <a:effectLst>
+            <a:outerShdw blurRad="190500" algn="tl" rotWithShape="0">
+              <a:srgbClr val="000000">
+                <a:alpha val="70000"/>
+              </a:srgbClr>
+            </a:outerShdw>
+          </a:effectLst>
+        </p:spPr>
+      </p:pic>
+    </p:spTree>
+    <p:extLst>
+      <p:ext uri="{BB962C8B-B14F-4D97-AF65-F5344CB8AC3E}">
+        <p14:creationId xmlns:p14="http://schemas.microsoft.com/office/powerpoint/2010/main" val="2354102795"/>
+      </p:ext>
+    </p:extLst>
+  </p:cSld>
+  <p:clrMapOvr>
+    <a:masterClrMapping/>
+  </p:clrMapOvr>
+  <p:timing>
+    <p:tnLst>
+      <p:par>
+        <p:cTn id="1" dur="indefinite" restart="never" nodeType="tmRoot"/>
+      </p:par>
+    </p:tnLst>
+  </p:timing>
+</p:sld>
+</file>
+
+<file path=ppt/slides/slide25.xml><?xml version="1.0" encoding="utf-8"?>
+<p:sld xmlns:a="http://schemas.openxmlformats.org/drawingml/2006/main" xmlns:r="http://schemas.openxmlformats.org/officeDocument/2006/relationships" xmlns:p="http://schemas.openxmlformats.org/presentationml/2006/main">
+  <p:cSld>
+    <p:spTree>
+      <p:nvGrpSpPr>
+        <p:cNvPr id="1" name=""/>
+        <p:cNvGrpSpPr/>
+        <p:nvPr/>
+      </p:nvGrpSpPr>
+      <p:grpSpPr>
+        <a:xfrm>
+          <a:off x="0" y="0"/>
+          <a:ext cx="0" cy="0"/>
+          <a:chOff x="0" y="0"/>
+          <a:chExt cx="0" cy="0"/>
+        </a:xfrm>
+      </p:grpSpPr>
+      <p:sp>
+        <p:nvSpPr>
+          <p:cNvPr id="2" name="Titel 1"/>
+          <p:cNvSpPr>
+            <a:spLocks noGrp="1"/>
+          </p:cNvSpPr>
+          <p:nvPr>
+            <p:ph type="ctrTitle"/>
+          </p:nvPr>
+        </p:nvSpPr>
+        <p:spPr/>
+        <p:txBody>
+          <a:bodyPr/>
+          <a:lstStyle/>
+          <a:p>
+            <a:r>
+              <a:rPr lang="de-CH" dirty="0" err="1" smtClean="0"/>
+              <a:t>Unity</a:t>
+            </a:r>
+            <a:r>
+              <a:rPr lang="de-CH" dirty="0" smtClean="0"/>
+              <a:t> </a:t>
+            </a:r>
+            <a:r>
+              <a:rPr lang="de-CH" dirty="0" err="1" smtClean="0"/>
+              <a:t>Plugin</a:t>
+            </a:r>
+            <a:endParaRPr lang="de-CH" dirty="0"/>
+          </a:p>
+        </p:txBody>
+      </p:sp>
+      <p:sp>
+        <p:nvSpPr>
+          <p:cNvPr id="3" name="Textplatzhalter 2"/>
+          <p:cNvSpPr>
+            <a:spLocks noGrp="1"/>
+          </p:cNvSpPr>
+          <p:nvPr>
+            <p:ph type="body" idx="1"/>
+          </p:nvPr>
+        </p:nvSpPr>
+        <p:spPr/>
+        <p:txBody>
+          <a:bodyPr/>
+          <a:lstStyle/>
+          <a:p>
+            <a:r>
+              <a:rPr lang="de-CH" dirty="0" smtClean="0"/>
+              <a:t>Performance</a:t>
+            </a:r>
+            <a:endParaRPr lang="de-CH" dirty="0"/>
+          </a:p>
+        </p:txBody>
+      </p:sp>
+      <p:sp>
+        <p:nvSpPr>
+          <p:cNvPr id="4" name="Inhaltsplatzhalter 3"/>
+          <p:cNvSpPr>
+            <a:spLocks noGrp="1"/>
+          </p:cNvSpPr>
+          <p:nvPr>
+            <p:ph sz="half" idx="13"/>
+          </p:nvPr>
+        </p:nvSpPr>
+        <p:spPr/>
+        <p:txBody>
+          <a:bodyPr/>
+          <a:lstStyle/>
+          <a:p>
+            <a:r>
+              <a:rPr lang="de-CH" dirty="0" smtClean="0"/>
+              <a:t>Reihe von Performanceoptimierungen vorgenommen</a:t>
+            </a:r>
+          </a:p>
+          <a:p>
+            <a:pPr lvl="1"/>
+            <a:r>
+              <a:rPr lang="de-CH" dirty="0" smtClean="0"/>
+              <a:t>Komponenten initial referenzieren</a:t>
+            </a:r>
+          </a:p>
+          <a:p>
+            <a:pPr lvl="1"/>
+            <a:r>
+              <a:rPr lang="de-CH" dirty="0" err="1" smtClean="0"/>
+              <a:t>FixedUpdate</a:t>
+            </a:r>
+            <a:r>
+              <a:rPr lang="de-CH" dirty="0" smtClean="0"/>
+              <a:t>() statt Update()</a:t>
+            </a:r>
+          </a:p>
+          <a:p>
+            <a:pPr lvl="1"/>
+            <a:r>
+              <a:rPr lang="de-CH" dirty="0" smtClean="0"/>
+              <a:t>Distanz Wand </a:t>
+            </a:r>
+            <a:r>
+              <a:rPr lang="de-CH" dirty="0" err="1" smtClean="0"/>
+              <a:t>Raycast</a:t>
+            </a:r>
+            <a:endParaRPr lang="de-CH" dirty="0" smtClean="0"/>
+          </a:p>
+          <a:p>
+            <a:pPr lvl="1"/>
+            <a:r>
+              <a:rPr lang="de-CH" dirty="0" smtClean="0"/>
+              <a:t>Deaktivieren Rendering obsoleter Hauptkamera</a:t>
+            </a:r>
+          </a:p>
+          <a:p>
+            <a:pPr lvl="1"/>
+            <a:r>
+              <a:rPr lang="de-CH" dirty="0" smtClean="0"/>
+              <a:t>…</a:t>
+            </a:r>
+            <a:endParaRPr lang="de-CH" dirty="0"/>
+          </a:p>
+        </p:txBody>
+      </p:sp>
+    </p:spTree>
+    <p:extLst>
+      <p:ext uri="{BB962C8B-B14F-4D97-AF65-F5344CB8AC3E}">
+        <p14:creationId xmlns:p14="http://schemas.microsoft.com/office/powerpoint/2010/main" val="1389251648"/>
+      </p:ext>
+    </p:extLst>
+  </p:cSld>
+  <p:clrMapOvr>
+    <a:masterClrMapping/>
+  </p:clrMapOvr>
+  <p:timing>
+    <p:tnLst>
+      <p:par>
+        <p:cTn id="1" dur="indefinite" restart="never" nodeType="tmRoot"/>
+      </p:par>
+    </p:tnLst>
+  </p:timing>
+</p:sld>
+</file>
+
+<file path=ppt/slides/slide26.xml><?xml version="1.0" encoding="utf-8"?>
+<p:sld xmlns:a="http://schemas.openxmlformats.org/drawingml/2006/main" xmlns:r="http://schemas.openxmlformats.org/officeDocument/2006/relationships" xmlns:p="http://schemas.openxmlformats.org/presentationml/2006/main">
+  <p:cSld>
+    <p:spTree>
+      <p:nvGrpSpPr>
+        <p:cNvPr id="1" name=""/>
+        <p:cNvGrpSpPr/>
+        <p:nvPr/>
+      </p:nvGrpSpPr>
+      <p:grpSpPr>
+        <a:xfrm>
+          <a:off x="0" y="0"/>
+          <a:ext cx="0" cy="0"/>
+          <a:chOff x="0" y="0"/>
+          <a:chExt cx="0" cy="0"/>
+        </a:xfrm>
+      </p:grpSpPr>
+      <p:sp>
+        <p:nvSpPr>
+          <p:cNvPr id="2" name="Titel 1"/>
+          <p:cNvSpPr>
+            <a:spLocks noGrp="1"/>
+          </p:cNvSpPr>
+          <p:nvPr>
+            <p:ph type="ctrTitle"/>
+          </p:nvPr>
+        </p:nvSpPr>
+        <p:spPr/>
+        <p:txBody>
+          <a:bodyPr/>
+          <a:lstStyle/>
+          <a:p>
+            <a:r>
+              <a:rPr lang="de-CH" dirty="0" err="1" smtClean="0"/>
+              <a:t>Unity</a:t>
+            </a:r>
+            <a:r>
+              <a:rPr lang="de-CH" dirty="0" smtClean="0"/>
+              <a:t> </a:t>
+            </a:r>
+            <a:r>
+              <a:rPr lang="de-CH" dirty="0" err="1" smtClean="0"/>
+              <a:t>Plugin</a:t>
+            </a:r>
+            <a:endParaRPr lang="de-CH" dirty="0"/>
+          </a:p>
+        </p:txBody>
+      </p:sp>
+      <p:sp>
+        <p:nvSpPr>
+          <p:cNvPr id="3" name="Textplatzhalter 2"/>
+          <p:cNvSpPr>
+            <a:spLocks noGrp="1"/>
+          </p:cNvSpPr>
+          <p:nvPr>
+            <p:ph type="body" idx="1"/>
+          </p:nvPr>
+        </p:nvSpPr>
+        <p:spPr/>
+        <p:txBody>
+          <a:bodyPr/>
+          <a:lstStyle/>
+          <a:p>
+            <a:r>
+              <a:rPr lang="de-CH" dirty="0" smtClean="0"/>
+              <a:t>Performance</a:t>
+            </a:r>
+            <a:endParaRPr lang="de-CH" dirty="0"/>
+          </a:p>
+        </p:txBody>
+      </p:sp>
+      <p:pic>
+        <p:nvPicPr>
+          <p:cNvPr id="5" name="Inhaltsplatzhalter 4"/>
+          <p:cNvPicPr>
+            <a:picLocks noGrp="1" noChangeAspect="1"/>
+          </p:cNvPicPr>
+          <p:nvPr>
+            <p:ph sz="half" idx="13"/>
+          </p:nvPr>
+        </p:nvPicPr>
+        <p:blipFill>
+          <a:blip r:embed="rId3">
+            <a:extLst>
+              <a:ext uri="{28A0092B-C50C-407E-A947-70E740481C1C}">
+                <a14:useLocalDpi xmlns:a14="http://schemas.microsoft.com/office/drawing/2010/main" val="0"/>
+              </a:ext>
+            </a:extLst>
+          </a:blip>
+          <a:stretch>
+            <a:fillRect/>
+          </a:stretch>
+        </p:blipFill>
+        <p:spPr>
+          <a:xfrm>
+            <a:off x="468313" y="2253043"/>
+            <a:ext cx="8116729" cy="3782378"/>
+          </a:xfrm>
+          <a:prstGeom prst="rect">
+            <a:avLst/>
+          </a:prstGeom>
+          <a:ln>
+            <a:noFill/>
+          </a:ln>
+          <a:effectLst>
+            <a:outerShdw blurRad="190500" algn="tl" rotWithShape="0">
+              <a:srgbClr val="000000">
+                <a:alpha val="70000"/>
+              </a:srgbClr>
+            </a:outerShdw>
+          </a:effectLst>
+        </p:spPr>
+      </p:pic>
+    </p:spTree>
+    <p:extLst>
+      <p:ext uri="{BB962C8B-B14F-4D97-AF65-F5344CB8AC3E}">
+        <p14:creationId xmlns:p14="http://schemas.microsoft.com/office/powerpoint/2010/main" val="2480685209"/>
+      </p:ext>
+    </p:extLst>
+  </p:cSld>
+  <p:clrMapOvr>
+    <a:masterClrMapping/>
+  </p:clrMapOvr>
+  <p:timing>
+    <p:tnLst>
+      <p:par>
+        <p:cTn id="1" dur="indefinite" restart="never" nodeType="tmRoot"/>
+      </p:par>
+    </p:tnLst>
+  </p:timing>
+</p:sld>
+</file>
+
+<file path=ppt/slides/slide27.xml><?xml version="1.0" encoding="utf-8"?>
+<p:sld xmlns:a="http://schemas.openxmlformats.org/drawingml/2006/main" xmlns:r="http://schemas.openxmlformats.org/officeDocument/2006/relationships" xmlns:p="http://schemas.openxmlformats.org/presentationml/2006/main">
+  <p:cSld>
+    <p:spTree>
+      <p:nvGrpSpPr>
+        <p:cNvPr id="1" name=""/>
+        <p:cNvGrpSpPr/>
+        <p:nvPr/>
+      </p:nvGrpSpPr>
+      <p:grpSpPr>
+        <a:xfrm>
+          <a:off x="0" y="0"/>
+          <a:ext cx="0" cy="0"/>
+          <a:chOff x="0" y="0"/>
+          <a:chExt cx="0" cy="0"/>
+        </a:xfrm>
+      </p:grpSpPr>
+      <p:sp>
+        <p:nvSpPr>
+          <p:cNvPr id="2" name="Titel 1"/>
+          <p:cNvSpPr>
+            <a:spLocks noGrp="1"/>
+          </p:cNvSpPr>
+          <p:nvPr>
+            <p:ph type="ctrTitle"/>
+          </p:nvPr>
+        </p:nvSpPr>
+        <p:spPr/>
+        <p:txBody>
+          <a:bodyPr/>
+          <a:lstStyle/>
+          <a:p>
+            <a:r>
+              <a:rPr lang="de-CH" dirty="0" err="1" smtClean="0"/>
+              <a:t>Unity</a:t>
+            </a:r>
+            <a:r>
+              <a:rPr lang="de-CH" dirty="0" smtClean="0"/>
+              <a:t> </a:t>
+            </a:r>
+            <a:r>
+              <a:rPr lang="de-CH" dirty="0" err="1" smtClean="0"/>
+              <a:t>Plugin</a:t>
+            </a:r>
+            <a:endParaRPr lang="de-CH" dirty="0"/>
+          </a:p>
+        </p:txBody>
+      </p:sp>
+      <p:sp>
+        <p:nvSpPr>
+          <p:cNvPr id="3" name="Textplatzhalter 2"/>
+          <p:cNvSpPr>
+            <a:spLocks noGrp="1"/>
+          </p:cNvSpPr>
+          <p:nvPr>
+            <p:ph type="body" idx="1"/>
+          </p:nvPr>
+        </p:nvSpPr>
+        <p:spPr/>
+        <p:txBody>
+          <a:bodyPr/>
+          <a:lstStyle/>
+          <a:p>
+            <a:r>
+              <a:rPr lang="de-CH" dirty="0" smtClean="0"/>
+              <a:t>Debugging Plattform</a:t>
+            </a:r>
+            <a:endParaRPr lang="de-CH" dirty="0"/>
+          </a:p>
+        </p:txBody>
+      </p:sp>
+      <p:sp>
+        <p:nvSpPr>
+          <p:cNvPr id="4" name="Inhaltsplatzhalter 3"/>
+          <p:cNvSpPr>
+            <a:spLocks noGrp="1"/>
+          </p:cNvSpPr>
+          <p:nvPr>
+            <p:ph sz="half" idx="13"/>
+          </p:nvPr>
+        </p:nvSpPr>
+        <p:spPr/>
+        <p:txBody>
+          <a:bodyPr/>
+          <a:lstStyle/>
+          <a:p>
+            <a:r>
+              <a:rPr lang="de-CH" dirty="0" smtClean="0"/>
+              <a:t>Dank Visualisierung virtueller Komponenten hervorragendes Debugging</a:t>
+            </a:r>
+            <a:endParaRPr lang="de-CH" dirty="0"/>
+          </a:p>
+        </p:txBody>
+      </p:sp>
+    </p:spTree>
+    <p:extLst>
+      <p:ext uri="{BB962C8B-B14F-4D97-AF65-F5344CB8AC3E}">
+        <p14:creationId xmlns:p14="http://schemas.microsoft.com/office/powerpoint/2010/main" val="163832901"/>
+      </p:ext>
+    </p:extLst>
+  </p:cSld>
+  <p:clrMapOvr>
+    <a:masterClrMapping/>
+  </p:clrMapOvr>
+  <p:timing>
+    <p:tnLst>
+      <p:par>
+        <p:cTn id="1" dur="indefinite" restart="never" nodeType="tmRoot"/>
+      </p:par>
+    </p:tnLst>
+  </p:timing>
+</p:sld>
+</file>
+
+<file path=ppt/slides/slide28.xml><?xml version="1.0" encoding="utf-8"?>
+<p:sld xmlns:a="http://schemas.openxmlformats.org/drawingml/2006/main" xmlns:r="http://schemas.openxmlformats.org/officeDocument/2006/relationships" xmlns:p="http://schemas.openxmlformats.org/presentationml/2006/main">
+  <p:cSld>
+    <p:spTree>
+      <p:nvGrpSpPr>
+        <p:cNvPr id="1" name=""/>
+        <p:cNvGrpSpPr/>
+        <p:nvPr/>
+      </p:nvGrpSpPr>
+      <p:grpSpPr>
+        <a:xfrm>
+          <a:off x="0" y="0"/>
+          <a:ext cx="0" cy="0"/>
+          <a:chOff x="0" y="0"/>
+          <a:chExt cx="0" cy="0"/>
+        </a:xfrm>
+      </p:grpSpPr>
+      <p:sp>
+        <p:nvSpPr>
+          <p:cNvPr id="2" name="Titel 1"/>
+          <p:cNvSpPr>
+            <a:spLocks noGrp="1"/>
+          </p:cNvSpPr>
+          <p:nvPr>
+            <p:ph type="ctrTitle"/>
+          </p:nvPr>
+        </p:nvSpPr>
+        <p:spPr/>
+        <p:txBody>
+          <a:bodyPr/>
+          <a:lstStyle/>
+          <a:p>
+            <a:r>
+              <a:rPr lang="de-CH" dirty="0" smtClean="0"/>
+              <a:t>Handbuch</a:t>
+            </a:r>
+            <a:endParaRPr lang="de-CH" dirty="0"/>
+          </a:p>
+        </p:txBody>
+      </p:sp>
+      <p:sp>
+        <p:nvSpPr>
+          <p:cNvPr id="3" name="Untertitel 2"/>
+          <p:cNvSpPr>
+            <a:spLocks noGrp="1"/>
+          </p:cNvSpPr>
+          <p:nvPr>
+            <p:ph type="subTitle" idx="1"/>
+          </p:nvPr>
+        </p:nvSpPr>
+        <p:spPr/>
+        <p:txBody>
+          <a:bodyPr/>
+          <a:lstStyle/>
+          <a:p>
+            <a:endParaRPr lang="de-CH" dirty="0"/>
+          </a:p>
+        </p:txBody>
+      </p:sp>
+    </p:spTree>
+    <p:extLst>
+      <p:ext uri="{BB962C8B-B14F-4D97-AF65-F5344CB8AC3E}">
+        <p14:creationId xmlns:p14="http://schemas.microsoft.com/office/powerpoint/2010/main" val="225820297"/>
+      </p:ext>
+    </p:extLst>
+  </p:cSld>
+  <p:clrMapOvr>
+    <a:masterClrMapping/>
+  </p:clrMapOvr>
+  <p:timing>
+    <p:tnLst>
+      <p:par>
+        <p:cTn id="1" dur="indefinite" restart="never" nodeType="tmRoot"/>
+      </p:par>
+    </p:tnLst>
+  </p:timing>
+</p:sld>
+</file>
+
+<file path=ppt/slides/slide29.xml><?xml version="1.0" encoding="utf-8"?>
+<p:sld xmlns:a="http://schemas.openxmlformats.org/drawingml/2006/main" xmlns:r="http://schemas.openxmlformats.org/officeDocument/2006/relationships" xmlns:p="http://schemas.openxmlformats.org/presentationml/2006/main">
+  <p:cSld>
+    <p:spTree>
+      <p:nvGrpSpPr>
+        <p:cNvPr id="1" name=""/>
+        <p:cNvGrpSpPr/>
+        <p:nvPr/>
+      </p:nvGrpSpPr>
+      <p:grpSpPr>
+        <a:xfrm>
+          <a:off x="0" y="0"/>
+          <a:ext cx="0" cy="0"/>
+          <a:chOff x="0" y="0"/>
+          <a:chExt cx="0" cy="0"/>
+        </a:xfrm>
+      </p:grpSpPr>
+      <p:sp>
+        <p:nvSpPr>
+          <p:cNvPr id="2" name="Titel 1"/>
+          <p:cNvSpPr>
+            <a:spLocks noGrp="1"/>
+          </p:cNvSpPr>
+          <p:nvPr>
+            <p:ph type="ctrTitle"/>
+          </p:nvPr>
+        </p:nvSpPr>
+        <p:spPr/>
+        <p:txBody>
+          <a:bodyPr/>
+          <a:lstStyle/>
+          <a:p>
+            <a:r>
+              <a:rPr lang="de-CH" dirty="0" smtClean="0"/>
+              <a:t>Handbuch</a:t>
+            </a:r>
+            <a:endParaRPr lang="de-CH" dirty="0"/>
+          </a:p>
+        </p:txBody>
+      </p:sp>
+      <p:sp>
+        <p:nvSpPr>
+          <p:cNvPr id="3" name="Textplatzhalter 2"/>
+          <p:cNvSpPr>
+            <a:spLocks noGrp="1"/>
+          </p:cNvSpPr>
+          <p:nvPr>
+            <p:ph type="body" idx="1"/>
+          </p:nvPr>
+        </p:nvSpPr>
+        <p:spPr/>
+        <p:txBody>
+          <a:bodyPr/>
+          <a:lstStyle/>
+          <a:p>
+            <a:r>
+              <a:rPr lang="de-CH" dirty="0" smtClean="0"/>
+              <a:t>Schritt für Schritt</a:t>
+            </a:r>
+            <a:endParaRPr lang="de-CH" dirty="0"/>
+          </a:p>
+        </p:txBody>
+      </p:sp>
+      <p:sp>
+        <p:nvSpPr>
+          <p:cNvPr id="4" name="Inhaltsplatzhalter 3"/>
+          <p:cNvSpPr>
+            <a:spLocks noGrp="1"/>
+          </p:cNvSpPr>
+          <p:nvPr>
+            <p:ph sz="half" idx="13"/>
+          </p:nvPr>
+        </p:nvSpPr>
+        <p:spPr/>
+        <p:txBody>
+          <a:bodyPr/>
+          <a:lstStyle/>
+          <a:p>
+            <a:pPr marL="342900" indent="-342900">
+              <a:buFont typeface="+mj-lt"/>
+              <a:buAutoNum type="arabicPeriod"/>
+            </a:pPr>
+            <a:r>
+              <a:rPr lang="de-CH" dirty="0" smtClean="0"/>
+              <a:t>Systeme starten</a:t>
+            </a:r>
+          </a:p>
+          <a:p>
+            <a:pPr marL="342900" indent="-342900">
+              <a:buFont typeface="+mj-lt"/>
+              <a:buAutoNum type="arabicPeriod"/>
+            </a:pPr>
+            <a:r>
+              <a:rPr lang="de-CH" dirty="0" smtClean="0"/>
+              <a:t>Import </a:t>
+            </a:r>
+            <a:r>
+              <a:rPr lang="de-CH" dirty="0" err="1" smtClean="0"/>
+              <a:t>Unity</a:t>
+            </a:r>
+            <a:r>
+              <a:rPr lang="de-CH" dirty="0" smtClean="0"/>
+              <a:t> </a:t>
+            </a:r>
+            <a:r>
+              <a:rPr lang="de-CH" dirty="0" err="1" smtClean="0"/>
+              <a:t>Plugin</a:t>
+            </a:r>
+            <a:r>
+              <a:rPr lang="de-CH" dirty="0" smtClean="0"/>
+              <a:t> + Export Applikation</a:t>
+            </a:r>
+          </a:p>
+          <a:p>
+            <a:pPr marL="342900" indent="-342900">
+              <a:buFont typeface="+mj-lt"/>
+              <a:buAutoNum type="arabicPeriod"/>
+            </a:pPr>
+            <a:r>
+              <a:rPr lang="de-CH" dirty="0" smtClean="0"/>
+              <a:t>Einrichten Tracking</a:t>
+            </a:r>
+          </a:p>
+          <a:p>
+            <a:pPr marL="342900" indent="-342900">
+              <a:buFont typeface="+mj-lt"/>
+              <a:buAutoNum type="arabicPeriod"/>
+            </a:pPr>
+            <a:r>
+              <a:rPr lang="de-CH" dirty="0" smtClean="0"/>
+              <a:t>Applikation starten</a:t>
+            </a:r>
+            <a:endParaRPr lang="de-CH" dirty="0"/>
+          </a:p>
+        </p:txBody>
+      </p:sp>
+    </p:spTree>
+    <p:extLst>
+      <p:ext uri="{BB962C8B-B14F-4D97-AF65-F5344CB8AC3E}">
+        <p14:creationId xmlns:p14="http://schemas.microsoft.com/office/powerpoint/2010/main" val="292215670"/>
       </p:ext>
     </p:extLst>
   </p:cSld>
@@ -7925,7 +12726,7 @@
           </p:nvPr>
         </p:nvPicPr>
         <p:blipFill>
-          <a:blip r:embed="rId2">
+          <a:blip r:embed="rId3">
             <a:extLst>
               <a:ext uri="{28A0092B-C50C-407E-A947-70E740481C1C}">
                 <a14:useLocalDpi xmlns:a14="http://schemas.microsoft.com/office/drawing/2010/main" val="0"/>
@@ -7963,6 +12764,1170 @@
 </p:sld>
 </file>
 
+<file path=ppt/slides/slide30.xml><?xml version="1.0" encoding="utf-8"?>
+<p:sld xmlns:a="http://schemas.openxmlformats.org/drawingml/2006/main" xmlns:r="http://schemas.openxmlformats.org/officeDocument/2006/relationships" xmlns:p="http://schemas.openxmlformats.org/presentationml/2006/main">
+  <p:cSld>
+    <p:spTree>
+      <p:nvGrpSpPr>
+        <p:cNvPr id="1" name=""/>
+        <p:cNvGrpSpPr/>
+        <p:nvPr/>
+      </p:nvGrpSpPr>
+      <p:grpSpPr>
+        <a:xfrm>
+          <a:off x="0" y="0"/>
+          <a:ext cx="0" cy="0"/>
+          <a:chOff x="0" y="0"/>
+          <a:chExt cx="0" cy="0"/>
+        </a:xfrm>
+      </p:grpSpPr>
+      <p:sp>
+        <p:nvSpPr>
+          <p:cNvPr id="2" name="Titel 1"/>
+          <p:cNvSpPr>
+            <a:spLocks noGrp="1"/>
+          </p:cNvSpPr>
+          <p:nvPr>
+            <p:ph type="ctrTitle"/>
+          </p:nvPr>
+        </p:nvSpPr>
+        <p:spPr/>
+        <p:txBody>
+          <a:bodyPr/>
+          <a:lstStyle/>
+          <a:p>
+            <a:r>
+              <a:rPr lang="de-CH" dirty="0" smtClean="0"/>
+              <a:t>Fazit</a:t>
+            </a:r>
+            <a:endParaRPr lang="de-CH" dirty="0"/>
+          </a:p>
+        </p:txBody>
+      </p:sp>
+      <p:sp>
+        <p:nvSpPr>
+          <p:cNvPr id="3" name="Untertitel 2"/>
+          <p:cNvSpPr>
+            <a:spLocks noGrp="1"/>
+          </p:cNvSpPr>
+          <p:nvPr>
+            <p:ph type="subTitle" idx="1"/>
+          </p:nvPr>
+        </p:nvSpPr>
+        <p:spPr/>
+        <p:txBody>
+          <a:bodyPr/>
+          <a:lstStyle/>
+          <a:p>
+            <a:endParaRPr lang="de-CH" dirty="0"/>
+          </a:p>
+        </p:txBody>
+      </p:sp>
+    </p:spTree>
+    <p:extLst>
+      <p:ext uri="{BB962C8B-B14F-4D97-AF65-F5344CB8AC3E}">
+        <p14:creationId xmlns:p14="http://schemas.microsoft.com/office/powerpoint/2010/main" val="2024041833"/>
+      </p:ext>
+    </p:extLst>
+  </p:cSld>
+  <p:clrMapOvr>
+    <a:masterClrMapping/>
+  </p:clrMapOvr>
+  <p:timing>
+    <p:tnLst>
+      <p:par>
+        <p:cTn id="1" dur="indefinite" restart="never" nodeType="tmRoot"/>
+      </p:par>
+    </p:tnLst>
+  </p:timing>
+</p:sld>
+</file>
+
+<file path=ppt/slides/slide31.xml><?xml version="1.0" encoding="utf-8"?>
+<p:sld xmlns:a="http://schemas.openxmlformats.org/drawingml/2006/main" xmlns:r="http://schemas.openxmlformats.org/officeDocument/2006/relationships" xmlns:p="http://schemas.openxmlformats.org/presentationml/2006/main">
+  <p:cSld>
+    <p:spTree>
+      <p:nvGrpSpPr>
+        <p:cNvPr id="1" name=""/>
+        <p:cNvGrpSpPr/>
+        <p:nvPr/>
+      </p:nvGrpSpPr>
+      <p:grpSpPr>
+        <a:xfrm>
+          <a:off x="0" y="0"/>
+          <a:ext cx="0" cy="0"/>
+          <a:chOff x="0" y="0"/>
+          <a:chExt cx="0" cy="0"/>
+        </a:xfrm>
+      </p:grpSpPr>
+      <p:sp>
+        <p:nvSpPr>
+          <p:cNvPr id="2" name="Inhaltsplatzhalter 1"/>
+          <p:cNvSpPr>
+            <a:spLocks noGrp="1"/>
+          </p:cNvSpPr>
+          <p:nvPr>
+            <p:ph sz="half" idx="1"/>
+          </p:nvPr>
+        </p:nvSpPr>
+        <p:spPr/>
+        <p:txBody>
+          <a:bodyPr/>
+          <a:lstStyle/>
+          <a:p>
+            <a:pPr marL="0" indent="0">
+              <a:buNone/>
+            </a:pPr>
+            <a:r>
+              <a:rPr lang="de-CH" i="1" dirty="0" smtClean="0">
+                <a:solidFill>
+                  <a:schemeClr val="bg1">
+                    <a:lumMod val="50000"/>
+                  </a:schemeClr>
+                </a:solidFill>
+              </a:rPr>
+              <a:t>(</a:t>
+            </a:r>
+            <a:r>
+              <a:rPr lang="de-CH" i="1" dirty="0" err="1" smtClean="0">
+                <a:solidFill>
+                  <a:schemeClr val="bg1">
+                    <a:lumMod val="50000"/>
+                  </a:schemeClr>
+                </a:solidFill>
+              </a:rPr>
+              <a:t>insert</a:t>
+            </a:r>
+            <a:r>
+              <a:rPr lang="de-CH" i="1" dirty="0" smtClean="0">
+                <a:solidFill>
+                  <a:schemeClr val="bg1">
+                    <a:lumMod val="50000"/>
+                  </a:schemeClr>
+                </a:solidFill>
+              </a:rPr>
+              <a:t> </a:t>
+            </a:r>
+            <a:r>
+              <a:rPr lang="de-CH" i="1" dirty="0" err="1" smtClean="0">
+                <a:solidFill>
+                  <a:schemeClr val="bg1">
+                    <a:lumMod val="50000"/>
+                  </a:schemeClr>
+                </a:solidFill>
+              </a:rPr>
+              <a:t>awesome</a:t>
+            </a:r>
+            <a:r>
+              <a:rPr lang="de-CH" i="1" dirty="0" smtClean="0">
+                <a:solidFill>
+                  <a:schemeClr val="bg1">
+                    <a:lumMod val="50000"/>
+                  </a:schemeClr>
+                </a:solidFill>
+              </a:rPr>
+              <a:t> Fazit </a:t>
+            </a:r>
+            <a:r>
+              <a:rPr lang="de-CH" i="1" dirty="0" err="1" smtClean="0">
+                <a:solidFill>
+                  <a:schemeClr val="bg1">
+                    <a:lumMod val="50000"/>
+                  </a:schemeClr>
+                </a:solidFill>
+              </a:rPr>
+              <a:t>here</a:t>
+            </a:r>
+            <a:r>
+              <a:rPr lang="de-CH" i="1" dirty="0" smtClean="0">
+                <a:solidFill>
+                  <a:schemeClr val="bg1">
+                    <a:lumMod val="50000"/>
+                  </a:schemeClr>
+                </a:solidFill>
+              </a:rPr>
+              <a:t>)</a:t>
+            </a:r>
+            <a:endParaRPr lang="de-CH" i="1" dirty="0">
+              <a:solidFill>
+                <a:schemeClr val="bg1">
+                  <a:lumMod val="50000"/>
+                </a:schemeClr>
+              </a:solidFill>
+            </a:endParaRPr>
+          </a:p>
+        </p:txBody>
+      </p:sp>
+      <p:sp>
+        <p:nvSpPr>
+          <p:cNvPr id="3" name="Titel 2"/>
+          <p:cNvSpPr>
+            <a:spLocks noGrp="1"/>
+          </p:cNvSpPr>
+          <p:nvPr>
+            <p:ph type="ctrTitle"/>
+          </p:nvPr>
+        </p:nvSpPr>
+        <p:spPr/>
+        <p:txBody>
+          <a:bodyPr/>
+          <a:lstStyle/>
+          <a:p>
+            <a:r>
+              <a:rPr lang="de-CH" dirty="0" smtClean="0"/>
+              <a:t>Fazit</a:t>
+            </a:r>
+            <a:endParaRPr lang="de-CH" dirty="0"/>
+          </a:p>
+        </p:txBody>
+      </p:sp>
+    </p:spTree>
+    <p:extLst>
+      <p:ext uri="{BB962C8B-B14F-4D97-AF65-F5344CB8AC3E}">
+        <p14:creationId xmlns:p14="http://schemas.microsoft.com/office/powerpoint/2010/main" val="363894757"/>
+      </p:ext>
+    </p:extLst>
+  </p:cSld>
+  <p:clrMapOvr>
+    <a:masterClrMapping/>
+  </p:clrMapOvr>
+  <p:timing>
+    <p:tnLst>
+      <p:par>
+        <p:cTn id="1" dur="indefinite" restart="never" nodeType="tmRoot"/>
+      </p:par>
+    </p:tnLst>
+  </p:timing>
+</p:sld>
+</file>
+
+<file path=ppt/slides/slide32.xml><?xml version="1.0" encoding="utf-8"?>
+<p:sld xmlns:a="http://schemas.openxmlformats.org/drawingml/2006/main" xmlns:r="http://schemas.openxmlformats.org/officeDocument/2006/relationships" xmlns:p="http://schemas.openxmlformats.org/presentationml/2006/main">
+  <p:cSld>
+    <p:spTree>
+      <p:nvGrpSpPr>
+        <p:cNvPr id="1" name=""/>
+        <p:cNvGrpSpPr/>
+        <p:nvPr/>
+      </p:nvGrpSpPr>
+      <p:grpSpPr>
+        <a:xfrm>
+          <a:off x="0" y="0"/>
+          <a:ext cx="0" cy="0"/>
+          <a:chOff x="0" y="0"/>
+          <a:chExt cx="0" cy="0"/>
+        </a:xfrm>
+      </p:grpSpPr>
+      <p:sp>
+        <p:nvSpPr>
+          <p:cNvPr id="2" name="Titel 1"/>
+          <p:cNvSpPr>
+            <a:spLocks noGrp="1"/>
+          </p:cNvSpPr>
+          <p:nvPr>
+            <p:ph type="ctrTitle"/>
+          </p:nvPr>
+        </p:nvSpPr>
+        <p:spPr/>
+        <p:txBody>
+          <a:bodyPr/>
+          <a:lstStyle/>
+          <a:p>
+            <a:r>
+              <a:rPr lang="de-CH" dirty="0" smtClean="0"/>
+              <a:t>Live Vorschau</a:t>
+            </a:r>
+            <a:endParaRPr lang="de-CH" dirty="0"/>
+          </a:p>
+        </p:txBody>
+      </p:sp>
+      <p:sp>
+        <p:nvSpPr>
+          <p:cNvPr id="3" name="Untertitel 2"/>
+          <p:cNvSpPr>
+            <a:spLocks noGrp="1"/>
+          </p:cNvSpPr>
+          <p:nvPr>
+            <p:ph type="subTitle" idx="1"/>
+          </p:nvPr>
+        </p:nvSpPr>
+        <p:spPr/>
+        <p:txBody>
+          <a:bodyPr/>
+          <a:lstStyle/>
+          <a:p>
+            <a:endParaRPr lang="de-CH" dirty="0"/>
+          </a:p>
+        </p:txBody>
+      </p:sp>
+    </p:spTree>
+    <p:extLst>
+      <p:ext uri="{BB962C8B-B14F-4D97-AF65-F5344CB8AC3E}">
+        <p14:creationId xmlns:p14="http://schemas.microsoft.com/office/powerpoint/2010/main" val="4139687750"/>
+      </p:ext>
+    </p:extLst>
+  </p:cSld>
+  <p:clrMapOvr>
+    <a:masterClrMapping/>
+  </p:clrMapOvr>
+  <p:timing>
+    <p:tnLst>
+      <p:par>
+        <p:cTn id="1" dur="indefinite" restart="never" nodeType="tmRoot"/>
+      </p:par>
+    </p:tnLst>
+  </p:timing>
+</p:sld>
+</file>
+
+<file path=ppt/slides/slide33.xml><?xml version="1.0" encoding="utf-8"?>
+<p:sld xmlns:a="http://schemas.openxmlformats.org/drawingml/2006/main" xmlns:r="http://schemas.openxmlformats.org/officeDocument/2006/relationships" xmlns:p="http://schemas.openxmlformats.org/presentationml/2006/main">
+  <p:cSld>
+    <p:spTree>
+      <p:nvGrpSpPr>
+        <p:cNvPr id="1" name=""/>
+        <p:cNvGrpSpPr/>
+        <p:nvPr/>
+      </p:nvGrpSpPr>
+      <p:grpSpPr>
+        <a:xfrm>
+          <a:off x="0" y="0"/>
+          <a:ext cx="0" cy="0"/>
+          <a:chOff x="0" y="0"/>
+          <a:chExt cx="0" cy="0"/>
+        </a:xfrm>
+      </p:grpSpPr>
+      <p:sp>
+        <p:nvSpPr>
+          <p:cNvPr id="2" name="Titel 1"/>
+          <p:cNvSpPr>
+            <a:spLocks noGrp="1"/>
+          </p:cNvSpPr>
+          <p:nvPr>
+            <p:ph type="ctrTitle"/>
+          </p:nvPr>
+        </p:nvSpPr>
+        <p:spPr/>
+        <p:txBody>
+          <a:bodyPr/>
+          <a:lstStyle/>
+          <a:p>
+            <a:endParaRPr lang="de-CH" dirty="0"/>
+          </a:p>
+        </p:txBody>
+      </p:sp>
+      <p:sp>
+        <p:nvSpPr>
+          <p:cNvPr id="3" name="Untertitel 2"/>
+          <p:cNvSpPr>
+            <a:spLocks noGrp="1"/>
+          </p:cNvSpPr>
+          <p:nvPr>
+            <p:ph type="subTitle" idx="1"/>
+          </p:nvPr>
+        </p:nvSpPr>
+        <p:spPr/>
+        <p:txBody>
+          <a:bodyPr/>
+          <a:lstStyle/>
+          <a:p>
+            <a:endParaRPr lang="de-CH" dirty="0"/>
+          </a:p>
+        </p:txBody>
+      </p:sp>
+    </p:spTree>
+    <p:extLst>
+      <p:ext uri="{BB962C8B-B14F-4D97-AF65-F5344CB8AC3E}">
+        <p14:creationId xmlns:p14="http://schemas.microsoft.com/office/powerpoint/2010/main" val="2783447373"/>
+      </p:ext>
+    </p:extLst>
+  </p:cSld>
+  <p:clrMapOvr>
+    <a:masterClrMapping/>
+  </p:clrMapOvr>
+  <p:timing>
+    <p:tnLst>
+      <p:par>
+        <p:cTn id="1" dur="indefinite" restart="never" nodeType="tmRoot"/>
+      </p:par>
+    </p:tnLst>
+  </p:timing>
+</p:sld>
+</file>
+
+<file path=ppt/slides/slide34.xml><?xml version="1.0" encoding="utf-8"?>
+<p:sld xmlns:a="http://schemas.openxmlformats.org/drawingml/2006/main" xmlns:r="http://schemas.openxmlformats.org/officeDocument/2006/relationships" xmlns:p="http://schemas.openxmlformats.org/presentationml/2006/main">
+  <p:cSld>
+    <p:spTree>
+      <p:nvGrpSpPr>
+        <p:cNvPr id="1" name=""/>
+        <p:cNvGrpSpPr/>
+        <p:nvPr/>
+      </p:nvGrpSpPr>
+      <p:grpSpPr>
+        <a:xfrm>
+          <a:off x="0" y="0"/>
+          <a:ext cx="0" cy="0"/>
+          <a:chOff x="0" y="0"/>
+          <a:chExt cx="0" cy="0"/>
+        </a:xfrm>
+      </p:grpSpPr>
+      <p:sp>
+        <p:nvSpPr>
+          <p:cNvPr id="2" name="Inhaltsplatzhalter 1"/>
+          <p:cNvSpPr>
+            <a:spLocks noGrp="1"/>
+          </p:cNvSpPr>
+          <p:nvPr>
+            <p:ph sz="half" idx="1"/>
+          </p:nvPr>
+        </p:nvSpPr>
+        <p:spPr/>
+        <p:txBody>
+          <a:bodyPr/>
+          <a:lstStyle/>
+          <a:p>
+            <a:endParaRPr lang="de-CH"/>
+          </a:p>
+        </p:txBody>
+      </p:sp>
+      <p:sp>
+        <p:nvSpPr>
+          <p:cNvPr id="3" name="Titel 2"/>
+          <p:cNvSpPr>
+            <a:spLocks noGrp="1"/>
+          </p:cNvSpPr>
+          <p:nvPr>
+            <p:ph type="ctrTitle"/>
+          </p:nvPr>
+        </p:nvSpPr>
+        <p:spPr/>
+        <p:txBody>
+          <a:bodyPr/>
+          <a:lstStyle/>
+          <a:p>
+            <a:endParaRPr lang="de-CH" dirty="0"/>
+          </a:p>
+        </p:txBody>
+      </p:sp>
+    </p:spTree>
+    <p:extLst>
+      <p:ext uri="{BB962C8B-B14F-4D97-AF65-F5344CB8AC3E}">
+        <p14:creationId xmlns:p14="http://schemas.microsoft.com/office/powerpoint/2010/main" val="3741675672"/>
+      </p:ext>
+    </p:extLst>
+  </p:cSld>
+  <p:clrMapOvr>
+    <a:masterClrMapping/>
+  </p:clrMapOvr>
+  <p:timing>
+    <p:tnLst>
+      <p:par>
+        <p:cTn id="1" dur="indefinite" restart="never" nodeType="tmRoot"/>
+      </p:par>
+    </p:tnLst>
+  </p:timing>
+</p:sld>
+</file>
+
+<file path=ppt/slides/slide35.xml><?xml version="1.0" encoding="utf-8"?>
+<p:sld xmlns:a="http://schemas.openxmlformats.org/drawingml/2006/main" xmlns:r="http://schemas.openxmlformats.org/officeDocument/2006/relationships" xmlns:p="http://schemas.openxmlformats.org/presentationml/2006/main">
+  <p:cSld>
+    <p:spTree>
+      <p:nvGrpSpPr>
+        <p:cNvPr id="1" name=""/>
+        <p:cNvGrpSpPr/>
+        <p:nvPr/>
+      </p:nvGrpSpPr>
+      <p:grpSpPr>
+        <a:xfrm>
+          <a:off x="0" y="0"/>
+          <a:ext cx="0" cy="0"/>
+          <a:chOff x="0" y="0"/>
+          <a:chExt cx="0" cy="0"/>
+        </a:xfrm>
+      </p:grpSpPr>
+      <p:sp>
+        <p:nvSpPr>
+          <p:cNvPr id="2" name="Titel 1"/>
+          <p:cNvSpPr>
+            <a:spLocks noGrp="1"/>
+          </p:cNvSpPr>
+          <p:nvPr>
+            <p:ph type="ctrTitle"/>
+          </p:nvPr>
+        </p:nvSpPr>
+        <p:spPr/>
+        <p:txBody>
+          <a:bodyPr/>
+          <a:lstStyle/>
+          <a:p>
+            <a:endParaRPr lang="de-CH"/>
+          </a:p>
+        </p:txBody>
+      </p:sp>
+      <p:sp>
+        <p:nvSpPr>
+          <p:cNvPr id="3" name="Textplatzhalter 2"/>
+          <p:cNvSpPr>
+            <a:spLocks noGrp="1"/>
+          </p:cNvSpPr>
+          <p:nvPr>
+            <p:ph type="body" idx="1"/>
+          </p:nvPr>
+        </p:nvSpPr>
+        <p:spPr/>
+        <p:txBody>
+          <a:bodyPr/>
+          <a:lstStyle/>
+          <a:p>
+            <a:endParaRPr lang="de-CH"/>
+          </a:p>
+        </p:txBody>
+      </p:sp>
+      <p:sp>
+        <p:nvSpPr>
+          <p:cNvPr id="4" name="Inhaltsplatzhalter 3"/>
+          <p:cNvSpPr>
+            <a:spLocks noGrp="1"/>
+          </p:cNvSpPr>
+          <p:nvPr>
+            <p:ph sz="half" idx="13"/>
+          </p:nvPr>
+        </p:nvSpPr>
+        <p:spPr/>
+        <p:txBody>
+          <a:bodyPr/>
+          <a:lstStyle/>
+          <a:p>
+            <a:endParaRPr lang="de-CH"/>
+          </a:p>
+        </p:txBody>
+      </p:sp>
+    </p:spTree>
+    <p:extLst>
+      <p:ext uri="{BB962C8B-B14F-4D97-AF65-F5344CB8AC3E}">
+        <p14:creationId xmlns:p14="http://schemas.microsoft.com/office/powerpoint/2010/main" val="153582886"/>
+      </p:ext>
+    </p:extLst>
+  </p:cSld>
+  <p:clrMapOvr>
+    <a:masterClrMapping/>
+  </p:clrMapOvr>
+  <p:timing>
+    <p:tnLst>
+      <p:par>
+        <p:cTn id="1" dur="indefinite" restart="never" nodeType="tmRoot"/>
+      </p:par>
+    </p:tnLst>
+  </p:timing>
+</p:sld>
+</file>
+
+<file path=ppt/slides/slide36.xml><?xml version="1.0" encoding="utf-8"?>
+<p:sld xmlns:a="http://schemas.openxmlformats.org/drawingml/2006/main" xmlns:r="http://schemas.openxmlformats.org/officeDocument/2006/relationships" xmlns:p="http://schemas.openxmlformats.org/presentationml/2006/main">
+  <p:cSld>
+    <p:spTree>
+      <p:nvGrpSpPr>
+        <p:cNvPr id="1" name=""/>
+        <p:cNvGrpSpPr/>
+        <p:nvPr/>
+      </p:nvGrpSpPr>
+      <p:grpSpPr>
+        <a:xfrm>
+          <a:off x="0" y="0"/>
+          <a:ext cx="0" cy="0"/>
+          <a:chOff x="0" y="0"/>
+          <a:chExt cx="0" cy="0"/>
+        </a:xfrm>
+      </p:grpSpPr>
+      <p:sp>
+        <p:nvSpPr>
+          <p:cNvPr id="7" name="Titel 6"/>
+          <p:cNvSpPr>
+            <a:spLocks noGrp="1"/>
+          </p:cNvSpPr>
+          <p:nvPr>
+            <p:ph type="ctrTitle"/>
+          </p:nvPr>
+        </p:nvSpPr>
+        <p:spPr/>
+        <p:txBody>
+          <a:bodyPr/>
+          <a:lstStyle/>
+          <a:p>
+            <a:endParaRPr lang="de-CH"/>
+          </a:p>
+        </p:txBody>
+      </p:sp>
+      <p:sp>
+        <p:nvSpPr>
+          <p:cNvPr id="8" name="Textplatzhalter 7"/>
+          <p:cNvSpPr>
+            <a:spLocks noGrp="1"/>
+          </p:cNvSpPr>
+          <p:nvPr>
+            <p:ph type="body" idx="1"/>
+          </p:nvPr>
+        </p:nvSpPr>
+        <p:spPr/>
+        <p:txBody>
+          <a:bodyPr/>
+          <a:lstStyle/>
+          <a:p>
+            <a:endParaRPr lang="de-CH"/>
+          </a:p>
+        </p:txBody>
+      </p:sp>
+      <p:sp>
+        <p:nvSpPr>
+          <p:cNvPr id="11" name="Textplatzhalter 10"/>
+          <p:cNvSpPr>
+            <a:spLocks noGrp="1"/>
+          </p:cNvSpPr>
+          <p:nvPr>
+            <p:ph type="body" idx="18"/>
+          </p:nvPr>
+        </p:nvSpPr>
+        <p:spPr/>
+        <p:txBody>
+          <a:bodyPr/>
+          <a:lstStyle/>
+          <a:p>
+            <a:endParaRPr lang="de-CH"/>
+          </a:p>
+        </p:txBody>
+      </p:sp>
+      <p:sp>
+        <p:nvSpPr>
+          <p:cNvPr id="9" name="Inhaltsplatzhalter 8"/>
+          <p:cNvSpPr>
+            <a:spLocks noGrp="1"/>
+          </p:cNvSpPr>
+          <p:nvPr>
+            <p:ph sz="half" idx="13"/>
+          </p:nvPr>
+        </p:nvSpPr>
+        <p:spPr/>
+        <p:txBody>
+          <a:bodyPr/>
+          <a:lstStyle/>
+          <a:p>
+            <a:endParaRPr lang="de-CH"/>
+          </a:p>
+        </p:txBody>
+      </p:sp>
+      <p:sp>
+        <p:nvSpPr>
+          <p:cNvPr id="10" name="Inhaltsplatzhalter 9"/>
+          <p:cNvSpPr>
+            <a:spLocks noGrp="1"/>
+          </p:cNvSpPr>
+          <p:nvPr>
+            <p:ph sz="half" idx="15"/>
+          </p:nvPr>
+        </p:nvSpPr>
+        <p:spPr/>
+        <p:txBody>
+          <a:bodyPr/>
+          <a:lstStyle/>
+          <a:p>
+            <a:endParaRPr lang="de-CH"/>
+          </a:p>
+        </p:txBody>
+      </p:sp>
+    </p:spTree>
+    <p:extLst>
+      <p:ext uri="{BB962C8B-B14F-4D97-AF65-F5344CB8AC3E}">
+        <p14:creationId xmlns:p14="http://schemas.microsoft.com/office/powerpoint/2010/main" val="1673217479"/>
+      </p:ext>
+    </p:extLst>
+  </p:cSld>
+  <p:clrMapOvr>
+    <a:masterClrMapping/>
+  </p:clrMapOvr>
+  <p:timing>
+    <p:tnLst>
+      <p:par>
+        <p:cTn id="1" dur="indefinite" restart="never" nodeType="tmRoot"/>
+      </p:par>
+    </p:tnLst>
+  </p:timing>
+</p:sld>
+</file>
+
+<file path=ppt/slides/slide37.xml><?xml version="1.0" encoding="utf-8"?>
+<p:sld xmlns:a="http://schemas.openxmlformats.org/drawingml/2006/main" xmlns:r="http://schemas.openxmlformats.org/officeDocument/2006/relationships" xmlns:p="http://schemas.openxmlformats.org/presentationml/2006/main">
+  <p:cSld>
+    <p:spTree>
+      <p:nvGrpSpPr>
+        <p:cNvPr id="1" name=""/>
+        <p:cNvGrpSpPr/>
+        <p:nvPr/>
+      </p:nvGrpSpPr>
+      <p:grpSpPr>
+        <a:xfrm>
+          <a:off x="0" y="0"/>
+          <a:ext cx="0" cy="0"/>
+          <a:chOff x="0" y="0"/>
+          <a:chExt cx="0" cy="0"/>
+        </a:xfrm>
+      </p:grpSpPr>
+      <p:sp>
+        <p:nvSpPr>
+          <p:cNvPr id="2" name="Titel 1"/>
+          <p:cNvSpPr>
+            <a:spLocks noGrp="1"/>
+          </p:cNvSpPr>
+          <p:nvPr>
+            <p:ph type="ctrTitle"/>
+          </p:nvPr>
+        </p:nvSpPr>
+        <p:spPr/>
+        <p:txBody>
+          <a:bodyPr/>
+          <a:lstStyle/>
+          <a:p>
+            <a:endParaRPr lang="de-CH"/>
+          </a:p>
+        </p:txBody>
+      </p:sp>
+      <p:sp>
+        <p:nvSpPr>
+          <p:cNvPr id="3" name="Textplatzhalter 2"/>
+          <p:cNvSpPr>
+            <a:spLocks noGrp="1"/>
+          </p:cNvSpPr>
+          <p:nvPr>
+            <p:ph type="body" idx="1"/>
+          </p:nvPr>
+        </p:nvSpPr>
+        <p:spPr/>
+        <p:txBody>
+          <a:bodyPr/>
+          <a:lstStyle/>
+          <a:p>
+            <a:endParaRPr lang="de-CH"/>
+          </a:p>
+        </p:txBody>
+      </p:sp>
+      <p:sp>
+        <p:nvSpPr>
+          <p:cNvPr id="4" name="Inhaltsplatzhalter 3"/>
+          <p:cNvSpPr>
+            <a:spLocks noGrp="1"/>
+          </p:cNvSpPr>
+          <p:nvPr>
+            <p:ph sz="half" idx="13"/>
+          </p:nvPr>
+        </p:nvSpPr>
+        <p:spPr/>
+        <p:txBody>
+          <a:bodyPr/>
+          <a:lstStyle/>
+          <a:p>
+            <a:endParaRPr lang="de-CH"/>
+          </a:p>
+        </p:txBody>
+      </p:sp>
+      <p:sp>
+        <p:nvSpPr>
+          <p:cNvPr id="5" name="Textplatzhalter 4"/>
+          <p:cNvSpPr>
+            <a:spLocks noGrp="1"/>
+          </p:cNvSpPr>
+          <p:nvPr>
+            <p:ph type="body" idx="14"/>
+          </p:nvPr>
+        </p:nvSpPr>
+        <p:spPr/>
+        <p:txBody>
+          <a:bodyPr/>
+          <a:lstStyle/>
+          <a:p>
+            <a:endParaRPr lang="de-CH"/>
+          </a:p>
+        </p:txBody>
+      </p:sp>
+      <p:sp>
+        <p:nvSpPr>
+          <p:cNvPr id="6" name="Inhaltsplatzhalter 5"/>
+          <p:cNvSpPr>
+            <a:spLocks noGrp="1"/>
+          </p:cNvSpPr>
+          <p:nvPr>
+            <p:ph sz="half" idx="15"/>
+          </p:nvPr>
+        </p:nvSpPr>
+        <p:spPr/>
+        <p:txBody>
+          <a:bodyPr/>
+          <a:lstStyle/>
+          <a:p>
+            <a:endParaRPr lang="de-CH"/>
+          </a:p>
+        </p:txBody>
+      </p:sp>
+    </p:spTree>
+    <p:extLst>
+      <p:ext uri="{BB962C8B-B14F-4D97-AF65-F5344CB8AC3E}">
+        <p14:creationId xmlns:p14="http://schemas.microsoft.com/office/powerpoint/2010/main" val="1872521376"/>
+      </p:ext>
+    </p:extLst>
+  </p:cSld>
+  <p:clrMapOvr>
+    <a:masterClrMapping/>
+  </p:clrMapOvr>
+  <p:timing>
+    <p:tnLst>
+      <p:par>
+        <p:cTn id="1" dur="indefinite" restart="never" nodeType="tmRoot"/>
+      </p:par>
+    </p:tnLst>
+  </p:timing>
+</p:sld>
+</file>
+
+<file path=ppt/slides/slide38.xml><?xml version="1.0" encoding="utf-8"?>
+<p:sld xmlns:a="http://schemas.openxmlformats.org/drawingml/2006/main" xmlns:r="http://schemas.openxmlformats.org/officeDocument/2006/relationships" xmlns:p="http://schemas.openxmlformats.org/presentationml/2006/main">
+  <p:cSld>
+    <p:spTree>
+      <p:nvGrpSpPr>
+        <p:cNvPr id="1" name=""/>
+        <p:cNvGrpSpPr/>
+        <p:nvPr/>
+      </p:nvGrpSpPr>
+      <p:grpSpPr>
+        <a:xfrm>
+          <a:off x="0" y="0"/>
+          <a:ext cx="0" cy="0"/>
+          <a:chOff x="0" y="0"/>
+          <a:chExt cx="0" cy="0"/>
+        </a:xfrm>
+      </p:grpSpPr>
+      <p:sp>
+        <p:nvSpPr>
+          <p:cNvPr id="2" name="Titel 1"/>
+          <p:cNvSpPr>
+            <a:spLocks noGrp="1"/>
+          </p:cNvSpPr>
+          <p:nvPr>
+            <p:ph type="ctrTitle"/>
+          </p:nvPr>
+        </p:nvSpPr>
+        <p:spPr/>
+        <p:txBody>
+          <a:bodyPr/>
+          <a:lstStyle/>
+          <a:p>
+            <a:endParaRPr lang="de-CH"/>
+          </a:p>
+        </p:txBody>
+      </p:sp>
+      <p:sp>
+        <p:nvSpPr>
+          <p:cNvPr id="3" name="Textplatzhalter 2"/>
+          <p:cNvSpPr>
+            <a:spLocks noGrp="1"/>
+          </p:cNvSpPr>
+          <p:nvPr>
+            <p:ph type="body" idx="1"/>
+          </p:nvPr>
+        </p:nvSpPr>
+        <p:spPr/>
+        <p:txBody>
+          <a:bodyPr/>
+          <a:lstStyle/>
+          <a:p>
+            <a:endParaRPr lang="de-CH"/>
+          </a:p>
+        </p:txBody>
+      </p:sp>
+      <p:sp>
+        <p:nvSpPr>
+          <p:cNvPr id="4" name="Textplatzhalter 3"/>
+          <p:cNvSpPr>
+            <a:spLocks noGrp="1"/>
+          </p:cNvSpPr>
+          <p:nvPr>
+            <p:ph type="body" idx="18"/>
+          </p:nvPr>
+        </p:nvSpPr>
+        <p:spPr/>
+        <p:txBody>
+          <a:bodyPr/>
+          <a:lstStyle/>
+          <a:p>
+            <a:endParaRPr lang="de-CH"/>
+          </a:p>
+        </p:txBody>
+      </p:sp>
+      <p:sp>
+        <p:nvSpPr>
+          <p:cNvPr id="5" name="Inhaltsplatzhalter 4"/>
+          <p:cNvSpPr>
+            <a:spLocks noGrp="1"/>
+          </p:cNvSpPr>
+          <p:nvPr>
+            <p:ph sz="half" idx="13"/>
+          </p:nvPr>
+        </p:nvSpPr>
+        <p:spPr/>
+        <p:txBody>
+          <a:bodyPr/>
+          <a:lstStyle/>
+          <a:p>
+            <a:endParaRPr lang="de-CH"/>
+          </a:p>
+        </p:txBody>
+      </p:sp>
+      <p:sp>
+        <p:nvSpPr>
+          <p:cNvPr id="6" name="Inhaltsplatzhalter 5"/>
+          <p:cNvSpPr>
+            <a:spLocks noGrp="1"/>
+          </p:cNvSpPr>
+          <p:nvPr>
+            <p:ph sz="half" idx="15"/>
+          </p:nvPr>
+        </p:nvSpPr>
+        <p:spPr/>
+        <p:txBody>
+          <a:bodyPr/>
+          <a:lstStyle/>
+          <a:p>
+            <a:endParaRPr lang="de-CH"/>
+          </a:p>
+        </p:txBody>
+      </p:sp>
+      <p:sp>
+        <p:nvSpPr>
+          <p:cNvPr id="7" name="Inhaltsplatzhalter 6"/>
+          <p:cNvSpPr>
+            <a:spLocks noGrp="1"/>
+          </p:cNvSpPr>
+          <p:nvPr>
+            <p:ph sz="half" idx="19"/>
+          </p:nvPr>
+        </p:nvSpPr>
+        <p:spPr/>
+        <p:txBody>
+          <a:bodyPr/>
+          <a:lstStyle/>
+          <a:p>
+            <a:endParaRPr lang="de-CH"/>
+          </a:p>
+        </p:txBody>
+      </p:sp>
+      <p:sp>
+        <p:nvSpPr>
+          <p:cNvPr id="8" name="Textplatzhalter 7"/>
+          <p:cNvSpPr>
+            <a:spLocks noGrp="1"/>
+          </p:cNvSpPr>
+          <p:nvPr>
+            <p:ph type="body" idx="20"/>
+          </p:nvPr>
+        </p:nvSpPr>
+        <p:spPr/>
+        <p:txBody>
+          <a:bodyPr/>
+          <a:lstStyle/>
+          <a:p>
+            <a:endParaRPr lang="de-CH"/>
+          </a:p>
+        </p:txBody>
+      </p:sp>
+    </p:spTree>
+    <p:extLst>
+      <p:ext uri="{BB962C8B-B14F-4D97-AF65-F5344CB8AC3E}">
+        <p14:creationId xmlns:p14="http://schemas.microsoft.com/office/powerpoint/2010/main" val="3225023463"/>
+      </p:ext>
+    </p:extLst>
+  </p:cSld>
+  <p:clrMapOvr>
+    <a:masterClrMapping/>
+  </p:clrMapOvr>
+  <p:timing>
+    <p:tnLst>
+      <p:par>
+        <p:cTn id="1" dur="indefinite" restart="never" nodeType="tmRoot"/>
+      </p:par>
+    </p:tnLst>
+  </p:timing>
+</p:sld>
+</file>
+
+<file path=ppt/slides/slide39.xml><?xml version="1.0" encoding="utf-8"?>
+<p:sld xmlns:a="http://schemas.openxmlformats.org/drawingml/2006/main" xmlns:r="http://schemas.openxmlformats.org/officeDocument/2006/relationships" xmlns:p="http://schemas.openxmlformats.org/presentationml/2006/main">
+  <p:cSld>
+    <p:spTree>
+      <p:nvGrpSpPr>
+        <p:cNvPr id="1" name=""/>
+        <p:cNvGrpSpPr/>
+        <p:nvPr/>
+      </p:nvGrpSpPr>
+      <p:grpSpPr>
+        <a:xfrm>
+          <a:off x="0" y="0"/>
+          <a:ext cx="0" cy="0"/>
+          <a:chOff x="0" y="0"/>
+          <a:chExt cx="0" cy="0"/>
+        </a:xfrm>
+      </p:grpSpPr>
+      <p:sp>
+        <p:nvSpPr>
+          <p:cNvPr id="2" name="Titel 1"/>
+          <p:cNvSpPr>
+            <a:spLocks noGrp="1"/>
+          </p:cNvSpPr>
+          <p:nvPr>
+            <p:ph type="ctrTitle"/>
+          </p:nvPr>
+        </p:nvSpPr>
+        <p:spPr/>
+        <p:txBody>
+          <a:bodyPr/>
+          <a:lstStyle/>
+          <a:p>
+            <a:endParaRPr lang="de-CH"/>
+          </a:p>
+        </p:txBody>
+      </p:sp>
+      <p:sp>
+        <p:nvSpPr>
+          <p:cNvPr id="3" name="Inhaltsplatzhalter 2"/>
+          <p:cNvSpPr>
+            <a:spLocks noGrp="1"/>
+          </p:cNvSpPr>
+          <p:nvPr>
+            <p:ph sz="half" idx="13"/>
+          </p:nvPr>
+        </p:nvSpPr>
+        <p:spPr/>
+        <p:txBody>
+          <a:bodyPr/>
+          <a:lstStyle/>
+          <a:p>
+            <a:endParaRPr lang="de-CH"/>
+          </a:p>
+        </p:txBody>
+      </p:sp>
+      <p:sp>
+        <p:nvSpPr>
+          <p:cNvPr id="4" name="Inhaltsplatzhalter 3"/>
+          <p:cNvSpPr>
+            <a:spLocks noGrp="1"/>
+          </p:cNvSpPr>
+          <p:nvPr>
+            <p:ph sz="half" idx="15"/>
+          </p:nvPr>
+        </p:nvSpPr>
+        <p:spPr/>
+        <p:txBody>
+          <a:bodyPr/>
+          <a:lstStyle/>
+          <a:p>
+            <a:endParaRPr lang="de-CH"/>
+          </a:p>
+        </p:txBody>
+      </p:sp>
+      <p:sp>
+        <p:nvSpPr>
+          <p:cNvPr id="5" name="Inhaltsplatzhalter 4"/>
+          <p:cNvSpPr>
+            <a:spLocks noGrp="1"/>
+          </p:cNvSpPr>
+          <p:nvPr>
+            <p:ph sz="half" idx="19"/>
+          </p:nvPr>
+        </p:nvSpPr>
+        <p:spPr/>
+        <p:txBody>
+          <a:bodyPr/>
+          <a:lstStyle/>
+          <a:p>
+            <a:endParaRPr lang="de-CH"/>
+          </a:p>
+        </p:txBody>
+      </p:sp>
+      <p:sp>
+        <p:nvSpPr>
+          <p:cNvPr id="6" name="Textplatzhalter 5"/>
+          <p:cNvSpPr>
+            <a:spLocks noGrp="1"/>
+          </p:cNvSpPr>
+          <p:nvPr>
+            <p:ph type="body" idx="1"/>
+          </p:nvPr>
+        </p:nvSpPr>
+        <p:spPr/>
+        <p:txBody>
+          <a:bodyPr/>
+          <a:lstStyle/>
+          <a:p>
+            <a:endParaRPr lang="de-CH"/>
+          </a:p>
+        </p:txBody>
+      </p:sp>
+      <p:sp>
+        <p:nvSpPr>
+          <p:cNvPr id="7" name="Textplatzhalter 6"/>
+          <p:cNvSpPr>
+            <a:spLocks noGrp="1"/>
+          </p:cNvSpPr>
+          <p:nvPr>
+            <p:ph type="body" idx="18"/>
+          </p:nvPr>
+        </p:nvSpPr>
+        <p:spPr/>
+        <p:txBody>
+          <a:bodyPr/>
+          <a:lstStyle/>
+          <a:p>
+            <a:endParaRPr lang="de-CH"/>
+          </a:p>
+        </p:txBody>
+      </p:sp>
+      <p:sp>
+        <p:nvSpPr>
+          <p:cNvPr id="8" name="Textplatzhalter 7"/>
+          <p:cNvSpPr>
+            <a:spLocks noGrp="1"/>
+          </p:cNvSpPr>
+          <p:nvPr>
+            <p:ph type="body" idx="20"/>
+          </p:nvPr>
+        </p:nvSpPr>
+        <p:spPr/>
+        <p:txBody>
+          <a:bodyPr/>
+          <a:lstStyle/>
+          <a:p>
+            <a:endParaRPr lang="de-CH"/>
+          </a:p>
+        </p:txBody>
+      </p:sp>
+    </p:spTree>
+    <p:extLst>
+      <p:ext uri="{BB962C8B-B14F-4D97-AF65-F5344CB8AC3E}">
+        <p14:creationId xmlns:p14="http://schemas.microsoft.com/office/powerpoint/2010/main" val="1501259291"/>
+      </p:ext>
+    </p:extLst>
+  </p:cSld>
+  <p:clrMapOvr>
+    <a:masterClrMapping/>
+  </p:clrMapOvr>
+  <p:timing>
+    <p:tnLst>
+      <p:par>
+        <p:cTn id="1" dur="indefinite" restart="never" nodeType="tmRoot"/>
+      </p:par>
+    </p:tnLst>
+  </p:timing>
+</p:sld>
+</file>
+
 <file path=ppt/slides/slide4.xml><?xml version="1.0" encoding="utf-8"?>
 <p:sld xmlns:a="http://schemas.openxmlformats.org/drawingml/2006/main" xmlns:r="http://schemas.openxmlformats.org/officeDocument/2006/relationships" xmlns:p="http://schemas.openxmlformats.org/presentationml/2006/main">
   <p:cSld>
@@ -7997,8 +13962,25 @@
           <a:p>
             <a:r>
               <a:rPr lang="de-CH" dirty="0" smtClean="0"/>
-              <a:t>huhu</a:t>
-            </a:r>
+              <a:t>Massstabsgetreue Abbildung des realen CAVEs</a:t>
+            </a:r>
+          </a:p>
+          <a:p>
+            <a:pPr lvl="1"/>
+            <a:r>
+              <a:rPr lang="de-CH" dirty="0" smtClean="0"/>
+              <a:t>Interaktionen mit Devices</a:t>
+            </a:r>
+          </a:p>
+          <a:p>
+            <a:pPr lvl="1"/>
+            <a:r>
+              <a:rPr lang="de-CH" dirty="0" smtClean="0"/>
+              <a:t>Position des Benutzers</a:t>
+            </a:r>
+            <a:endParaRPr lang="de-CH" dirty="0" smtClean="0"/>
+          </a:p>
+          <a:p>
             <a:endParaRPr lang="de-CH" dirty="0"/>
           </a:p>
         </p:txBody>
@@ -8035,7 +14017,7 @@
           <p:nvPr/>
         </p:nvPicPr>
         <p:blipFill>
-          <a:blip r:embed="rId2">
+          <a:blip r:embed="rId3">
             <a:extLst>
               <a:ext uri="{28A0092B-C50C-407E-A947-70E740481C1C}">
                 <a14:useLocalDpi xmlns:a14="http://schemas.microsoft.com/office/drawing/2010/main" val="0"/>
@@ -8054,6 +14036,46 @@
           <a:prstGeom prst="rect">
             <a:avLst/>
           </a:prstGeom>
+        </p:spPr>
+      </p:pic>
+      <p:pic>
+        <p:nvPicPr>
+          <p:cNvPr id="4" name="Grafik 3"/>
+          <p:cNvPicPr>
+            <a:picLocks noChangeAspect="1"/>
+          </p:cNvPicPr>
+          <p:nvPr/>
+        </p:nvPicPr>
+        <p:blipFill>
+          <a:blip r:embed="rId4">
+            <a:extLst>
+              <a:ext uri="{28A0092B-C50C-407E-A947-70E740481C1C}">
+                <a14:useLocalDpi xmlns:a14="http://schemas.microsoft.com/office/drawing/2010/main" val="0"/>
+              </a:ext>
+            </a:extLst>
+          </a:blip>
+          <a:stretch>
+            <a:fillRect/>
+          </a:stretch>
+        </p:blipFill>
+        <p:spPr>
+          <a:xfrm>
+            <a:off x="468001" y="3193336"/>
+            <a:ext cx="3409606" cy="2637296"/>
+          </a:xfrm>
+          <a:prstGeom prst="rect">
+            <a:avLst/>
+          </a:prstGeom>
+          <a:ln>
+            <a:noFill/>
+          </a:ln>
+          <a:effectLst>
+            <a:outerShdw blurRad="190500" algn="tl" rotWithShape="0">
+              <a:srgbClr val="000000">
+                <a:alpha val="70000"/>
+              </a:srgbClr>
+            </a:outerShdw>
+          </a:effectLst>
         </p:spPr>
       </p:pic>
     </p:spTree>
@@ -8110,7 +14132,33 @@
           <a:p>
             <a:r>
               <a:rPr lang="de-CH" dirty="0" smtClean="0"/>
-              <a:t>huhu</a:t>
+              <a:t>Vergrösserte Variante virtueller CAVE</a:t>
+            </a:r>
+          </a:p>
+          <a:p>
+            <a:pPr lvl="1"/>
+            <a:r>
+              <a:rPr lang="de-CH" dirty="0" smtClean="0"/>
+              <a:t>Normaler virtueller CAVE im Zentrum</a:t>
+            </a:r>
+          </a:p>
+          <a:p>
+            <a:pPr lvl="1"/>
+            <a:r>
+              <a:rPr lang="de-CH" dirty="0" smtClean="0"/>
+              <a:t>Berechnung </a:t>
+            </a:r>
+            <a:r>
+              <a:rPr lang="de-CH" dirty="0" err="1" smtClean="0"/>
+              <a:t>Viewfrustums</a:t>
+            </a:r>
+            <a:endParaRPr lang="de-CH" dirty="0" smtClean="0"/>
+          </a:p>
+          <a:p>
+            <a:pPr lvl="1"/>
+            <a:r>
+              <a:rPr lang="de-CH" dirty="0" smtClean="0"/>
+              <a:t>Platzierung GUI-Elemente</a:t>
             </a:r>
             <a:endParaRPr lang="de-CH" dirty="0"/>
           </a:p>
@@ -8148,7 +14196,7 @@
           <p:nvPr/>
         </p:nvPicPr>
         <p:blipFill>
-          <a:blip r:embed="rId2">
+          <a:blip r:embed="rId3">
             <a:extLst>
               <a:ext uri="{28A0092B-C50C-407E-A947-70E740481C1C}">
                 <a14:useLocalDpi xmlns:a14="http://schemas.microsoft.com/office/drawing/2010/main" val="0"/>
@@ -8230,8 +14278,40 @@
                   <a:srgbClr val="697D91"/>
                 </a:solidFill>
               </a:rPr>
-              <a:t>Stereoskopie</a:t>
-            </a:r>
+              <a:t>Funktion</a:t>
+            </a:r>
+          </a:p>
+          <a:p>
+            <a:r>
+              <a:rPr lang="de-CH" dirty="0" smtClean="0"/>
+              <a:t>Position und Rotation </a:t>
+            </a:r>
+            <a:r>
+              <a:rPr lang="de-CH" dirty="0"/>
+              <a:t>Kopf Benutzer</a:t>
+            </a:r>
+          </a:p>
+          <a:p>
+            <a:r>
+              <a:rPr lang="de-CH" dirty="0"/>
+              <a:t>Entspricht Position aller </a:t>
+            </a:r>
+            <a:r>
+              <a:rPr lang="de-CH" dirty="0" smtClean="0"/>
+              <a:t>Kameras</a:t>
+            </a:r>
+          </a:p>
+          <a:p>
+            <a:r>
+              <a:rPr lang="de-CH" dirty="0" smtClean="0"/>
+              <a:t>Basis für Berechnung Perspektive</a:t>
+            </a:r>
+            <a:endParaRPr lang="de-CH" dirty="0"/>
+          </a:p>
+          <a:p>
+            <a:pPr marL="0" indent="0">
+              <a:buNone/>
+            </a:pPr>
             <a:endParaRPr lang="de-CH" dirty="0">
               <a:solidFill>
                 <a:srgbClr val="697D91"/>
@@ -8239,6 +14319,17 @@
             </a:endParaRPr>
           </a:p>
           <a:p>
+            <a:pPr marL="0" indent="0">
+              <a:buNone/>
+            </a:pPr>
+            <a:r>
+              <a:rPr lang="de-CH" dirty="0" smtClean="0">
+                <a:solidFill>
+                  <a:srgbClr val="697D91"/>
+                </a:solidFill>
+              </a:rPr>
+              <a:t>Stereoskopie</a:t>
+            </a:r>
             <a:endParaRPr lang="de-CH" dirty="0"/>
           </a:p>
           <a:p>
@@ -8272,19 +14363,13 @@
               <a:buNone/>
             </a:pPr>
             <a:r>
-              <a:rPr lang="de-CH" dirty="0" err="1">
+              <a:rPr lang="de-CH" dirty="0" err="1" smtClean="0">
                 <a:solidFill>
                   <a:srgbClr val="697D91"/>
                 </a:solidFill>
               </a:rPr>
               <a:t>Smoothing</a:t>
             </a:r>
-            <a:endParaRPr lang="de-CH" dirty="0" smtClean="0"/>
-          </a:p>
-          <a:p>
-            <a:pPr marL="0" indent="0">
-              <a:buNone/>
-            </a:pPr>
             <a:endParaRPr lang="de-CH" dirty="0" smtClean="0"/>
           </a:p>
           <a:p>
@@ -8332,7 +14417,7 @@
           <p:nvPr/>
         </p:nvPicPr>
         <p:blipFill>
-          <a:blip r:embed="rId2">
+          <a:blip r:embed="rId3">
             <a:extLst>
               <a:ext uri="{28A0092B-C50C-407E-A947-70E740481C1C}">
                 <a14:useLocalDpi xmlns:a14="http://schemas.microsoft.com/office/drawing/2010/main" val="0"/>
@@ -8392,12 +14477,12 @@
       </p:grpSpPr>
       <p:sp>
         <p:nvSpPr>
-          <p:cNvPr id="2" name="Inhaltsplatzhalter 1"/>
-          <p:cNvSpPr>
-            <a:spLocks noGrp="1"/>
-          </p:cNvSpPr>
-          <p:nvPr>
-            <p:ph sz="half" idx="1"/>
+          <p:cNvPr id="2" name="Titel 1"/>
+          <p:cNvSpPr>
+            <a:spLocks noGrp="1"/>
+          </p:cNvSpPr>
+          <p:nvPr>
+            <p:ph type="ctrTitle"/>
           </p:nvPr>
         </p:nvSpPr>
         <p:spPr/>
@@ -8406,8 +14491,31 @@
           <a:lstStyle/>
           <a:p>
             <a:r>
+              <a:rPr lang="de-CH" dirty="0"/>
+              <a:t>Virtual Wand</a:t>
+            </a:r>
+            <a:endParaRPr lang="de-CH" dirty="0"/>
+          </a:p>
+        </p:txBody>
+      </p:sp>
+      <p:sp>
+        <p:nvSpPr>
+          <p:cNvPr id="3" name="Textplatzhalter 2"/>
+          <p:cNvSpPr>
+            <a:spLocks noGrp="1"/>
+          </p:cNvSpPr>
+          <p:nvPr>
+            <p:ph type="body" idx="1"/>
+          </p:nvPr>
+        </p:nvSpPr>
+        <p:spPr/>
+        <p:txBody>
+          <a:bodyPr/>
+          <a:lstStyle/>
+          <a:p>
+            <a:r>
               <a:rPr lang="de-CH" dirty="0" smtClean="0"/>
-              <a:t>huhu</a:t>
+              <a:t>Funktion</a:t>
             </a:r>
             <a:endParaRPr lang="de-CH" dirty="0"/>
           </a:p>
@@ -8415,12 +14523,12 @@
       </p:sp>
       <p:sp>
         <p:nvSpPr>
-          <p:cNvPr id="3" name="Titel 2"/>
-          <p:cNvSpPr>
-            <a:spLocks noGrp="1"/>
-          </p:cNvSpPr>
-          <p:nvPr>
-            <p:ph type="ctrTitle"/>
+          <p:cNvPr id="4" name="Inhaltsplatzhalter 3"/>
+          <p:cNvSpPr>
+            <a:spLocks noGrp="1"/>
+          </p:cNvSpPr>
+          <p:nvPr>
+            <p:ph sz="half" idx="13"/>
           </p:nvPr>
         </p:nvSpPr>
         <p:spPr/>
@@ -8429,16 +14537,21 @@
           <a:lstStyle/>
           <a:p>
             <a:r>
-              <a:rPr lang="de-CH" dirty="0" smtClean="0"/>
-              <a:t>Virtual Wand</a:t>
-            </a:r>
-            <a:endParaRPr lang="de-CH" dirty="0"/>
+              <a:rPr lang="de-CH" dirty="0"/>
+              <a:t>Primäres Inputgerät</a:t>
+            </a:r>
+          </a:p>
+          <a:p>
+            <a:r>
+              <a:rPr lang="de-CH" dirty="0"/>
+              <a:t>Position / Rotation wird ermittelt</a:t>
+            </a:r>
           </a:p>
         </p:txBody>
       </p:sp>
       <p:pic>
         <p:nvPicPr>
-          <p:cNvPr id="7" name="Grafik 6"/>
+          <p:cNvPr id="5" name="Grafik 4"/>
           <p:cNvPicPr>
             <a:picLocks noChangeAspect="1"/>
           </p:cNvPicPr>
@@ -8469,7 +14582,7 @@
     </p:spTree>
     <p:extLst>
       <p:ext uri="{BB962C8B-B14F-4D97-AF65-F5344CB8AC3E}">
-        <p14:creationId xmlns:p14="http://schemas.microsoft.com/office/powerpoint/2010/main" val="3065242302"/>
+        <p14:creationId xmlns:p14="http://schemas.microsoft.com/office/powerpoint/2010/main" val="3534883419"/>
       </p:ext>
     </p:extLst>
   </p:cSld>
@@ -8505,12 +14618,12 @@
       </p:grpSpPr>
       <p:sp>
         <p:nvSpPr>
-          <p:cNvPr id="2" name="Inhaltsplatzhalter 1"/>
-          <p:cNvSpPr>
-            <a:spLocks noGrp="1"/>
-          </p:cNvSpPr>
-          <p:nvPr>
-            <p:ph sz="half" idx="1"/>
+          <p:cNvPr id="2" name="Titel 1"/>
+          <p:cNvSpPr>
+            <a:spLocks noGrp="1"/>
+          </p:cNvSpPr>
+          <p:nvPr>
+            <p:ph type="ctrTitle"/>
           </p:nvPr>
         </p:nvSpPr>
         <p:spPr/>
@@ -8519,35 +14632,58 @@
           <a:lstStyle/>
           <a:p>
             <a:r>
+              <a:rPr lang="de-CH" dirty="0"/>
+              <a:t>Virtual Wand</a:t>
+            </a:r>
+            <a:endParaRPr lang="de-CH" dirty="0"/>
+          </a:p>
+        </p:txBody>
+      </p:sp>
+      <p:sp>
+        <p:nvSpPr>
+          <p:cNvPr id="3" name="Textplatzhalter 2"/>
+          <p:cNvSpPr>
+            <a:spLocks noGrp="1"/>
+          </p:cNvSpPr>
+          <p:nvPr>
+            <p:ph type="body" idx="1"/>
+          </p:nvPr>
+        </p:nvSpPr>
+        <p:spPr/>
+        <p:txBody>
+          <a:bodyPr/>
+          <a:lstStyle/>
+          <a:p>
+            <a:r>
+              <a:rPr lang="de-CH" dirty="0" err="1" smtClean="0"/>
+              <a:t>Raycast</a:t>
+            </a:r>
+            <a:endParaRPr lang="de-CH" dirty="0"/>
+          </a:p>
+        </p:txBody>
+      </p:sp>
+      <p:sp>
+        <p:nvSpPr>
+          <p:cNvPr id="4" name="Inhaltsplatzhalter 3"/>
+          <p:cNvSpPr>
+            <a:spLocks noGrp="1"/>
+          </p:cNvSpPr>
+          <p:nvPr>
+            <p:ph sz="half" idx="13"/>
+          </p:nvPr>
+        </p:nvSpPr>
+        <p:spPr/>
+        <p:txBody>
+          <a:bodyPr/>
+          <a:lstStyle/>
+          <a:p>
+            <a:r>
               <a:rPr lang="de-CH" dirty="0" smtClean="0"/>
-              <a:t>huhu</a:t>
-            </a:r>
-            <a:endParaRPr lang="de-CH" dirty="0"/>
-          </a:p>
-        </p:txBody>
-      </p:sp>
-      <p:sp>
-        <p:nvSpPr>
-          <p:cNvPr id="3" name="Titel 2"/>
-          <p:cNvSpPr>
-            <a:spLocks noGrp="1"/>
-          </p:cNvSpPr>
-          <p:nvPr>
-            <p:ph type="ctrTitle"/>
-          </p:nvPr>
-        </p:nvSpPr>
-        <p:spPr/>
-        <p:txBody>
-          <a:bodyPr/>
-          <a:lstStyle/>
-          <a:p>
+              <a:t>Schnittpunkt Wand / CAVE mittels </a:t>
+            </a:r>
             <a:r>
               <a:rPr lang="de-CH" dirty="0" err="1" smtClean="0"/>
-              <a:t>Camera</a:t>
-            </a:r>
-            <a:r>
-              <a:rPr lang="de-CH" dirty="0" smtClean="0"/>
-              <a:t> Container</a:t>
+              <a:t>Raycast</a:t>
             </a:r>
             <a:endParaRPr lang="de-CH" dirty="0"/>
           </a:p>
@@ -8555,7 +14691,7 @@
       </p:sp>
       <p:pic>
         <p:nvPicPr>
-          <p:cNvPr id="6" name="Grafik 5"/>
+          <p:cNvPr id="5" name="Grafik 4"/>
           <p:cNvPicPr>
             <a:picLocks noChangeAspect="1"/>
           </p:cNvPicPr>
@@ -8583,10 +14719,50 @@
           </a:prstGeom>
         </p:spPr>
       </p:pic>
+      <p:pic>
+        <p:nvPicPr>
+          <p:cNvPr id="6" name="Grafik 5"/>
+          <p:cNvPicPr>
+            <a:picLocks noChangeAspect="1"/>
+          </p:cNvPicPr>
+          <p:nvPr/>
+        </p:nvPicPr>
+        <p:blipFill>
+          <a:blip r:embed="rId3">
+            <a:extLst>
+              <a:ext uri="{28A0092B-C50C-407E-A947-70E740481C1C}">
+                <a14:useLocalDpi xmlns:a14="http://schemas.microsoft.com/office/drawing/2010/main" val="0"/>
+              </a:ext>
+            </a:extLst>
+          </a:blip>
+          <a:stretch>
+            <a:fillRect/>
+          </a:stretch>
+        </p:blipFill>
+        <p:spPr>
+          <a:xfrm>
+            <a:off x="468000" y="2871758"/>
+            <a:ext cx="4634441" cy="3238440"/>
+          </a:xfrm>
+          <a:prstGeom prst="rect">
+            <a:avLst/>
+          </a:prstGeom>
+          <a:ln>
+            <a:noFill/>
+          </a:ln>
+          <a:effectLst>
+            <a:outerShdw blurRad="190500" algn="tl" rotWithShape="0">
+              <a:srgbClr val="000000">
+                <a:alpha val="70000"/>
+              </a:srgbClr>
+            </a:outerShdw>
+          </a:effectLst>
+        </p:spPr>
+      </p:pic>
     </p:spTree>
     <p:extLst>
       <p:ext uri="{BB962C8B-B14F-4D97-AF65-F5344CB8AC3E}">
-        <p14:creationId xmlns:p14="http://schemas.microsoft.com/office/powerpoint/2010/main" val="2210627093"/>
+        <p14:creationId xmlns:p14="http://schemas.microsoft.com/office/powerpoint/2010/main" val="3788472928"/>
       </p:ext>
     </p:extLst>
   </p:cSld>
@@ -8635,12 +14811,131 @@
           <a:bodyPr/>
           <a:lstStyle/>
           <a:p>
+            <a:pPr marL="0" indent="0">
+              <a:buNone/>
+            </a:pPr>
+            <a:r>
+              <a:rPr lang="de-CH" dirty="0">
+                <a:solidFill>
+                  <a:srgbClr val="697D91"/>
+                </a:solidFill>
+              </a:rPr>
+              <a:t>Simulation </a:t>
+            </a:r>
+            <a:r>
+              <a:rPr lang="de-CH" dirty="0">
+                <a:solidFill>
+                  <a:srgbClr val="697D91"/>
+                </a:solidFill>
+              </a:rPr>
+              <a:t>Maus</a:t>
+            </a:r>
+          </a:p>
+          <a:p>
+            <a:r>
+              <a:rPr lang="de-CH" dirty="0" err="1"/>
+              <a:t>Mousecursor</a:t>
+            </a:r>
+            <a:r>
+              <a:rPr lang="de-CH" dirty="0"/>
+              <a:t>-Position auf OS Level setzen</a:t>
+            </a:r>
+          </a:p>
+          <a:p>
+            <a:r>
+              <a:rPr lang="de-CH" dirty="0"/>
+              <a:t>Unerlässlich für generische Steuerung Applikationen</a:t>
+            </a:r>
+          </a:p>
+          <a:p>
+            <a:pPr marL="0" indent="0">
+              <a:buNone/>
+            </a:pPr>
+            <a:endParaRPr lang="de-CH" dirty="0">
+              <a:solidFill>
+                <a:srgbClr val="697D91"/>
+              </a:solidFill>
+            </a:endParaRPr>
+          </a:p>
+          <a:p>
+            <a:pPr marL="0" indent="0">
+              <a:buNone/>
+            </a:pPr>
+            <a:r>
+              <a:rPr lang="de-CH" dirty="0" smtClean="0">
+                <a:solidFill>
+                  <a:srgbClr val="697D91"/>
+                </a:solidFill>
+              </a:rPr>
+              <a:t>Simulation Buttons</a:t>
+            </a:r>
+            <a:endParaRPr lang="de-CH" dirty="0"/>
+          </a:p>
+          <a:p>
             <a:r>
               <a:rPr lang="de-CH" dirty="0" smtClean="0"/>
-              <a:t>huhu</a:t>
-            </a:r>
+              <a:t>Buttons auf Wand lassen sich frei zuordnen</a:t>
+            </a:r>
+          </a:p>
+          <a:p>
+            <a:r>
+              <a:rPr lang="de-CH" dirty="0" smtClean="0"/>
+              <a:t>Entspricht einer Tastatureingabe</a:t>
+            </a:r>
+          </a:p>
+          <a:p>
             <a:endParaRPr lang="de-CH" dirty="0"/>
           </a:p>
+          <a:p>
+            <a:pPr marL="0" indent="0">
+              <a:buNone/>
+            </a:pPr>
+            <a:r>
+              <a:rPr lang="de-CH" dirty="0">
+                <a:solidFill>
+                  <a:srgbClr val="697D91"/>
+                </a:solidFill>
+              </a:rPr>
+              <a:t>Analoger Joystick</a:t>
+            </a:r>
+          </a:p>
+          <a:p>
+            <a:r>
+              <a:rPr lang="de-CH" dirty="0" smtClean="0"/>
+              <a:t>Werte über API auslesbar</a:t>
+            </a:r>
+          </a:p>
+          <a:p>
+            <a:pPr marL="0" indent="0">
+              <a:buNone/>
+            </a:pPr>
+            <a:endParaRPr lang="de-CH" dirty="0" smtClean="0"/>
+          </a:p>
+          <a:p>
+            <a:pPr marL="0" indent="0">
+              <a:buNone/>
+            </a:pPr>
+            <a:r>
+              <a:rPr lang="de-CH" dirty="0" err="1" smtClean="0">
+                <a:solidFill>
+                  <a:srgbClr val="697D91"/>
+                </a:solidFill>
+              </a:rPr>
+              <a:t>Smoothing</a:t>
+            </a:r>
+            <a:endParaRPr lang="de-CH" dirty="0" smtClean="0"/>
+          </a:p>
+          <a:p>
+            <a:r>
+              <a:rPr lang="de-CH" dirty="0" err="1" smtClean="0"/>
+              <a:t>One</a:t>
+            </a:r>
+            <a:r>
+              <a:rPr lang="de-CH" dirty="0" smtClean="0"/>
+              <a:t> Euro Filter</a:t>
+            </a:r>
+            <a:endParaRPr lang="de-CH" dirty="0"/>
+          </a:p>
         </p:txBody>
       </p:sp>
       <p:sp>
@@ -8659,8 +14954,12 @@
           <a:lstStyle/>
           <a:p>
             <a:r>
-              <a:rPr lang="de-CH" dirty="0" err="1" smtClean="0"/>
-              <a:t>Frustum</a:t>
+              <a:rPr lang="de-CH" dirty="0" smtClean="0"/>
+              <a:t>Virtual </a:t>
+            </a:r>
+            <a:r>
+              <a:rPr lang="de-CH" dirty="0" smtClean="0"/>
+              <a:t>Wand</a:t>
             </a:r>
             <a:endParaRPr lang="de-CH" dirty="0"/>
           </a:p>
@@ -8668,14 +14967,14 @@
       </p:sp>
       <p:pic>
         <p:nvPicPr>
-          <p:cNvPr id="6" name="Grafik 5"/>
+          <p:cNvPr id="5" name="Grafik 4"/>
           <p:cNvPicPr>
             <a:picLocks noChangeAspect="1"/>
           </p:cNvPicPr>
           <p:nvPr/>
         </p:nvPicPr>
         <p:blipFill>
-          <a:blip r:embed="rId2">
+          <a:blip r:embed="rId3">
             <a:extLst>
               <a:ext uri="{28A0092B-C50C-407E-A947-70E740481C1C}">
                 <a14:useLocalDpi xmlns:a14="http://schemas.microsoft.com/office/drawing/2010/main" val="0"/>
@@ -8699,7 +14998,7 @@
     </p:spTree>
     <p:extLst>
       <p:ext uri="{BB962C8B-B14F-4D97-AF65-F5344CB8AC3E}">
-        <p14:creationId xmlns:p14="http://schemas.microsoft.com/office/powerpoint/2010/main" val="3509411761"/>
+        <p14:creationId xmlns:p14="http://schemas.microsoft.com/office/powerpoint/2010/main" val="3512741652"/>
       </p:ext>
     </p:extLst>
   </p:cSld>
@@ -9547,15 +15846,6 @@
 </file>
 
 <file path=customXml/item1.xml><?xml version="1.0" encoding="utf-8"?>
-<?mso-contentType ?>
-<FormTemplates xmlns="http://schemas.microsoft.com/sharepoint/v3/contenttype/forms">
-  <Display>DocumentLibraryForm</Display>
-  <Edit>DocumentLibraryForm</Edit>
-  <New>DocumentLibraryForm</New>
-</FormTemplates>
-</file>
-
-<file path=customXml/item2.xml><?xml version="1.0" encoding="utf-8"?>
 <ct:contentTypeSchema xmlns:ct="http://schemas.microsoft.com/office/2006/metadata/contentType" xmlns:ma="http://schemas.microsoft.com/office/2006/metadata/properties/metaAttributes" ct:_="" ma:_="" ma:contentTypeName="QMPilot_ContentType" ma:contentTypeID="0x0101009127C3B567804923A8661E062BBD8EF500AB8983C84EF542A7976DC8547A5CDC52001BD440F45714504284DA526949208683" ma:contentTypeVersion="2" ma:contentTypeDescription="Create a new document." ma:contentTypeScope="" ma:versionID="706adce6add7c3bfcb673e0b11f1ed37">
   <xsd:schema xmlns:xsd="http://www.w3.org/2001/XMLSchema" xmlns:xs="http://www.w3.org/2001/XMLSchema" xmlns:p="http://schemas.microsoft.com/office/2006/metadata/properties" xmlns:ns2="63c724b1-652e-424f-8d99-4ee509067280" xmlns:ns3="2551ef7e-3b29-44d1-a8ad-ef34c26bfc60" targetNamespace="http://schemas.microsoft.com/office/2006/metadata/properties" ma:root="true" ma:fieldsID="0765d51910c97ab1de67628eb0dc66fa" ns2:_="" ns3:_="">
     <xsd:import namespace="63c724b1-652e-424f-8d99-4ee509067280"/>
@@ -9694,6 +15984,15 @@
 </ct:contentTypeSchema>
 </file>
 
+<file path=customXml/item2.xml><?xml version="1.0" encoding="utf-8"?>
+<?mso-contentType ?>
+<FormTemplates xmlns="http://schemas.microsoft.com/sharepoint/v3/contenttype/forms">
+  <Display>DocumentLibraryForm</Display>
+  <Edit>DocumentLibraryForm</Edit>
+  <New>DocumentLibraryForm</New>
+</FormTemplates>
+</file>
+
 <file path=customXml/item3.xml><?xml version="1.0" encoding="utf-8"?>
 <p:properties xmlns:p="http://schemas.microsoft.com/office/2006/metadata/properties" xmlns:xsi="http://www.w3.org/2001/XMLSchema-instance" xmlns:pc="http://schemas.microsoft.com/office/infopath/2007/PartnerControls">
   <documentManagement>
@@ -9711,14 +16010,6 @@
 </file>
 
 <file path=customXml/itemProps1.xml><?xml version="1.0" encoding="utf-8"?>
-<ds:datastoreItem xmlns:ds="http://schemas.openxmlformats.org/officeDocument/2006/customXml" ds:itemID="{CCF5E5E7-7F77-47A8-99A9-B4D5839292F3}">
-  <ds:schemaRefs>
-    <ds:schemaRef ds:uri="http://schemas.microsoft.com/sharepoint/v3/contenttype/forms"/>
-  </ds:schemaRefs>
-</ds:datastoreItem>
-</file>
-
-<file path=customXml/itemProps2.xml><?xml version="1.0" encoding="utf-8"?>
 <ds:datastoreItem xmlns:ds="http://schemas.openxmlformats.org/officeDocument/2006/customXml" ds:itemID="{6A51C7F3-86FD-4A82-8259-3C4C8E258325}">
   <ds:schemaRefs>
     <ds:schemaRef ds:uri="http://schemas.microsoft.com/office/2006/metadata/contentType"/>
@@ -9733,6 +16024,14 @@
     <ds:schemaRef ds:uri="http://purl.org/dc/elements/1.1/"/>
     <ds:schemaRef ds:uri="http://purl.org/dc/terms/"/>
     <ds:schemaRef ds:uri="http://schemas.microsoft.com/internal/obd"/>
+  </ds:schemaRefs>
+</ds:datastoreItem>
+</file>
+
+<file path=customXml/itemProps2.xml><?xml version="1.0" encoding="utf-8"?>
+<ds:datastoreItem xmlns:ds="http://schemas.openxmlformats.org/officeDocument/2006/customXml" ds:itemID="{CCF5E5E7-7F77-47A8-99A9-B4D5839292F3}">
+  <ds:schemaRefs>
+    <ds:schemaRef ds:uri="http://schemas.microsoft.com/sharepoint/v3/contenttype/forms"/>
   </ds:schemaRefs>
 </ds:datastoreItem>
 </file>
